--- a/Rust.pptx
+++ b/Rust.pptx
@@ -5,7 +5,7 @@
     <p:sldMasterId id="2147483708" r:id="rId1"/>
   </p:sldMasterIdLst>
   <p:notesMasterIdLst>
-    <p:notesMasterId r:id="rId42"/>
+    <p:notesMasterId r:id="rId41"/>
   </p:notesMasterIdLst>
   <p:sldIdLst>
     <p:sldId id="256" r:id="rId2"/>
@@ -34,20 +34,19 @@
     <p:sldId id="282" r:id="rId25"/>
     <p:sldId id="294" r:id="rId26"/>
     <p:sldId id="295" r:id="rId27"/>
-    <p:sldId id="284" r:id="rId28"/>
-    <p:sldId id="274" r:id="rId29"/>
-    <p:sldId id="285" r:id="rId30"/>
-    <p:sldId id="293" r:id="rId31"/>
-    <p:sldId id="298" r:id="rId32"/>
-    <p:sldId id="275" r:id="rId33"/>
-    <p:sldId id="286" r:id="rId34"/>
-    <p:sldId id="287" r:id="rId35"/>
-    <p:sldId id="292" r:id="rId36"/>
-    <p:sldId id="296" r:id="rId37"/>
-    <p:sldId id="263" r:id="rId38"/>
-    <p:sldId id="264" r:id="rId39"/>
-    <p:sldId id="265" r:id="rId40"/>
-    <p:sldId id="300" r:id="rId41"/>
+    <p:sldId id="274" r:id="rId28"/>
+    <p:sldId id="285" r:id="rId29"/>
+    <p:sldId id="293" r:id="rId30"/>
+    <p:sldId id="298" r:id="rId31"/>
+    <p:sldId id="275" r:id="rId32"/>
+    <p:sldId id="286" r:id="rId33"/>
+    <p:sldId id="287" r:id="rId34"/>
+    <p:sldId id="292" r:id="rId35"/>
+    <p:sldId id="296" r:id="rId36"/>
+    <p:sldId id="263" r:id="rId37"/>
+    <p:sldId id="264" r:id="rId38"/>
+    <p:sldId id="265" r:id="rId39"/>
+    <p:sldId id="300" r:id="rId40"/>
   </p:sldIdLst>
   <p:sldSz cx="12192000" cy="6858000"/>
   <p:notesSz cx="6858000" cy="9144000"/>
@@ -1744,7 +1743,7 @@
           <a:p>
             <a:fld id="{2B49EB26-0ADA-45E7-9D1B-6D39AA4FDD6F}" type="slidenum">
               <a:rPr lang="en-NL" smtClean="0"/>
-              <a:t>30</a:t>
+              <a:t>29</a:t>
             </a:fld>
             <a:endParaRPr lang="en-NL"/>
           </a:p>
@@ -1832,7 +1831,7 @@
           <a:p>
             <a:fld id="{2B49EB26-0ADA-45E7-9D1B-6D39AA4FDD6F}" type="slidenum">
               <a:rPr lang="en-NL" smtClean="0"/>
-              <a:t>31</a:t>
+              <a:t>30</a:t>
             </a:fld>
             <a:endParaRPr lang="en-NL"/>
           </a:p>
@@ -2756,7 +2755,7 @@
           <a:p>
             <a:fld id="{7F633B75-9D49-4E21-829D-E4FA5DBDEC21}" type="datetime8">
               <a:rPr lang="en-NL" smtClean="0"/>
-              <a:t>02/08/2024 09:07</a:t>
+              <a:t>02/08/2024 11:19</a:t>
             </a:fld>
             <a:endParaRPr lang="en-NL"/>
           </a:p>
@@ -2956,7 +2955,7 @@
           <a:p>
             <a:fld id="{DF819DCA-7153-476F-8647-871D5B3BFAE7}" type="datetime8">
               <a:rPr lang="en-NL" smtClean="0"/>
-              <a:t>02/08/2024 09:07</a:t>
+              <a:t>02/08/2024 11:19</a:t>
             </a:fld>
             <a:endParaRPr lang="en-NL"/>
           </a:p>
@@ -3166,7 +3165,7 @@
           <a:p>
             <a:fld id="{C717219E-4F2D-4866-AB7B-53F155A9128E}" type="datetime8">
               <a:rPr lang="en-NL" smtClean="0"/>
-              <a:t>02/08/2024 09:07</a:t>
+              <a:t>02/08/2024 11:19</a:t>
             </a:fld>
             <a:endParaRPr lang="en-NL"/>
           </a:p>
@@ -3419,7 +3418,7 @@
             <a:fld id="{7A8CC4E0-A659-4480-9F5D-C8AC94F5DAEC}" type="datetime8">
               <a:rPr lang="en-NL" smtClean="0"/>
               <a:pPr/>
-              <a:t>02/08/2024 09:07</a:t>
+              <a:t>02/08/2024 11:19</a:t>
             </a:fld>
             <a:endParaRPr lang="en-NL"/>
           </a:p>
@@ -3714,7 +3713,7 @@
           <a:p>
             <a:fld id="{4D886398-CF4B-40EA-9910-0FAEB177B3EC}" type="datetime8">
               <a:rPr lang="en-NL" smtClean="0"/>
-              <a:t>02/08/2024 09:07</a:t>
+              <a:t>02/08/2024 11:19</a:t>
             </a:fld>
             <a:endParaRPr lang="en-NL"/>
           </a:p>
@@ -3982,7 +3981,7 @@
           <a:p>
             <a:fld id="{C432EDAF-8C8F-41C6-96CE-B91A9CA4A46A}" type="datetime8">
               <a:rPr lang="en-NL" smtClean="0"/>
-              <a:t>02/08/2024 09:07</a:t>
+              <a:t>02/08/2024 11:19</a:t>
             </a:fld>
             <a:endParaRPr lang="en-NL"/>
           </a:p>
@@ -4397,7 +4396,7 @@
           <a:p>
             <a:fld id="{3882907D-8054-4E5D-B851-6A833B96C494}" type="datetime8">
               <a:rPr lang="en-NL" smtClean="0"/>
-              <a:t>02/08/2024 09:07</a:t>
+              <a:t>02/08/2024 11:19</a:t>
             </a:fld>
             <a:endParaRPr lang="en-NL"/>
           </a:p>
@@ -4539,7 +4538,7 @@
           <a:p>
             <a:fld id="{BAAF7DE3-02D1-45B5-B801-F09EE64DD3C6}" type="datetime8">
               <a:rPr lang="en-NL" smtClean="0"/>
-              <a:t>02/08/2024 09:07</a:t>
+              <a:t>02/08/2024 11:19</a:t>
             </a:fld>
             <a:endParaRPr lang="en-NL"/>
           </a:p>
@@ -4652,7 +4651,7 @@
           <a:p>
             <a:fld id="{4CB4DA82-DB57-4890-B566-CA59A115E4AA}" type="datetime8">
               <a:rPr lang="en-NL" smtClean="0"/>
-              <a:t>02/08/2024 09:07</a:t>
+              <a:t>02/08/2024 11:19</a:t>
             </a:fld>
             <a:endParaRPr lang="en-NL"/>
           </a:p>
@@ -4965,7 +4964,7 @@
           <a:p>
             <a:fld id="{2E1F86B2-1DD7-4C4D-8F01-C34FEE9398F4}" type="datetime8">
               <a:rPr lang="en-NL" smtClean="0"/>
-              <a:t>02/08/2024 09:07</a:t>
+              <a:t>02/08/2024 11:19</a:t>
             </a:fld>
             <a:endParaRPr lang="en-NL"/>
           </a:p>
@@ -5254,7 +5253,7 @@
           <a:p>
             <a:fld id="{E8DEB89D-55ED-4AAE-9DA8-35F3C9312BB2}" type="datetime8">
               <a:rPr lang="en-NL" smtClean="0"/>
-              <a:t>02/08/2024 09:07</a:t>
+              <a:t>02/08/2024 11:19</a:t>
             </a:fld>
             <a:endParaRPr lang="en-NL"/>
           </a:p>
@@ -5500,7 +5499,7 @@
           <a:p>
             <a:fld id="{22C37705-95C9-4E2E-9418-D08F62B82A41}" type="datetime8">
               <a:rPr lang="en-NL" smtClean="0"/>
-              <a:t>02/08/2024 09:07</a:t>
+              <a:t>02/08/2024 11:19</a:t>
             </a:fld>
             <a:endParaRPr lang="en-NL"/>
           </a:p>
@@ -13293,7 +13292,7 @@
           <p:cNvPr id="2" name="Title 1">
             <a:extLst>
               <a:ext uri="{FF2B5EF4-FFF2-40B4-BE49-F238E27FC236}">
-                <a16:creationId xmlns:a16="http://schemas.microsoft.com/office/drawing/2014/main" id="{4603F970-7F4D-6010-5120-5BD0A474D719}"/>
+                <a16:creationId xmlns:a16="http://schemas.microsoft.com/office/drawing/2014/main" id="{728288BD-9221-2444-6043-11DDD536055F}"/>
               </a:ext>
             </a:extLst>
           </p:cNvPr>
@@ -13311,7 +13310,7 @@
           <a:p>
             <a:r>
               <a:rPr lang="en-US" dirty="0"/>
-              <a:t>Reference example</a:t>
+              <a:t>Structs</a:t>
             </a:r>
             <a:endParaRPr lang="en-NL" dirty="0"/>
           </a:p>
@@ -13319,10 +13318,56 @@
       </p:sp>
       <p:sp>
         <p:nvSpPr>
+          <p:cNvPr id="3" name="Content Placeholder 2">
+            <a:extLst>
+              <a:ext uri="{FF2B5EF4-FFF2-40B4-BE49-F238E27FC236}">
+                <a16:creationId xmlns:a16="http://schemas.microsoft.com/office/drawing/2014/main" id="{BF723F85-720D-78E2-84C4-717F514B759B}"/>
+              </a:ext>
+            </a:extLst>
+          </p:cNvPr>
+          <p:cNvSpPr>
+            <a:spLocks noGrp="1"/>
+          </p:cNvSpPr>
+          <p:nvPr>
+            <p:ph idx="1"/>
+          </p:nvPr>
+        </p:nvSpPr>
+        <p:spPr>
+          <a:xfrm>
+            <a:off x="838200" y="1825625"/>
+            <a:ext cx="5352091" cy="4351338"/>
+          </a:xfrm>
+        </p:spPr>
+        <p:txBody>
+          <a:bodyPr/>
+          <a:lstStyle/>
+          <a:p>
+            <a:r>
+              <a:rPr lang="en-US" dirty="0"/>
+              <a:t>Most similar Rust type to a Python class</a:t>
+            </a:r>
+          </a:p>
+          <a:p>
+            <a:r>
+              <a:rPr lang="en-US" dirty="0"/>
+              <a:t>Named attributes</a:t>
+            </a:r>
+          </a:p>
+          <a:p>
+            <a:r>
+              <a:rPr lang="en-US" dirty="0"/>
+              <a:t>Supports methods and associated functions</a:t>
+            </a:r>
+            <a:endParaRPr lang="en-NL" dirty="0"/>
+          </a:p>
+        </p:txBody>
+      </p:sp>
+      <p:sp>
+        <p:nvSpPr>
           <p:cNvPr id="4" name="Slide Number Placeholder 3">
             <a:extLst>
               <a:ext uri="{FF2B5EF4-FFF2-40B4-BE49-F238E27FC236}">
-                <a16:creationId xmlns:a16="http://schemas.microsoft.com/office/drawing/2014/main" id="{8848F388-71B6-B33B-5D38-B20EE0EB716B}"/>
+                <a16:creationId xmlns:a16="http://schemas.microsoft.com/office/drawing/2014/main" id="{4EC5FD56-A71A-76B8-4CE1-DCC582FD294E}"/>
               </a:ext>
             </a:extLst>
           </p:cNvPr>
@@ -13342,201 +13387,6 @@
               <a:rPr lang="en-NL" smtClean="0"/>
               <a:pPr/>
               <a:t>27</a:t>
-            </a:fld>
-            <a:endParaRPr lang="en-NL" dirty="0"/>
-          </a:p>
-        </p:txBody>
-      </p:sp>
-      <p:pic>
-        <p:nvPicPr>
-          <p:cNvPr id="6" name="Picture 5">
-            <a:extLst>
-              <a:ext uri="{FF2B5EF4-FFF2-40B4-BE49-F238E27FC236}">
-                <a16:creationId xmlns:a16="http://schemas.microsoft.com/office/drawing/2014/main" id="{6C464C1F-7876-FF4D-63E4-76EC0B1DE75F}"/>
-              </a:ext>
-            </a:extLst>
-          </p:cNvPr>
-          <p:cNvPicPr>
-            <a:picLocks noChangeAspect="1"/>
-          </p:cNvPicPr>
-          <p:nvPr/>
-        </p:nvPicPr>
-        <p:blipFill>
-          <a:blip r:embed="rId2"/>
-          <a:stretch>
-            <a:fillRect/>
-          </a:stretch>
-        </p:blipFill>
-        <p:spPr>
-          <a:xfrm>
-            <a:off x="838200" y="2274874"/>
-            <a:ext cx="5405284" cy="2619055"/>
-          </a:xfrm>
-          <a:prstGeom prst="rect">
-            <a:avLst/>
-          </a:prstGeom>
-        </p:spPr>
-      </p:pic>
-      <p:pic>
-        <p:nvPicPr>
-          <p:cNvPr id="8" name="Picture 7">
-            <a:extLst>
-              <a:ext uri="{FF2B5EF4-FFF2-40B4-BE49-F238E27FC236}">
-                <a16:creationId xmlns:a16="http://schemas.microsoft.com/office/drawing/2014/main" id="{1188EE2D-B92A-83E8-A83B-6F8AC207F07A}"/>
-              </a:ext>
-            </a:extLst>
-          </p:cNvPr>
-          <p:cNvPicPr>
-            <a:picLocks noChangeAspect="1"/>
-          </p:cNvPicPr>
-          <p:nvPr/>
-        </p:nvPicPr>
-        <p:blipFill>
-          <a:blip r:embed="rId3"/>
-          <a:stretch>
-            <a:fillRect/>
-          </a:stretch>
-        </p:blipFill>
-        <p:spPr>
-          <a:xfrm>
-            <a:off x="6543573" y="2594883"/>
-            <a:ext cx="4810227" cy="2061526"/>
-          </a:xfrm>
-          <a:prstGeom prst="rect">
-            <a:avLst/>
-          </a:prstGeom>
-        </p:spPr>
-      </p:pic>
-    </p:spTree>
-    <p:extLst>
-      <p:ext uri="{BB962C8B-B14F-4D97-AF65-F5344CB8AC3E}">
-        <p14:creationId xmlns:p14="http://schemas.microsoft.com/office/powerpoint/2010/main" val="2355123335"/>
-      </p:ext>
-    </p:extLst>
-  </p:cSld>
-  <p:clrMapOvr>
-    <a:masterClrMapping/>
-  </p:clrMapOvr>
-</p:sld>
-</file>
-
-<file path=ppt/slides/slide28.xml><?xml version="1.0" encoding="utf-8"?>
-<p:sld xmlns:a="http://schemas.openxmlformats.org/drawingml/2006/main" xmlns:r="http://schemas.openxmlformats.org/officeDocument/2006/relationships" xmlns:p="http://schemas.openxmlformats.org/presentationml/2006/main">
-  <p:cSld>
-    <p:spTree>
-      <p:nvGrpSpPr>
-        <p:cNvPr id="1" name=""/>
-        <p:cNvGrpSpPr/>
-        <p:nvPr/>
-      </p:nvGrpSpPr>
-      <p:grpSpPr>
-        <a:xfrm>
-          <a:off x="0" y="0"/>
-          <a:ext cx="0" cy="0"/>
-          <a:chOff x="0" y="0"/>
-          <a:chExt cx="0" cy="0"/>
-        </a:xfrm>
-      </p:grpSpPr>
-      <p:sp>
-        <p:nvSpPr>
-          <p:cNvPr id="2" name="Title 1">
-            <a:extLst>
-              <a:ext uri="{FF2B5EF4-FFF2-40B4-BE49-F238E27FC236}">
-                <a16:creationId xmlns:a16="http://schemas.microsoft.com/office/drawing/2014/main" id="{728288BD-9221-2444-6043-11DDD536055F}"/>
-              </a:ext>
-            </a:extLst>
-          </p:cNvPr>
-          <p:cNvSpPr>
-            <a:spLocks noGrp="1"/>
-          </p:cNvSpPr>
-          <p:nvPr>
-            <p:ph type="title"/>
-          </p:nvPr>
-        </p:nvSpPr>
-        <p:spPr/>
-        <p:txBody>
-          <a:bodyPr/>
-          <a:lstStyle/>
-          <a:p>
-            <a:r>
-              <a:rPr lang="en-US" dirty="0"/>
-              <a:t>Structs</a:t>
-            </a:r>
-            <a:endParaRPr lang="en-NL" dirty="0"/>
-          </a:p>
-        </p:txBody>
-      </p:sp>
-      <p:sp>
-        <p:nvSpPr>
-          <p:cNvPr id="3" name="Content Placeholder 2">
-            <a:extLst>
-              <a:ext uri="{FF2B5EF4-FFF2-40B4-BE49-F238E27FC236}">
-                <a16:creationId xmlns:a16="http://schemas.microsoft.com/office/drawing/2014/main" id="{BF723F85-720D-78E2-84C4-717F514B759B}"/>
-              </a:ext>
-            </a:extLst>
-          </p:cNvPr>
-          <p:cNvSpPr>
-            <a:spLocks noGrp="1"/>
-          </p:cNvSpPr>
-          <p:nvPr>
-            <p:ph idx="1"/>
-          </p:nvPr>
-        </p:nvSpPr>
-        <p:spPr>
-          <a:xfrm>
-            <a:off x="838200" y="1825625"/>
-            <a:ext cx="5352091" cy="4351338"/>
-          </a:xfrm>
-        </p:spPr>
-        <p:txBody>
-          <a:bodyPr/>
-          <a:lstStyle/>
-          <a:p>
-            <a:r>
-              <a:rPr lang="en-US" dirty="0"/>
-              <a:t>Most similar Rust type to a Python class</a:t>
-            </a:r>
-          </a:p>
-          <a:p>
-            <a:r>
-              <a:rPr lang="en-US" dirty="0"/>
-              <a:t>Named attributes</a:t>
-            </a:r>
-          </a:p>
-          <a:p>
-            <a:r>
-              <a:rPr lang="en-US" dirty="0"/>
-              <a:t>Supports methods and associated functions</a:t>
-            </a:r>
-            <a:endParaRPr lang="en-NL" dirty="0"/>
-          </a:p>
-        </p:txBody>
-      </p:sp>
-      <p:sp>
-        <p:nvSpPr>
-          <p:cNvPr id="4" name="Slide Number Placeholder 3">
-            <a:extLst>
-              <a:ext uri="{FF2B5EF4-FFF2-40B4-BE49-F238E27FC236}">
-                <a16:creationId xmlns:a16="http://schemas.microsoft.com/office/drawing/2014/main" id="{4EC5FD56-A71A-76B8-4CE1-DCC582FD294E}"/>
-              </a:ext>
-            </a:extLst>
-          </p:cNvPr>
-          <p:cNvSpPr>
-            <a:spLocks noGrp="1"/>
-          </p:cNvSpPr>
-          <p:nvPr>
-            <p:ph type="sldNum" sz="quarter" idx="12"/>
-          </p:nvPr>
-        </p:nvSpPr>
-        <p:spPr/>
-        <p:txBody>
-          <a:bodyPr/>
-          <a:lstStyle/>
-          <a:p>
-            <a:fld id="{D1A528A5-A992-41B6-920C-B96B44AAC27A}" type="slidenum">
-              <a:rPr lang="en-NL" smtClean="0"/>
-              <a:pPr/>
-              <a:t>28</a:t>
             </a:fld>
             <a:endParaRPr lang="en-NL" dirty="0"/>
           </a:p>
@@ -13585,7 +13435,7 @@
 </p:sld>
 </file>
 
-<file path=ppt/slides/slide29.xml><?xml version="1.0" encoding="utf-8"?>
+<file path=ppt/slides/slide28.xml><?xml version="1.0" encoding="utf-8"?>
 <p:sld xmlns:a="http://schemas.openxmlformats.org/drawingml/2006/main" xmlns:r="http://schemas.openxmlformats.org/officeDocument/2006/relationships" xmlns:p="http://schemas.openxmlformats.org/presentationml/2006/main">
   <p:cSld>
     <p:spTree>
@@ -13655,7 +13505,7 @@
             <a:fld id="{D1A528A5-A992-41B6-920C-B96B44AAC27A}" type="slidenum">
               <a:rPr lang="en-NL" smtClean="0"/>
               <a:pPr/>
-              <a:t>29</a:t>
+              <a:t>28</a:t>
             </a:fld>
             <a:endParaRPr lang="en-NL" dirty="0"/>
           </a:p>
@@ -13735,6 +13585,150 @@
     <p:extLst>
       <p:ext uri="{BB962C8B-B14F-4D97-AF65-F5344CB8AC3E}">
         <p14:creationId xmlns:p14="http://schemas.microsoft.com/office/powerpoint/2010/main" val="2947665778"/>
+      </p:ext>
+    </p:extLst>
+  </p:cSld>
+  <p:clrMapOvr>
+    <a:masterClrMapping/>
+  </p:clrMapOvr>
+</p:sld>
+</file>
+
+<file path=ppt/slides/slide29.xml><?xml version="1.0" encoding="utf-8"?>
+<p:sld xmlns:a="http://schemas.openxmlformats.org/drawingml/2006/main" xmlns:r="http://schemas.openxmlformats.org/officeDocument/2006/relationships" xmlns:p="http://schemas.openxmlformats.org/presentationml/2006/main">
+  <p:cSld>
+    <p:spTree>
+      <p:nvGrpSpPr>
+        <p:cNvPr id="1" name=""/>
+        <p:cNvGrpSpPr/>
+        <p:nvPr/>
+      </p:nvGrpSpPr>
+      <p:grpSpPr>
+        <a:xfrm>
+          <a:off x="0" y="0"/>
+          <a:ext cx="0" cy="0"/>
+          <a:chOff x="0" y="0"/>
+          <a:chExt cx="0" cy="0"/>
+        </a:xfrm>
+      </p:grpSpPr>
+      <p:sp>
+        <p:nvSpPr>
+          <p:cNvPr id="2" name="Title 1">
+            <a:extLst>
+              <a:ext uri="{FF2B5EF4-FFF2-40B4-BE49-F238E27FC236}">
+                <a16:creationId xmlns:a16="http://schemas.microsoft.com/office/drawing/2014/main" id="{FA3A9B42-F4A7-C8C2-C202-B1C1F71A2CF2}"/>
+              </a:ext>
+            </a:extLst>
+          </p:cNvPr>
+          <p:cNvSpPr>
+            <a:spLocks noGrp="1"/>
+          </p:cNvSpPr>
+          <p:nvPr>
+            <p:ph type="title"/>
+          </p:nvPr>
+        </p:nvSpPr>
+        <p:spPr/>
+        <p:txBody>
+          <a:bodyPr/>
+          <a:lstStyle/>
+          <a:p>
+            <a:r>
+              <a:rPr lang="en-US" dirty="0"/>
+              <a:t>Macros</a:t>
+            </a:r>
+            <a:endParaRPr lang="en-NL" dirty="0"/>
+          </a:p>
+        </p:txBody>
+      </p:sp>
+      <p:sp>
+        <p:nvSpPr>
+          <p:cNvPr id="3" name="Content Placeholder 2">
+            <a:extLst>
+              <a:ext uri="{FF2B5EF4-FFF2-40B4-BE49-F238E27FC236}">
+                <a16:creationId xmlns:a16="http://schemas.microsoft.com/office/drawing/2014/main" id="{6102D2A7-31DA-CF6E-C8DA-4D5B4B152EAB}"/>
+              </a:ext>
+            </a:extLst>
+          </p:cNvPr>
+          <p:cNvSpPr>
+            <a:spLocks noGrp="1"/>
+          </p:cNvSpPr>
+          <p:nvPr>
+            <p:ph idx="1"/>
+          </p:nvPr>
+        </p:nvSpPr>
+        <p:spPr/>
+        <p:txBody>
+          <a:bodyPr/>
+          <a:lstStyle/>
+          <a:p>
+            <a:r>
+              <a:rPr lang="en-US" dirty="0"/>
+              <a:t>Expand into other code at compile time</a:t>
+            </a:r>
+          </a:p>
+          <a:p>
+            <a:r>
+              <a:rPr lang="en-US" dirty="0"/>
+              <a:t>More flexible than functions</a:t>
+            </a:r>
+          </a:p>
+          <a:p>
+            <a:r>
+              <a:rPr lang="en-US" dirty="0"/>
+              <a:t>Some are used as “decorators”</a:t>
+            </a:r>
+          </a:p>
+          <a:p>
+            <a:pPr marL="0" indent="0">
+              <a:buNone/>
+            </a:pPr>
+            <a:endParaRPr lang="en-US" dirty="0"/>
+          </a:p>
+          <a:p>
+            <a:pPr marL="0" indent="0">
+              <a:buNone/>
+            </a:pPr>
+            <a:endParaRPr lang="en-US" dirty="0"/>
+          </a:p>
+          <a:p>
+            <a:endParaRPr lang="en-NL" dirty="0"/>
+          </a:p>
+        </p:txBody>
+      </p:sp>
+      <p:sp>
+        <p:nvSpPr>
+          <p:cNvPr id="4" name="Slide Number Placeholder 3">
+            <a:extLst>
+              <a:ext uri="{FF2B5EF4-FFF2-40B4-BE49-F238E27FC236}">
+                <a16:creationId xmlns:a16="http://schemas.microsoft.com/office/drawing/2014/main" id="{0DCBF3C8-436A-2714-8AE1-E98447AA28B3}"/>
+              </a:ext>
+            </a:extLst>
+          </p:cNvPr>
+          <p:cNvSpPr>
+            <a:spLocks noGrp="1"/>
+          </p:cNvSpPr>
+          <p:nvPr>
+            <p:ph type="sldNum" sz="quarter" idx="12"/>
+          </p:nvPr>
+        </p:nvSpPr>
+        <p:spPr/>
+        <p:txBody>
+          <a:bodyPr/>
+          <a:lstStyle/>
+          <a:p>
+            <a:fld id="{D1A528A5-A992-41B6-920C-B96B44AAC27A}" type="slidenum">
+              <a:rPr lang="en-NL" smtClean="0"/>
+              <a:pPr/>
+              <a:t>29</a:t>
+            </a:fld>
+            <a:endParaRPr lang="en-NL" dirty="0"/>
+          </a:p>
+        </p:txBody>
+      </p:sp>
+    </p:spTree>
+    <p:extLst>
+      <p:ext uri="{BB962C8B-B14F-4D97-AF65-F5344CB8AC3E}">
+        <p14:creationId xmlns:p14="http://schemas.microsoft.com/office/powerpoint/2010/main" val="3886623469"/>
       </p:ext>
     </p:extLst>
   </p:cSld>
@@ -14424,64 +14418,9 @@
           <a:lstStyle/>
           <a:p>
             <a:r>
-              <a:rPr lang="en-US" dirty="0"/>
+              <a:rPr lang="en-US"/>
               <a:t>Macros</a:t>
             </a:r>
-            <a:endParaRPr lang="en-NL" dirty="0"/>
-          </a:p>
-        </p:txBody>
-      </p:sp>
-      <p:sp>
-        <p:nvSpPr>
-          <p:cNvPr id="3" name="Content Placeholder 2">
-            <a:extLst>
-              <a:ext uri="{FF2B5EF4-FFF2-40B4-BE49-F238E27FC236}">
-                <a16:creationId xmlns:a16="http://schemas.microsoft.com/office/drawing/2014/main" id="{6102D2A7-31DA-CF6E-C8DA-4D5B4B152EAB}"/>
-              </a:ext>
-            </a:extLst>
-          </p:cNvPr>
-          <p:cNvSpPr>
-            <a:spLocks noGrp="1"/>
-          </p:cNvSpPr>
-          <p:nvPr>
-            <p:ph idx="1"/>
-          </p:nvPr>
-        </p:nvSpPr>
-        <p:spPr/>
-        <p:txBody>
-          <a:bodyPr/>
-          <a:lstStyle/>
-          <a:p>
-            <a:r>
-              <a:rPr lang="en-US" dirty="0"/>
-              <a:t>Expand into other code at compile time</a:t>
-            </a:r>
-          </a:p>
-          <a:p>
-            <a:r>
-              <a:rPr lang="en-US" dirty="0"/>
-              <a:t>More flexible than functions</a:t>
-            </a:r>
-          </a:p>
-          <a:p>
-            <a:r>
-              <a:rPr lang="en-US" dirty="0"/>
-              <a:t>Some are used as “decorators”</a:t>
-            </a:r>
-          </a:p>
-          <a:p>
-            <a:pPr marL="0" indent="0">
-              <a:buNone/>
-            </a:pPr>
-            <a:endParaRPr lang="en-US" dirty="0"/>
-          </a:p>
-          <a:p>
-            <a:pPr marL="0" indent="0">
-              <a:buNone/>
-            </a:pPr>
-            <a:endParaRPr lang="en-US" dirty="0"/>
-          </a:p>
-          <a:p>
             <a:endParaRPr lang="en-NL" dirty="0"/>
           </a:p>
         </p:txBody>
@@ -14511,95 +14450,6 @@
               <a:rPr lang="en-NL" smtClean="0"/>
               <a:pPr/>
               <a:t>30</a:t>
-            </a:fld>
-            <a:endParaRPr lang="en-NL" dirty="0"/>
-          </a:p>
-        </p:txBody>
-      </p:sp>
-    </p:spTree>
-    <p:extLst>
-      <p:ext uri="{BB962C8B-B14F-4D97-AF65-F5344CB8AC3E}">
-        <p14:creationId xmlns:p14="http://schemas.microsoft.com/office/powerpoint/2010/main" val="3886623469"/>
-      </p:ext>
-    </p:extLst>
-  </p:cSld>
-  <p:clrMapOvr>
-    <a:masterClrMapping/>
-  </p:clrMapOvr>
-</p:sld>
-</file>
-
-<file path=ppt/slides/slide31.xml><?xml version="1.0" encoding="utf-8"?>
-<p:sld xmlns:a="http://schemas.openxmlformats.org/drawingml/2006/main" xmlns:r="http://schemas.openxmlformats.org/officeDocument/2006/relationships" xmlns:p="http://schemas.openxmlformats.org/presentationml/2006/main">
-  <p:cSld>
-    <p:spTree>
-      <p:nvGrpSpPr>
-        <p:cNvPr id="1" name=""/>
-        <p:cNvGrpSpPr/>
-        <p:nvPr/>
-      </p:nvGrpSpPr>
-      <p:grpSpPr>
-        <a:xfrm>
-          <a:off x="0" y="0"/>
-          <a:ext cx="0" cy="0"/>
-          <a:chOff x="0" y="0"/>
-          <a:chExt cx="0" cy="0"/>
-        </a:xfrm>
-      </p:grpSpPr>
-      <p:sp>
-        <p:nvSpPr>
-          <p:cNvPr id="2" name="Title 1">
-            <a:extLst>
-              <a:ext uri="{FF2B5EF4-FFF2-40B4-BE49-F238E27FC236}">
-                <a16:creationId xmlns:a16="http://schemas.microsoft.com/office/drawing/2014/main" id="{FA3A9B42-F4A7-C8C2-C202-B1C1F71A2CF2}"/>
-              </a:ext>
-            </a:extLst>
-          </p:cNvPr>
-          <p:cNvSpPr>
-            <a:spLocks noGrp="1"/>
-          </p:cNvSpPr>
-          <p:nvPr>
-            <p:ph type="title"/>
-          </p:nvPr>
-        </p:nvSpPr>
-        <p:spPr/>
-        <p:txBody>
-          <a:bodyPr/>
-          <a:lstStyle/>
-          <a:p>
-            <a:r>
-              <a:rPr lang="en-US"/>
-              <a:t>Macros</a:t>
-            </a:r>
-            <a:endParaRPr lang="en-NL" dirty="0"/>
-          </a:p>
-        </p:txBody>
-      </p:sp>
-      <p:sp>
-        <p:nvSpPr>
-          <p:cNvPr id="4" name="Slide Number Placeholder 3">
-            <a:extLst>
-              <a:ext uri="{FF2B5EF4-FFF2-40B4-BE49-F238E27FC236}">
-                <a16:creationId xmlns:a16="http://schemas.microsoft.com/office/drawing/2014/main" id="{0DCBF3C8-436A-2714-8AE1-E98447AA28B3}"/>
-              </a:ext>
-            </a:extLst>
-          </p:cNvPr>
-          <p:cNvSpPr>
-            <a:spLocks noGrp="1"/>
-          </p:cNvSpPr>
-          <p:nvPr>
-            <p:ph type="sldNum" sz="quarter" idx="12"/>
-          </p:nvPr>
-        </p:nvSpPr>
-        <p:spPr/>
-        <p:txBody>
-          <a:bodyPr/>
-          <a:lstStyle/>
-          <a:p>
-            <a:fld id="{D1A528A5-A992-41B6-920C-B96B44AAC27A}" type="slidenum">
-              <a:rPr lang="en-NL" smtClean="0"/>
-              <a:pPr/>
-              <a:t>31</a:t>
             </a:fld>
             <a:endParaRPr lang="en-NL" dirty="0"/>
           </a:p>
@@ -14946,7 +14796,7 @@
 </p:sld>
 </file>
 
-<file path=ppt/slides/slide32.xml><?xml version="1.0" encoding="utf-8"?>
+<file path=ppt/slides/slide31.xml><?xml version="1.0" encoding="utf-8"?>
 <p:sld xmlns:a="http://schemas.openxmlformats.org/drawingml/2006/main" xmlns:r="http://schemas.openxmlformats.org/officeDocument/2006/relationships" xmlns:p="http://schemas.openxmlformats.org/presentationml/2006/main">
   <p:cSld>
     <p:spTree>
@@ -15016,7 +14866,7 @@
             <a:fld id="{D1A528A5-A992-41B6-920C-B96B44AAC27A}" type="slidenum">
               <a:rPr lang="en-NL" smtClean="0"/>
               <a:pPr/>
-              <a:t>32</a:t>
+              <a:t>31</a:t>
             </a:fld>
             <a:endParaRPr lang="en-NL" dirty="0"/>
           </a:p>
@@ -15101,7 +14951,7 @@
 </p:sld>
 </file>
 
-<file path=ppt/slides/slide33.xml><?xml version="1.0" encoding="utf-8"?>
+<file path=ppt/slides/slide32.xml><?xml version="1.0" encoding="utf-8"?>
 <p:sld xmlns:a="http://schemas.openxmlformats.org/drawingml/2006/main" xmlns:r="http://schemas.openxmlformats.org/officeDocument/2006/relationships" xmlns:p="http://schemas.openxmlformats.org/presentationml/2006/main">
   <p:cSld>
     <p:spTree>
@@ -15205,7 +15055,7 @@
             <a:fld id="{D1A528A5-A992-41B6-920C-B96B44AAC27A}" type="slidenum">
               <a:rPr lang="en-NL" smtClean="0"/>
               <a:pPr/>
-              <a:t>33</a:t>
+              <a:t>32</a:t>
             </a:fld>
             <a:endParaRPr lang="en-NL" dirty="0"/>
           </a:p>
@@ -15254,7 +15104,7 @@
 </p:sld>
 </file>
 
-<file path=ppt/slides/slide34.xml><?xml version="1.0" encoding="utf-8"?>
+<file path=ppt/slides/slide33.xml><?xml version="1.0" encoding="utf-8"?>
 <p:sld xmlns:a="http://schemas.openxmlformats.org/drawingml/2006/main" xmlns:r="http://schemas.openxmlformats.org/officeDocument/2006/relationships" xmlns:p="http://schemas.openxmlformats.org/presentationml/2006/main">
   <p:cSld>
     <p:spTree>
@@ -15324,7 +15174,7 @@
             <a:fld id="{D1A528A5-A992-41B6-920C-B96B44AAC27A}" type="slidenum">
               <a:rPr lang="en-NL" smtClean="0"/>
               <a:pPr/>
-              <a:t>34</a:t>
+              <a:t>33</a:t>
             </a:fld>
             <a:endParaRPr lang="en-NL" dirty="0"/>
           </a:p>
@@ -15518,6 +15368,195 @@
     <p:extLst>
       <p:ext uri="{BB962C8B-B14F-4D97-AF65-F5344CB8AC3E}">
         <p14:creationId xmlns:p14="http://schemas.microsoft.com/office/powerpoint/2010/main" val="1083166638"/>
+      </p:ext>
+    </p:extLst>
+  </p:cSld>
+  <p:clrMapOvr>
+    <a:masterClrMapping/>
+  </p:clrMapOvr>
+</p:sld>
+</file>
+
+<file path=ppt/slides/slide34.xml><?xml version="1.0" encoding="utf-8"?>
+<p:sld xmlns:a="http://schemas.openxmlformats.org/drawingml/2006/main" xmlns:r="http://schemas.openxmlformats.org/officeDocument/2006/relationships" xmlns:p="http://schemas.openxmlformats.org/presentationml/2006/main">
+  <p:cSld>
+    <p:spTree>
+      <p:nvGrpSpPr>
+        <p:cNvPr id="1" name=""/>
+        <p:cNvGrpSpPr/>
+        <p:nvPr/>
+      </p:nvGrpSpPr>
+      <p:grpSpPr>
+        <a:xfrm>
+          <a:off x="0" y="0"/>
+          <a:ext cx="0" cy="0"/>
+          <a:chOff x="0" y="0"/>
+          <a:chExt cx="0" cy="0"/>
+        </a:xfrm>
+      </p:grpSpPr>
+      <p:sp>
+        <p:nvSpPr>
+          <p:cNvPr id="2" name="Title 1">
+            <a:extLst>
+              <a:ext uri="{FF2B5EF4-FFF2-40B4-BE49-F238E27FC236}">
+                <a16:creationId xmlns:a16="http://schemas.microsoft.com/office/drawing/2014/main" id="{8CE870F2-CA07-FB20-9755-1598FD4BA429}"/>
+              </a:ext>
+            </a:extLst>
+          </p:cNvPr>
+          <p:cNvSpPr>
+            <a:spLocks noGrp="1"/>
+          </p:cNvSpPr>
+          <p:nvPr>
+            <p:ph type="title"/>
+          </p:nvPr>
+        </p:nvSpPr>
+        <p:spPr/>
+        <p:txBody>
+          <a:bodyPr/>
+          <a:lstStyle/>
+          <a:p>
+            <a:r>
+              <a:rPr lang="en-US" dirty="0"/>
+              <a:t>Vector iteration</a:t>
+            </a:r>
+            <a:endParaRPr lang="en-NL" dirty="0"/>
+          </a:p>
+        </p:txBody>
+      </p:sp>
+      <p:sp>
+        <p:nvSpPr>
+          <p:cNvPr id="4" name="Slide Number Placeholder 3">
+            <a:extLst>
+              <a:ext uri="{FF2B5EF4-FFF2-40B4-BE49-F238E27FC236}">
+                <a16:creationId xmlns:a16="http://schemas.microsoft.com/office/drawing/2014/main" id="{07284068-E5F9-65A6-3704-FBCC142C93D3}"/>
+              </a:ext>
+            </a:extLst>
+          </p:cNvPr>
+          <p:cNvSpPr>
+            <a:spLocks noGrp="1"/>
+          </p:cNvSpPr>
+          <p:nvPr>
+            <p:ph type="sldNum" sz="quarter" idx="12"/>
+          </p:nvPr>
+        </p:nvSpPr>
+        <p:spPr/>
+        <p:txBody>
+          <a:bodyPr/>
+          <a:lstStyle/>
+          <a:p>
+            <a:fld id="{D1A528A5-A992-41B6-920C-B96B44AAC27A}" type="slidenum">
+              <a:rPr lang="en-NL" smtClean="0"/>
+              <a:pPr/>
+              <a:t>34</a:t>
+            </a:fld>
+            <a:endParaRPr lang="en-NL" dirty="0"/>
+          </a:p>
+        </p:txBody>
+      </p:sp>
+      <p:pic>
+        <p:nvPicPr>
+          <p:cNvPr id="11" name="Picture 10">
+            <a:extLst>
+              <a:ext uri="{FF2B5EF4-FFF2-40B4-BE49-F238E27FC236}">
+                <a16:creationId xmlns:a16="http://schemas.microsoft.com/office/drawing/2014/main" id="{B669F928-A2D5-0B17-1BDC-CD71A9E9746C}"/>
+              </a:ext>
+            </a:extLst>
+          </p:cNvPr>
+          <p:cNvPicPr>
+            <a:picLocks noChangeAspect="1"/>
+          </p:cNvPicPr>
+          <p:nvPr/>
+        </p:nvPicPr>
+        <p:blipFill>
+          <a:blip r:embed="rId2"/>
+          <a:stretch>
+            <a:fillRect/>
+          </a:stretch>
+        </p:blipFill>
+        <p:spPr>
+          <a:xfrm>
+            <a:off x="6096000" y="1825625"/>
+            <a:ext cx="4477375" cy="1295581"/>
+          </a:xfrm>
+          <a:prstGeom prst="rect">
+            <a:avLst/>
+          </a:prstGeom>
+        </p:spPr>
+      </p:pic>
+      <p:pic>
+        <p:nvPicPr>
+          <p:cNvPr id="5" name="Picture 4">
+            <a:extLst>
+              <a:ext uri="{FF2B5EF4-FFF2-40B4-BE49-F238E27FC236}">
+                <a16:creationId xmlns:a16="http://schemas.microsoft.com/office/drawing/2014/main" id="{980027DE-C69B-7BE6-7399-E0C9E8A929DB}"/>
+              </a:ext>
+            </a:extLst>
+          </p:cNvPr>
+          <p:cNvPicPr>
+            <a:picLocks noChangeAspect="1"/>
+          </p:cNvPicPr>
+          <p:nvPr/>
+        </p:nvPicPr>
+        <p:blipFill>
+          <a:blip r:embed="rId3"/>
+          <a:stretch>
+            <a:fillRect/>
+          </a:stretch>
+        </p:blipFill>
+        <p:spPr>
+          <a:xfrm>
+            <a:off x="803031" y="3657824"/>
+            <a:ext cx="10200341" cy="2168072"/>
+          </a:xfrm>
+          <a:prstGeom prst="rect">
+            <a:avLst/>
+          </a:prstGeom>
+        </p:spPr>
+      </p:pic>
+      <p:sp>
+        <p:nvSpPr>
+          <p:cNvPr id="7" name="Content Placeholder 2">
+            <a:extLst>
+              <a:ext uri="{FF2B5EF4-FFF2-40B4-BE49-F238E27FC236}">
+                <a16:creationId xmlns:a16="http://schemas.microsoft.com/office/drawing/2014/main" id="{3B964994-4DD6-5B9D-3675-BAD20612550C}"/>
+              </a:ext>
+            </a:extLst>
+          </p:cNvPr>
+          <p:cNvSpPr>
+            <a:spLocks noGrp="1"/>
+          </p:cNvSpPr>
+          <p:nvPr>
+            <p:ph idx="1"/>
+          </p:nvPr>
+        </p:nvSpPr>
+        <p:spPr>
+          <a:xfrm>
+            <a:off x="838200" y="1825625"/>
+            <a:ext cx="4815348" cy="1524244"/>
+          </a:xfrm>
+        </p:spPr>
+        <p:txBody>
+          <a:bodyPr/>
+          <a:lstStyle/>
+          <a:p>
+            <a:r>
+              <a:rPr lang="en-US" dirty="0"/>
+              <a:t>Iterate with for loop</a:t>
+            </a:r>
+          </a:p>
+          <a:p>
+            <a:r>
+              <a:rPr lang="en-US" dirty="0"/>
+              <a:t>Or turn a vector into an iterator</a:t>
+            </a:r>
+            <a:endParaRPr lang="en-NL" dirty="0"/>
+          </a:p>
+        </p:txBody>
+      </p:sp>
+    </p:spTree>
+    <p:extLst>
+      <p:ext uri="{BB962C8B-B14F-4D97-AF65-F5344CB8AC3E}">
+        <p14:creationId xmlns:p14="http://schemas.microsoft.com/office/powerpoint/2010/main" val="1038172017"/>
       </p:ext>
     </p:extLst>
   </p:cSld>
@@ -15549,7 +15588,7 @@
           <p:cNvPr id="2" name="Title 1">
             <a:extLst>
               <a:ext uri="{FF2B5EF4-FFF2-40B4-BE49-F238E27FC236}">
-                <a16:creationId xmlns:a16="http://schemas.microsoft.com/office/drawing/2014/main" id="{8CE870F2-CA07-FB20-9755-1598FD4BA429}"/>
+                <a16:creationId xmlns:a16="http://schemas.microsoft.com/office/drawing/2014/main" id="{74881CE1-73C8-E1F4-9037-4DC59F1EC9A9}"/>
               </a:ext>
             </a:extLst>
           </p:cNvPr>
@@ -15567,7 +15606,7 @@
           <a:p>
             <a:r>
               <a:rPr lang="en-US" dirty="0"/>
-              <a:t>Vector iteration</a:t>
+              <a:t>Errors</a:t>
             </a:r>
             <a:endParaRPr lang="en-NL" dirty="0"/>
           </a:p>
@@ -15578,7 +15617,7 @@
           <p:cNvPr id="4" name="Slide Number Placeholder 3">
             <a:extLst>
               <a:ext uri="{FF2B5EF4-FFF2-40B4-BE49-F238E27FC236}">
-                <a16:creationId xmlns:a16="http://schemas.microsoft.com/office/drawing/2014/main" id="{07284068-E5F9-65A6-3704-FBCC142C93D3}"/>
+                <a16:creationId xmlns:a16="http://schemas.microsoft.com/office/drawing/2014/main" id="{1A0EB00A-4012-FAD5-94F0-824F0868900B}"/>
               </a:ext>
             </a:extLst>
           </p:cNvPr>
@@ -15598,195 +15637,6 @@
               <a:rPr lang="en-NL" smtClean="0"/>
               <a:pPr/>
               <a:t>35</a:t>
-            </a:fld>
-            <a:endParaRPr lang="en-NL" dirty="0"/>
-          </a:p>
-        </p:txBody>
-      </p:sp>
-      <p:pic>
-        <p:nvPicPr>
-          <p:cNvPr id="11" name="Picture 10">
-            <a:extLst>
-              <a:ext uri="{FF2B5EF4-FFF2-40B4-BE49-F238E27FC236}">
-                <a16:creationId xmlns:a16="http://schemas.microsoft.com/office/drawing/2014/main" id="{B669F928-A2D5-0B17-1BDC-CD71A9E9746C}"/>
-              </a:ext>
-            </a:extLst>
-          </p:cNvPr>
-          <p:cNvPicPr>
-            <a:picLocks noChangeAspect="1"/>
-          </p:cNvPicPr>
-          <p:nvPr/>
-        </p:nvPicPr>
-        <p:blipFill>
-          <a:blip r:embed="rId2"/>
-          <a:stretch>
-            <a:fillRect/>
-          </a:stretch>
-        </p:blipFill>
-        <p:spPr>
-          <a:xfrm>
-            <a:off x="6096000" y="1825625"/>
-            <a:ext cx="4477375" cy="1295581"/>
-          </a:xfrm>
-          <a:prstGeom prst="rect">
-            <a:avLst/>
-          </a:prstGeom>
-        </p:spPr>
-      </p:pic>
-      <p:pic>
-        <p:nvPicPr>
-          <p:cNvPr id="5" name="Picture 4">
-            <a:extLst>
-              <a:ext uri="{FF2B5EF4-FFF2-40B4-BE49-F238E27FC236}">
-                <a16:creationId xmlns:a16="http://schemas.microsoft.com/office/drawing/2014/main" id="{980027DE-C69B-7BE6-7399-E0C9E8A929DB}"/>
-              </a:ext>
-            </a:extLst>
-          </p:cNvPr>
-          <p:cNvPicPr>
-            <a:picLocks noChangeAspect="1"/>
-          </p:cNvPicPr>
-          <p:nvPr/>
-        </p:nvPicPr>
-        <p:blipFill>
-          <a:blip r:embed="rId3"/>
-          <a:stretch>
-            <a:fillRect/>
-          </a:stretch>
-        </p:blipFill>
-        <p:spPr>
-          <a:xfrm>
-            <a:off x="803031" y="3657824"/>
-            <a:ext cx="10200341" cy="2168072"/>
-          </a:xfrm>
-          <a:prstGeom prst="rect">
-            <a:avLst/>
-          </a:prstGeom>
-        </p:spPr>
-      </p:pic>
-      <p:sp>
-        <p:nvSpPr>
-          <p:cNvPr id="7" name="Content Placeholder 2">
-            <a:extLst>
-              <a:ext uri="{FF2B5EF4-FFF2-40B4-BE49-F238E27FC236}">
-                <a16:creationId xmlns:a16="http://schemas.microsoft.com/office/drawing/2014/main" id="{3B964994-4DD6-5B9D-3675-BAD20612550C}"/>
-              </a:ext>
-            </a:extLst>
-          </p:cNvPr>
-          <p:cNvSpPr>
-            <a:spLocks noGrp="1"/>
-          </p:cNvSpPr>
-          <p:nvPr>
-            <p:ph idx="1"/>
-          </p:nvPr>
-        </p:nvSpPr>
-        <p:spPr>
-          <a:xfrm>
-            <a:off x="838200" y="1825625"/>
-            <a:ext cx="4815348" cy="1524244"/>
-          </a:xfrm>
-        </p:spPr>
-        <p:txBody>
-          <a:bodyPr/>
-          <a:lstStyle/>
-          <a:p>
-            <a:r>
-              <a:rPr lang="en-US" dirty="0"/>
-              <a:t>Iterate with for loop</a:t>
-            </a:r>
-          </a:p>
-          <a:p>
-            <a:r>
-              <a:rPr lang="en-US" dirty="0"/>
-              <a:t>Or turn a vector into an iterator</a:t>
-            </a:r>
-            <a:endParaRPr lang="en-NL" dirty="0"/>
-          </a:p>
-        </p:txBody>
-      </p:sp>
-    </p:spTree>
-    <p:extLst>
-      <p:ext uri="{BB962C8B-B14F-4D97-AF65-F5344CB8AC3E}">
-        <p14:creationId xmlns:p14="http://schemas.microsoft.com/office/powerpoint/2010/main" val="1038172017"/>
-      </p:ext>
-    </p:extLst>
-  </p:cSld>
-  <p:clrMapOvr>
-    <a:masterClrMapping/>
-  </p:clrMapOvr>
-</p:sld>
-</file>
-
-<file path=ppt/slides/slide36.xml><?xml version="1.0" encoding="utf-8"?>
-<p:sld xmlns:a="http://schemas.openxmlformats.org/drawingml/2006/main" xmlns:r="http://schemas.openxmlformats.org/officeDocument/2006/relationships" xmlns:p="http://schemas.openxmlformats.org/presentationml/2006/main">
-  <p:cSld>
-    <p:spTree>
-      <p:nvGrpSpPr>
-        <p:cNvPr id="1" name=""/>
-        <p:cNvGrpSpPr/>
-        <p:nvPr/>
-      </p:nvGrpSpPr>
-      <p:grpSpPr>
-        <a:xfrm>
-          <a:off x="0" y="0"/>
-          <a:ext cx="0" cy="0"/>
-          <a:chOff x="0" y="0"/>
-          <a:chExt cx="0" cy="0"/>
-        </a:xfrm>
-      </p:grpSpPr>
-      <p:sp>
-        <p:nvSpPr>
-          <p:cNvPr id="2" name="Title 1">
-            <a:extLst>
-              <a:ext uri="{FF2B5EF4-FFF2-40B4-BE49-F238E27FC236}">
-                <a16:creationId xmlns:a16="http://schemas.microsoft.com/office/drawing/2014/main" id="{74881CE1-73C8-E1F4-9037-4DC59F1EC9A9}"/>
-              </a:ext>
-            </a:extLst>
-          </p:cNvPr>
-          <p:cNvSpPr>
-            <a:spLocks noGrp="1"/>
-          </p:cNvSpPr>
-          <p:nvPr>
-            <p:ph type="title"/>
-          </p:nvPr>
-        </p:nvSpPr>
-        <p:spPr/>
-        <p:txBody>
-          <a:bodyPr/>
-          <a:lstStyle/>
-          <a:p>
-            <a:r>
-              <a:rPr lang="en-US" dirty="0"/>
-              <a:t>Errors</a:t>
-            </a:r>
-            <a:endParaRPr lang="en-NL" dirty="0"/>
-          </a:p>
-        </p:txBody>
-      </p:sp>
-      <p:sp>
-        <p:nvSpPr>
-          <p:cNvPr id="4" name="Slide Number Placeholder 3">
-            <a:extLst>
-              <a:ext uri="{FF2B5EF4-FFF2-40B4-BE49-F238E27FC236}">
-                <a16:creationId xmlns:a16="http://schemas.microsoft.com/office/drawing/2014/main" id="{1A0EB00A-4012-FAD5-94F0-824F0868900B}"/>
-              </a:ext>
-            </a:extLst>
-          </p:cNvPr>
-          <p:cNvSpPr>
-            <a:spLocks noGrp="1"/>
-          </p:cNvSpPr>
-          <p:nvPr>
-            <p:ph type="sldNum" sz="quarter" idx="12"/>
-          </p:nvPr>
-        </p:nvSpPr>
-        <p:spPr/>
-        <p:txBody>
-          <a:bodyPr/>
-          <a:lstStyle/>
-          <a:p>
-            <a:fld id="{D1A528A5-A992-41B6-920C-B96B44AAC27A}" type="slidenum">
-              <a:rPr lang="en-NL" smtClean="0"/>
-              <a:pPr/>
-              <a:t>36</a:t>
             </a:fld>
             <a:endParaRPr lang="en-NL" dirty="0"/>
           </a:p>
@@ -16280,7 +16130,7 @@
 </p:sld>
 </file>
 
-<file path=ppt/slides/slide37.xml><?xml version="1.0" encoding="utf-8"?>
+<file path=ppt/slides/slide36.xml><?xml version="1.0" encoding="utf-8"?>
 <p:sld xmlns:a="http://schemas.openxmlformats.org/drawingml/2006/main" xmlns:r="http://schemas.openxmlformats.org/officeDocument/2006/relationships" xmlns:p="http://schemas.openxmlformats.org/presentationml/2006/main">
   <p:cSld>
     <p:spTree>
@@ -16387,7 +16237,7 @@
           <a:p>
             <a:fld id="{D1A528A5-A992-41B6-920C-B96B44AAC27A}" type="slidenum">
               <a:rPr lang="en-NL" smtClean="0"/>
-              <a:t>37</a:t>
+              <a:t>36</a:t>
             </a:fld>
             <a:endParaRPr lang="en-NL" dirty="0"/>
           </a:p>
@@ -16728,7 +16578,7 @@
 </p:sld>
 </file>
 
-<file path=ppt/slides/slide38.xml><?xml version="1.0" encoding="utf-8"?>
+<file path=ppt/slides/slide37.xml><?xml version="1.0" encoding="utf-8"?>
 <p:sld xmlns:a="http://schemas.openxmlformats.org/drawingml/2006/main" xmlns:r="http://schemas.openxmlformats.org/officeDocument/2006/relationships" xmlns:p="http://schemas.openxmlformats.org/presentationml/2006/main">
   <p:cSld>
     <p:spTree>
@@ -17022,7 +16872,7 @@
           <a:p>
             <a:fld id="{D1A528A5-A992-41B6-920C-B96B44AAC27A}" type="slidenum">
               <a:rPr lang="en-NL" smtClean="0"/>
-              <a:t>38</a:t>
+              <a:t>37</a:t>
             </a:fld>
             <a:endParaRPr lang="en-NL" dirty="0"/>
           </a:p>
@@ -17087,7 +16937,7 @@
 </p:sld>
 </file>
 
-<file path=ppt/slides/slide39.xml><?xml version="1.0" encoding="utf-8"?>
+<file path=ppt/slides/slide38.xml><?xml version="1.0" encoding="utf-8"?>
 <p:sld xmlns:a="http://schemas.openxmlformats.org/drawingml/2006/main" xmlns:r="http://schemas.openxmlformats.org/officeDocument/2006/relationships" xmlns:p="http://schemas.openxmlformats.org/presentationml/2006/main">
   <p:cSld>
     <p:spTree>
@@ -17164,7 +17014,7 @@
           <a:p>
             <a:fld id="{D1A528A5-A992-41B6-920C-B96B44AAC27A}" type="slidenum">
               <a:rPr lang="en-NL" smtClean="0"/>
-              <a:t>39</a:t>
+              <a:t>38</a:t>
             </a:fld>
             <a:endParaRPr lang="en-NL" dirty="0"/>
           </a:p>
@@ -17569,220 +17419,7 @@
 </p:sld>
 </file>
 
-<file path=ppt/slides/slide4.xml><?xml version="1.0" encoding="utf-8"?>
-<p:sld xmlns:a="http://schemas.openxmlformats.org/drawingml/2006/main" xmlns:r="http://schemas.openxmlformats.org/officeDocument/2006/relationships" xmlns:p="http://schemas.openxmlformats.org/presentationml/2006/main">
-  <p:cSld>
-    <p:spTree>
-      <p:nvGrpSpPr>
-        <p:cNvPr id="1" name=""/>
-        <p:cNvGrpSpPr/>
-        <p:nvPr/>
-      </p:nvGrpSpPr>
-      <p:grpSpPr>
-        <a:xfrm>
-          <a:off x="0" y="0"/>
-          <a:ext cx="0" cy="0"/>
-          <a:chOff x="0" y="0"/>
-          <a:chExt cx="0" cy="0"/>
-        </a:xfrm>
-      </p:grpSpPr>
-      <p:sp>
-        <p:nvSpPr>
-          <p:cNvPr id="2" name="Title 1">
-            <a:extLst>
-              <a:ext uri="{FF2B5EF4-FFF2-40B4-BE49-F238E27FC236}">
-                <a16:creationId xmlns:a16="http://schemas.microsoft.com/office/drawing/2014/main" id="{1C744FBE-80F3-DC3F-7D5E-A6472864D5C3}"/>
-              </a:ext>
-            </a:extLst>
-          </p:cNvPr>
-          <p:cNvSpPr>
-            <a:spLocks noGrp="1"/>
-          </p:cNvSpPr>
-          <p:nvPr>
-            <p:ph type="title"/>
-          </p:nvPr>
-        </p:nvSpPr>
-        <p:spPr/>
-        <p:txBody>
-          <a:bodyPr/>
-          <a:lstStyle/>
-          <a:p>
-            <a:r>
-              <a:rPr lang="en-US" dirty="0">
-                <a:solidFill>
-                  <a:schemeClr val="bg1"/>
-                </a:solidFill>
-                <a:ea typeface="JetBrainsMono NF" panose="02000009000000000000" pitchFamily="50" charset="0"/>
-                <a:cs typeface="JetBrainsMono NF" panose="02000009000000000000" pitchFamily="50" charset="0"/>
-              </a:rPr>
-              <a:t>Why Rust?</a:t>
-            </a:r>
-            <a:endParaRPr lang="en-NL" dirty="0">
-              <a:solidFill>
-                <a:schemeClr val="bg1"/>
-              </a:solidFill>
-              <a:ea typeface="JetBrainsMono NF" panose="02000009000000000000" pitchFamily="50" charset="0"/>
-              <a:cs typeface="JetBrainsMono NF" panose="02000009000000000000" pitchFamily="50" charset="0"/>
-            </a:endParaRPr>
-          </a:p>
-        </p:txBody>
-      </p:sp>
-      <p:sp>
-        <p:nvSpPr>
-          <p:cNvPr id="3" name="Content Placeholder 2">
-            <a:extLst>
-              <a:ext uri="{FF2B5EF4-FFF2-40B4-BE49-F238E27FC236}">
-                <a16:creationId xmlns:a16="http://schemas.microsoft.com/office/drawing/2014/main" id="{F2552149-AAE6-2291-6336-B5925B2D28A6}"/>
-              </a:ext>
-            </a:extLst>
-          </p:cNvPr>
-          <p:cNvSpPr>
-            <a:spLocks noGrp="1"/>
-          </p:cNvSpPr>
-          <p:nvPr>
-            <p:ph idx="1"/>
-          </p:nvPr>
-        </p:nvSpPr>
-        <p:spPr/>
-        <p:txBody>
-          <a:bodyPr/>
-          <a:lstStyle/>
-          <a:p>
-            <a:r>
-              <a:rPr lang="en-US" dirty="0">
-                <a:solidFill>
-                  <a:schemeClr val="bg1"/>
-                </a:solidFill>
-                <a:ea typeface="JetBrainsMono NF" panose="02000009000000000000" pitchFamily="50" charset="0"/>
-                <a:cs typeface="JetBrainsMono NF" panose="02000009000000000000" pitchFamily="50" charset="0"/>
-              </a:rPr>
-              <a:t>Most admired language in the stack overflow survey since 2016</a:t>
-            </a:r>
-          </a:p>
-          <a:p>
-            <a:r>
-              <a:rPr lang="en-US" dirty="0">
-                <a:ea typeface="JetBrainsMono NF" panose="02000009000000000000" pitchFamily="50" charset="0"/>
-                <a:cs typeface="JetBrainsMono NF" panose="02000009000000000000" pitchFamily="50" charset="0"/>
-              </a:rPr>
-              <a:t>Fast</a:t>
-            </a:r>
-            <a:endParaRPr lang="en-NL" dirty="0">
-              <a:ea typeface="JetBrainsMono NF" panose="02000009000000000000" pitchFamily="50" charset="0"/>
-              <a:cs typeface="JetBrainsMono NF" panose="02000009000000000000" pitchFamily="50" charset="0"/>
-            </a:endParaRPr>
-          </a:p>
-        </p:txBody>
-      </p:sp>
-      <p:pic>
-        <p:nvPicPr>
-          <p:cNvPr id="5" name="Picture 4">
-            <a:extLst>
-              <a:ext uri="{FF2B5EF4-FFF2-40B4-BE49-F238E27FC236}">
-                <a16:creationId xmlns:a16="http://schemas.microsoft.com/office/drawing/2014/main" id="{32C963DF-6D1B-E4D1-0874-11C9A1B51D9C}"/>
-              </a:ext>
-            </a:extLst>
-          </p:cNvPr>
-          <p:cNvPicPr>
-            <a:picLocks noChangeAspect="1"/>
-          </p:cNvPicPr>
-          <p:nvPr/>
-        </p:nvPicPr>
-        <p:blipFill rotWithShape="1">
-          <a:blip r:embed="rId2"/>
-          <a:srcRect l="2559" t="7211" r="49019" b="70367"/>
-          <a:stretch/>
-        </p:blipFill>
-        <p:spPr>
-          <a:xfrm>
-            <a:off x="2373085" y="3648304"/>
-            <a:ext cx="7445829" cy="1784019"/>
-          </a:xfrm>
-          <a:prstGeom prst="rect">
-            <a:avLst/>
-          </a:prstGeom>
-        </p:spPr>
-      </p:pic>
-      <p:sp>
-        <p:nvSpPr>
-          <p:cNvPr id="4" name="Slide Number Placeholder 3">
-            <a:extLst>
-              <a:ext uri="{FF2B5EF4-FFF2-40B4-BE49-F238E27FC236}">
-                <a16:creationId xmlns:a16="http://schemas.microsoft.com/office/drawing/2014/main" id="{18F688DB-1F56-A29D-D487-B29102C58A8B}"/>
-              </a:ext>
-            </a:extLst>
-          </p:cNvPr>
-          <p:cNvSpPr>
-            <a:spLocks noGrp="1"/>
-          </p:cNvSpPr>
-          <p:nvPr>
-            <p:ph type="sldNum" sz="quarter" idx="12"/>
-          </p:nvPr>
-        </p:nvSpPr>
-        <p:spPr/>
-        <p:txBody>
-          <a:bodyPr/>
-          <a:lstStyle/>
-          <a:p>
-            <a:fld id="{D1A528A5-A992-41B6-920C-B96B44AAC27A}" type="slidenum">
-              <a:rPr lang="en-NL" smtClean="0"/>
-              <a:t>4</a:t>
-            </a:fld>
-            <a:endParaRPr lang="en-NL" dirty="0"/>
-          </a:p>
-        </p:txBody>
-      </p:sp>
-      <p:cxnSp>
-        <p:nvCxnSpPr>
-          <p:cNvPr id="7" name="Straight Connector 6">
-            <a:extLst>
-              <a:ext uri="{FF2B5EF4-FFF2-40B4-BE49-F238E27FC236}">
-                <a16:creationId xmlns:a16="http://schemas.microsoft.com/office/drawing/2014/main" id="{33988E8B-85F5-474C-27D8-9BC91CA489B0}"/>
-              </a:ext>
-            </a:extLst>
-          </p:cNvPr>
-          <p:cNvCxnSpPr/>
-          <p:nvPr/>
-        </p:nvCxnSpPr>
-        <p:spPr>
-          <a:xfrm>
-            <a:off x="924232" y="1425677"/>
-            <a:ext cx="2959510" cy="0"/>
-          </a:xfrm>
-          <a:prstGeom prst="line">
-            <a:avLst/>
-          </a:prstGeom>
-          <a:ln w="28575"/>
-        </p:spPr>
-        <p:style>
-          <a:lnRef idx="2">
-            <a:schemeClr val="accent4"/>
-          </a:lnRef>
-          <a:fillRef idx="0">
-            <a:schemeClr val="accent4"/>
-          </a:fillRef>
-          <a:effectRef idx="1">
-            <a:schemeClr val="accent4"/>
-          </a:effectRef>
-          <a:fontRef idx="minor">
-            <a:schemeClr val="tx1"/>
-          </a:fontRef>
-        </p:style>
-      </p:cxnSp>
-    </p:spTree>
-    <p:extLst>
-      <p:ext uri="{BB962C8B-B14F-4D97-AF65-F5344CB8AC3E}">
-        <p14:creationId xmlns:p14="http://schemas.microsoft.com/office/powerpoint/2010/main" val="2664180002"/>
-      </p:ext>
-    </p:extLst>
-  </p:cSld>
-  <p:clrMapOvr>
-    <a:masterClrMapping/>
-  </p:clrMapOvr>
-</p:sld>
-</file>
-
-<file path=ppt/slides/slide40.xml><?xml version="1.0" encoding="utf-8"?>
+<file path=ppt/slides/slide39.xml><?xml version="1.0" encoding="utf-8"?>
 <p:sld xmlns:a="http://schemas.openxmlformats.org/drawingml/2006/main" xmlns:r="http://schemas.openxmlformats.org/officeDocument/2006/relationships" xmlns:p="http://schemas.openxmlformats.org/presentationml/2006/main">
   <p:cSld>
     <p:bg>
@@ -20137,7 +19774,7 @@
                   <a:spcPts val="600"/>
                 </a:spcAft>
               </a:pPr>
-              <a:t>40</a:t>
+              <a:t>39</a:t>
             </a:fld>
             <a:endParaRPr lang="en-US">
               <a:solidFill>
@@ -20289,6 +19926,219 @@
       <p:bldP spid="2" grpId="0"/>
     </p:bldLst>
   </p:timing>
+</p:sld>
+</file>
+
+<file path=ppt/slides/slide4.xml><?xml version="1.0" encoding="utf-8"?>
+<p:sld xmlns:a="http://schemas.openxmlformats.org/drawingml/2006/main" xmlns:r="http://schemas.openxmlformats.org/officeDocument/2006/relationships" xmlns:p="http://schemas.openxmlformats.org/presentationml/2006/main">
+  <p:cSld>
+    <p:spTree>
+      <p:nvGrpSpPr>
+        <p:cNvPr id="1" name=""/>
+        <p:cNvGrpSpPr/>
+        <p:nvPr/>
+      </p:nvGrpSpPr>
+      <p:grpSpPr>
+        <a:xfrm>
+          <a:off x="0" y="0"/>
+          <a:ext cx="0" cy="0"/>
+          <a:chOff x="0" y="0"/>
+          <a:chExt cx="0" cy="0"/>
+        </a:xfrm>
+      </p:grpSpPr>
+      <p:sp>
+        <p:nvSpPr>
+          <p:cNvPr id="2" name="Title 1">
+            <a:extLst>
+              <a:ext uri="{FF2B5EF4-FFF2-40B4-BE49-F238E27FC236}">
+                <a16:creationId xmlns:a16="http://schemas.microsoft.com/office/drawing/2014/main" id="{1C744FBE-80F3-DC3F-7D5E-A6472864D5C3}"/>
+              </a:ext>
+            </a:extLst>
+          </p:cNvPr>
+          <p:cNvSpPr>
+            <a:spLocks noGrp="1"/>
+          </p:cNvSpPr>
+          <p:nvPr>
+            <p:ph type="title"/>
+          </p:nvPr>
+        </p:nvSpPr>
+        <p:spPr/>
+        <p:txBody>
+          <a:bodyPr/>
+          <a:lstStyle/>
+          <a:p>
+            <a:r>
+              <a:rPr lang="en-US" dirty="0">
+                <a:solidFill>
+                  <a:schemeClr val="bg1"/>
+                </a:solidFill>
+                <a:ea typeface="JetBrainsMono NF" panose="02000009000000000000" pitchFamily="50" charset="0"/>
+                <a:cs typeface="JetBrainsMono NF" panose="02000009000000000000" pitchFamily="50" charset="0"/>
+              </a:rPr>
+              <a:t>Why Rust?</a:t>
+            </a:r>
+            <a:endParaRPr lang="en-NL" dirty="0">
+              <a:solidFill>
+                <a:schemeClr val="bg1"/>
+              </a:solidFill>
+              <a:ea typeface="JetBrainsMono NF" panose="02000009000000000000" pitchFamily="50" charset="0"/>
+              <a:cs typeface="JetBrainsMono NF" panose="02000009000000000000" pitchFamily="50" charset="0"/>
+            </a:endParaRPr>
+          </a:p>
+        </p:txBody>
+      </p:sp>
+      <p:sp>
+        <p:nvSpPr>
+          <p:cNvPr id="3" name="Content Placeholder 2">
+            <a:extLst>
+              <a:ext uri="{FF2B5EF4-FFF2-40B4-BE49-F238E27FC236}">
+                <a16:creationId xmlns:a16="http://schemas.microsoft.com/office/drawing/2014/main" id="{F2552149-AAE6-2291-6336-B5925B2D28A6}"/>
+              </a:ext>
+            </a:extLst>
+          </p:cNvPr>
+          <p:cNvSpPr>
+            <a:spLocks noGrp="1"/>
+          </p:cNvSpPr>
+          <p:nvPr>
+            <p:ph idx="1"/>
+          </p:nvPr>
+        </p:nvSpPr>
+        <p:spPr/>
+        <p:txBody>
+          <a:bodyPr/>
+          <a:lstStyle/>
+          <a:p>
+            <a:r>
+              <a:rPr lang="en-US" dirty="0">
+                <a:solidFill>
+                  <a:schemeClr val="bg1"/>
+                </a:solidFill>
+                <a:ea typeface="JetBrainsMono NF" panose="02000009000000000000" pitchFamily="50" charset="0"/>
+                <a:cs typeface="JetBrainsMono NF" panose="02000009000000000000" pitchFamily="50" charset="0"/>
+              </a:rPr>
+              <a:t>Most admired language in the stack overflow survey since 2016</a:t>
+            </a:r>
+          </a:p>
+          <a:p>
+            <a:r>
+              <a:rPr lang="en-US" dirty="0">
+                <a:ea typeface="JetBrainsMono NF" panose="02000009000000000000" pitchFamily="50" charset="0"/>
+                <a:cs typeface="JetBrainsMono NF" panose="02000009000000000000" pitchFamily="50" charset="0"/>
+              </a:rPr>
+              <a:t>Fast</a:t>
+            </a:r>
+            <a:endParaRPr lang="en-NL" dirty="0">
+              <a:ea typeface="JetBrainsMono NF" panose="02000009000000000000" pitchFamily="50" charset="0"/>
+              <a:cs typeface="JetBrainsMono NF" panose="02000009000000000000" pitchFamily="50" charset="0"/>
+            </a:endParaRPr>
+          </a:p>
+        </p:txBody>
+      </p:sp>
+      <p:pic>
+        <p:nvPicPr>
+          <p:cNvPr id="5" name="Picture 4">
+            <a:extLst>
+              <a:ext uri="{FF2B5EF4-FFF2-40B4-BE49-F238E27FC236}">
+                <a16:creationId xmlns:a16="http://schemas.microsoft.com/office/drawing/2014/main" id="{32C963DF-6D1B-E4D1-0874-11C9A1B51D9C}"/>
+              </a:ext>
+            </a:extLst>
+          </p:cNvPr>
+          <p:cNvPicPr>
+            <a:picLocks noChangeAspect="1"/>
+          </p:cNvPicPr>
+          <p:nvPr/>
+        </p:nvPicPr>
+        <p:blipFill rotWithShape="1">
+          <a:blip r:embed="rId2"/>
+          <a:srcRect l="2559" t="7211" r="49019" b="70367"/>
+          <a:stretch/>
+        </p:blipFill>
+        <p:spPr>
+          <a:xfrm>
+            <a:off x="2373085" y="3648304"/>
+            <a:ext cx="7445829" cy="1784019"/>
+          </a:xfrm>
+          <a:prstGeom prst="rect">
+            <a:avLst/>
+          </a:prstGeom>
+        </p:spPr>
+      </p:pic>
+      <p:sp>
+        <p:nvSpPr>
+          <p:cNvPr id="4" name="Slide Number Placeholder 3">
+            <a:extLst>
+              <a:ext uri="{FF2B5EF4-FFF2-40B4-BE49-F238E27FC236}">
+                <a16:creationId xmlns:a16="http://schemas.microsoft.com/office/drawing/2014/main" id="{18F688DB-1F56-A29D-D487-B29102C58A8B}"/>
+              </a:ext>
+            </a:extLst>
+          </p:cNvPr>
+          <p:cNvSpPr>
+            <a:spLocks noGrp="1"/>
+          </p:cNvSpPr>
+          <p:nvPr>
+            <p:ph type="sldNum" sz="quarter" idx="12"/>
+          </p:nvPr>
+        </p:nvSpPr>
+        <p:spPr/>
+        <p:txBody>
+          <a:bodyPr/>
+          <a:lstStyle/>
+          <a:p>
+            <a:fld id="{D1A528A5-A992-41B6-920C-B96B44AAC27A}" type="slidenum">
+              <a:rPr lang="en-NL" smtClean="0"/>
+              <a:t>4</a:t>
+            </a:fld>
+            <a:endParaRPr lang="en-NL" dirty="0"/>
+          </a:p>
+        </p:txBody>
+      </p:sp>
+      <p:cxnSp>
+        <p:nvCxnSpPr>
+          <p:cNvPr id="7" name="Straight Connector 6">
+            <a:extLst>
+              <a:ext uri="{FF2B5EF4-FFF2-40B4-BE49-F238E27FC236}">
+                <a16:creationId xmlns:a16="http://schemas.microsoft.com/office/drawing/2014/main" id="{33988E8B-85F5-474C-27D8-9BC91CA489B0}"/>
+              </a:ext>
+            </a:extLst>
+          </p:cNvPr>
+          <p:cNvCxnSpPr/>
+          <p:nvPr/>
+        </p:nvCxnSpPr>
+        <p:spPr>
+          <a:xfrm>
+            <a:off x="924232" y="1425677"/>
+            <a:ext cx="2959510" cy="0"/>
+          </a:xfrm>
+          <a:prstGeom prst="line">
+            <a:avLst/>
+          </a:prstGeom>
+          <a:ln w="28575"/>
+        </p:spPr>
+        <p:style>
+          <a:lnRef idx="2">
+            <a:schemeClr val="accent4"/>
+          </a:lnRef>
+          <a:fillRef idx="0">
+            <a:schemeClr val="accent4"/>
+          </a:fillRef>
+          <a:effectRef idx="1">
+            <a:schemeClr val="accent4"/>
+          </a:effectRef>
+          <a:fontRef idx="minor">
+            <a:schemeClr val="tx1"/>
+          </a:fontRef>
+        </p:style>
+      </p:cxnSp>
+    </p:spTree>
+    <p:extLst>
+      <p:ext uri="{BB962C8B-B14F-4D97-AF65-F5344CB8AC3E}">
+        <p14:creationId xmlns:p14="http://schemas.microsoft.com/office/powerpoint/2010/main" val="2664180002"/>
+      </p:ext>
+    </p:extLst>
+  </p:cSld>
+  <p:clrMapOvr>
+    <a:masterClrMapping/>
+  </p:clrMapOvr>
 </p:sld>
 </file>
 

--- a/Rust.pptx
+++ b/Rust.pptx
@@ -5,48 +5,49 @@
     <p:sldMasterId id="2147483708" r:id="rId1"/>
   </p:sldMasterIdLst>
   <p:notesMasterIdLst>
-    <p:notesMasterId r:id="rId41"/>
+    <p:notesMasterId r:id="rId42"/>
   </p:notesMasterIdLst>
   <p:sldIdLst>
     <p:sldId id="256" r:id="rId2"/>
     <p:sldId id="297" r:id="rId3"/>
-    <p:sldId id="258" r:id="rId4"/>
-    <p:sldId id="257" r:id="rId5"/>
-    <p:sldId id="283" r:id="rId6"/>
-    <p:sldId id="266" r:id="rId7"/>
-    <p:sldId id="267" r:id="rId8"/>
-    <p:sldId id="268" r:id="rId9"/>
-    <p:sldId id="290" r:id="rId10"/>
-    <p:sldId id="270" r:id="rId11"/>
-    <p:sldId id="269" r:id="rId12"/>
-    <p:sldId id="273" r:id="rId13"/>
-    <p:sldId id="272" r:id="rId14"/>
-    <p:sldId id="291" r:id="rId15"/>
-    <p:sldId id="271" r:id="rId16"/>
-    <p:sldId id="288" r:id="rId17"/>
-    <p:sldId id="289" r:id="rId18"/>
-    <p:sldId id="279" r:id="rId19"/>
-    <p:sldId id="280" r:id="rId20"/>
-    <p:sldId id="276" r:id="rId21"/>
-    <p:sldId id="277" r:id="rId22"/>
-    <p:sldId id="281" r:id="rId23"/>
-    <p:sldId id="299" r:id="rId24"/>
-    <p:sldId id="282" r:id="rId25"/>
-    <p:sldId id="294" r:id="rId26"/>
-    <p:sldId id="295" r:id="rId27"/>
-    <p:sldId id="274" r:id="rId28"/>
-    <p:sldId id="285" r:id="rId29"/>
-    <p:sldId id="293" r:id="rId30"/>
-    <p:sldId id="298" r:id="rId31"/>
-    <p:sldId id="275" r:id="rId32"/>
-    <p:sldId id="286" r:id="rId33"/>
-    <p:sldId id="287" r:id="rId34"/>
-    <p:sldId id="292" r:id="rId35"/>
-    <p:sldId id="296" r:id="rId36"/>
-    <p:sldId id="263" r:id="rId37"/>
-    <p:sldId id="264" r:id="rId38"/>
-    <p:sldId id="265" r:id="rId39"/>
-    <p:sldId id="300" r:id="rId40"/>
+    <p:sldId id="301" r:id="rId4"/>
+    <p:sldId id="258" r:id="rId5"/>
+    <p:sldId id="257" r:id="rId6"/>
+    <p:sldId id="283" r:id="rId7"/>
+    <p:sldId id="266" r:id="rId8"/>
+    <p:sldId id="267" r:id="rId9"/>
+    <p:sldId id="268" r:id="rId10"/>
+    <p:sldId id="290" r:id="rId11"/>
+    <p:sldId id="270" r:id="rId12"/>
+    <p:sldId id="269" r:id="rId13"/>
+    <p:sldId id="273" r:id="rId14"/>
+    <p:sldId id="272" r:id="rId15"/>
+    <p:sldId id="291" r:id="rId16"/>
+    <p:sldId id="271" r:id="rId17"/>
+    <p:sldId id="288" r:id="rId18"/>
+    <p:sldId id="289" r:id="rId19"/>
+    <p:sldId id="279" r:id="rId20"/>
+    <p:sldId id="280" r:id="rId21"/>
+    <p:sldId id="276" r:id="rId22"/>
+    <p:sldId id="277" r:id="rId23"/>
+    <p:sldId id="281" r:id="rId24"/>
+    <p:sldId id="299" r:id="rId25"/>
+    <p:sldId id="282" r:id="rId26"/>
+    <p:sldId id="294" r:id="rId27"/>
+    <p:sldId id="295" r:id="rId28"/>
+    <p:sldId id="274" r:id="rId29"/>
+    <p:sldId id="285" r:id="rId30"/>
+    <p:sldId id="293" r:id="rId31"/>
+    <p:sldId id="298" r:id="rId32"/>
+    <p:sldId id="275" r:id="rId33"/>
+    <p:sldId id="286" r:id="rId34"/>
+    <p:sldId id="287" r:id="rId35"/>
+    <p:sldId id="292" r:id="rId36"/>
+    <p:sldId id="296" r:id="rId37"/>
+    <p:sldId id="263" r:id="rId38"/>
+    <p:sldId id="264" r:id="rId39"/>
+    <p:sldId id="265" r:id="rId40"/>
+    <p:sldId id="300" r:id="rId41"/>
   </p:sldIdLst>
   <p:sldSz cx="12192000" cy="6858000"/>
   <p:notesSz cx="6858000" cy="9144000"/>
@@ -1298,7 +1299,7 @@
           <a:p>
             <a:fld id="{525F626A-9085-41EE-A878-ADD090B0186E}" type="datetimeFigureOut">
               <a:rPr lang="en-NL" smtClean="0"/>
-              <a:t>02/08/2024</a:t>
+              <a:t>08/08/2024</a:t>
             </a:fld>
             <a:endParaRPr lang="en-NL"/>
           </a:p>
@@ -1610,30 +1611,45 @@
           <a:bodyPr/>
           <a:lstStyle/>
           <a:p>
-            <a:pPr marL="0" marR="0" lvl="0" indent="0" algn="l" defTabSz="914400" rtl="0" eaLnBrk="1" fontAlgn="auto" latinLnBrk="0" hangingPunct="1">
-              <a:lnSpc>
-                <a:spcPct val="100000"/>
-              </a:lnSpc>
-              <a:spcBef>
-                <a:spcPts val="0"/>
-              </a:spcBef>
-              <a:spcAft>
-                <a:spcPts val="0"/>
-              </a:spcAft>
-              <a:buClrTx/>
-              <a:buSzTx/>
-              <a:buFontTx/>
-              <a:buNone/>
-              <a:tabLst/>
-              <a:defRPr/>
-            </a:pPr>
             <a:r>
               <a:rPr lang="en-US" dirty="0"/>
-              <a:t>“Rust has become the second language officially accepted for Linux kernel development, along with C.” – Dec 2022</a:t>
-            </a:r>
-            <a:endParaRPr lang="en-NL" dirty="0"/>
-          </a:p>
-          <a:p>
+              <a:t>We will start with a presentation in which we first will explain what the language is, what makes it unique and why should you care. We will also go over some basic syntax. </a:t>
+            </a:r>
+            <a:r>
+              <a:rPr lang="en-US" dirty="0" err="1"/>
+              <a:t>Ofcourse</a:t>
+            </a:r>
+            <a:r>
+              <a:rPr lang="en-US" dirty="0"/>
+              <a:t> you cannot learn an entire new programming language in an afternoon. But we are going to try anyway.</a:t>
+            </a:r>
+          </a:p>
+          <a:p>
+            <a:endParaRPr lang="en-US" dirty="0"/>
+          </a:p>
+          <a:p>
+            <a:r>
+              <a:rPr lang="en-US" dirty="0"/>
+              <a:t>Then we have prepared some exercises to practice with Rust</a:t>
+            </a:r>
+          </a:p>
+          <a:p>
+            <a:endParaRPr lang="en-US" dirty="0"/>
+          </a:p>
+          <a:p>
+            <a:r>
+              <a:rPr lang="en-US" dirty="0"/>
+              <a:t>Next, we have a workshop/ guided exercises with Python &amp; Rust</a:t>
+            </a:r>
+          </a:p>
+          <a:p>
+            <a:endParaRPr lang="en-US" dirty="0"/>
+          </a:p>
+          <a:p>
+            <a:r>
+              <a:rPr lang="en-US" dirty="0"/>
+              <a:t>And  we will end with drinks.</a:t>
+            </a:r>
             <a:endParaRPr lang="en-NL" dirty="0"/>
           </a:p>
         </p:txBody>
@@ -1655,7 +1671,7 @@
           <a:p>
             <a:fld id="{2B49EB26-0ADA-45E7-9D1B-6D39AA4FDD6F}" type="slidenum">
               <a:rPr lang="en-NL" smtClean="0"/>
-              <a:t>5</a:t>
+              <a:t>2</a:t>
             </a:fld>
             <a:endParaRPr lang="en-NL"/>
           </a:p>
@@ -1664,7 +1680,7 @@
     </p:spTree>
     <p:extLst>
       <p:ext uri="{BB962C8B-B14F-4D97-AF65-F5344CB8AC3E}">
-        <p14:creationId xmlns:p14="http://schemas.microsoft.com/office/powerpoint/2010/main" val="3685118241"/>
+        <p14:creationId xmlns:p14="http://schemas.microsoft.com/office/powerpoint/2010/main" val="3404352457"/>
       </p:ext>
     </p:extLst>
   </p:cSld>
@@ -1718,10 +1734,30 @@
           <a:bodyPr/>
           <a:lstStyle/>
           <a:p>
-            <a:r>
-              <a:rPr lang="en-US" dirty="0"/>
-              <a:t>Unlike functions, which operate on runtime values and have a fixed signature and type constraints, macros operate on the syntax of the code itself, enabling more flexible and reusable abstractions.</a:t>
-            </a:r>
+            <a:pPr marL="0" marR="0" lvl="0" indent="0" algn="l" defTabSz="914400" rtl="0" eaLnBrk="1" fontAlgn="auto" latinLnBrk="0" hangingPunct="1">
+              <a:lnSpc>
+                <a:spcPct val="100000"/>
+              </a:lnSpc>
+              <a:spcBef>
+                <a:spcPts val="0"/>
+              </a:spcBef>
+              <a:spcAft>
+                <a:spcPts val="0"/>
+              </a:spcAft>
+              <a:buClrTx/>
+              <a:buSzTx/>
+              <a:buFontTx/>
+              <a:buNone/>
+              <a:tabLst/>
+              <a:defRPr/>
+            </a:pPr>
+            <a:r>
+              <a:rPr lang="en-US" sz="1200" dirty="0"/>
+              <a:t>Once the block is exited, the variable goes out of scope, and Rust automatically calls the drop method to clean up the variable.</a:t>
+            </a:r>
+            <a:endParaRPr lang="en-NL" sz="1200" dirty="0"/>
+          </a:p>
+          <a:p>
             <a:endParaRPr lang="en-NL" dirty="0"/>
           </a:p>
         </p:txBody>
@@ -1743,7 +1779,7 @@
           <a:p>
             <a:fld id="{2B49EB26-0ADA-45E7-9D1B-6D39AA4FDD6F}" type="slidenum">
               <a:rPr lang="en-NL" smtClean="0"/>
-              <a:t>29</a:t>
+              <a:t>15</a:t>
             </a:fld>
             <a:endParaRPr lang="en-NL"/>
           </a:p>
@@ -1752,7 +1788,7 @@
     </p:spTree>
     <p:extLst>
       <p:ext uri="{BB962C8B-B14F-4D97-AF65-F5344CB8AC3E}">
-        <p14:creationId xmlns:p14="http://schemas.microsoft.com/office/powerpoint/2010/main" val="1149558983"/>
+        <p14:creationId xmlns:p14="http://schemas.microsoft.com/office/powerpoint/2010/main" val="4009615138"/>
       </p:ext>
     </p:extLst>
   </p:cSld>
@@ -1806,10 +1842,6 @@
           <a:bodyPr/>
           <a:lstStyle/>
           <a:p>
-            <a:r>
-              <a:rPr lang="en-US" dirty="0"/>
-              <a:t>Unlike functions, which operate on runtime values and have a fixed signature and type constraints, macros operate on the syntax of the code itself, enabling more flexible and reusable abstractions.</a:t>
-            </a:r>
             <a:endParaRPr lang="en-NL" dirty="0"/>
           </a:p>
         </p:txBody>
@@ -1831,7 +1863,519 @@
           <a:p>
             <a:fld id="{2B49EB26-0ADA-45E7-9D1B-6D39AA4FDD6F}" type="slidenum">
               <a:rPr lang="en-NL" smtClean="0"/>
+              <a:t>16</a:t>
+            </a:fld>
+            <a:endParaRPr lang="en-NL"/>
+          </a:p>
+        </p:txBody>
+      </p:sp>
+    </p:spTree>
+    <p:extLst>
+      <p:ext uri="{BB962C8B-B14F-4D97-AF65-F5344CB8AC3E}">
+        <p14:creationId xmlns:p14="http://schemas.microsoft.com/office/powerpoint/2010/main" val="1177466693"/>
+      </p:ext>
+    </p:extLst>
+  </p:cSld>
+  <p:clrMapOvr>
+    <a:masterClrMapping/>
+  </p:clrMapOvr>
+</p:notes>
+</file>
+
+<file path=ppt/notesSlides/notesSlide12.xml><?xml version="1.0" encoding="utf-8"?>
+<p:notes xmlns:a="http://schemas.openxmlformats.org/drawingml/2006/main" xmlns:r="http://schemas.openxmlformats.org/officeDocument/2006/relationships" xmlns:p="http://schemas.openxmlformats.org/presentationml/2006/main">
+  <p:cSld>
+    <p:spTree>
+      <p:nvGrpSpPr>
+        <p:cNvPr id="1" name=""/>
+        <p:cNvGrpSpPr/>
+        <p:nvPr/>
+      </p:nvGrpSpPr>
+      <p:grpSpPr>
+        <a:xfrm>
+          <a:off x="0" y="0"/>
+          <a:ext cx="0" cy="0"/>
+          <a:chOff x="0" y="0"/>
+          <a:chExt cx="0" cy="0"/>
+        </a:xfrm>
+      </p:grpSpPr>
+      <p:sp>
+        <p:nvSpPr>
+          <p:cNvPr id="2" name="Slide Image Placeholder 1"/>
+          <p:cNvSpPr>
+            <a:spLocks noGrp="1" noRot="1" noChangeAspect="1"/>
+          </p:cNvSpPr>
+          <p:nvPr>
+            <p:ph type="sldImg"/>
+          </p:nvPr>
+        </p:nvSpPr>
+        <p:spPr/>
+      </p:sp>
+      <p:sp>
+        <p:nvSpPr>
+          <p:cNvPr id="3" name="Notes Placeholder 2"/>
+          <p:cNvSpPr>
+            <a:spLocks noGrp="1"/>
+          </p:cNvSpPr>
+          <p:nvPr>
+            <p:ph type="body" idx="1"/>
+          </p:nvPr>
+        </p:nvSpPr>
+        <p:spPr/>
+        <p:txBody>
+          <a:bodyPr/>
+          <a:lstStyle/>
+          <a:p>
+            <a:endParaRPr lang="en-NL" dirty="0"/>
+          </a:p>
+        </p:txBody>
+      </p:sp>
+      <p:sp>
+        <p:nvSpPr>
+          <p:cNvPr id="4" name="Slide Number Placeholder 3"/>
+          <p:cNvSpPr>
+            <a:spLocks noGrp="1"/>
+          </p:cNvSpPr>
+          <p:nvPr>
+            <p:ph type="sldNum" sz="quarter" idx="5"/>
+          </p:nvPr>
+        </p:nvSpPr>
+        <p:spPr/>
+        <p:txBody>
+          <a:bodyPr/>
+          <a:lstStyle/>
+          <a:p>
+            <a:fld id="{2B49EB26-0ADA-45E7-9D1B-6D39AA4FDD6F}" type="slidenum">
+              <a:rPr lang="en-NL" smtClean="0"/>
+              <a:t>17</a:t>
+            </a:fld>
+            <a:endParaRPr lang="en-NL"/>
+          </a:p>
+        </p:txBody>
+      </p:sp>
+    </p:spTree>
+    <p:extLst>
+      <p:ext uri="{BB962C8B-B14F-4D97-AF65-F5344CB8AC3E}">
+        <p14:creationId xmlns:p14="http://schemas.microsoft.com/office/powerpoint/2010/main" val="1644057142"/>
+      </p:ext>
+    </p:extLst>
+  </p:cSld>
+  <p:clrMapOvr>
+    <a:masterClrMapping/>
+  </p:clrMapOvr>
+</p:notes>
+</file>
+
+<file path=ppt/notesSlides/notesSlide13.xml><?xml version="1.0" encoding="utf-8"?>
+<p:notes xmlns:a="http://schemas.openxmlformats.org/drawingml/2006/main" xmlns:r="http://schemas.openxmlformats.org/officeDocument/2006/relationships" xmlns:p="http://schemas.openxmlformats.org/presentationml/2006/main">
+  <p:cSld>
+    <p:spTree>
+      <p:nvGrpSpPr>
+        <p:cNvPr id="1" name=""/>
+        <p:cNvGrpSpPr/>
+        <p:nvPr/>
+      </p:nvGrpSpPr>
+      <p:grpSpPr>
+        <a:xfrm>
+          <a:off x="0" y="0"/>
+          <a:ext cx="0" cy="0"/>
+          <a:chOff x="0" y="0"/>
+          <a:chExt cx="0" cy="0"/>
+        </a:xfrm>
+      </p:grpSpPr>
+      <p:sp>
+        <p:nvSpPr>
+          <p:cNvPr id="2" name="Slide Image Placeholder 1"/>
+          <p:cNvSpPr>
+            <a:spLocks noGrp="1" noRot="1" noChangeAspect="1"/>
+          </p:cNvSpPr>
+          <p:nvPr>
+            <p:ph type="sldImg"/>
+          </p:nvPr>
+        </p:nvSpPr>
+        <p:spPr/>
+      </p:sp>
+      <p:sp>
+        <p:nvSpPr>
+          <p:cNvPr id="3" name="Notes Placeholder 2"/>
+          <p:cNvSpPr>
+            <a:spLocks noGrp="1"/>
+          </p:cNvSpPr>
+          <p:nvPr>
+            <p:ph type="body" idx="1"/>
+          </p:nvPr>
+        </p:nvSpPr>
+        <p:spPr/>
+        <p:txBody>
+          <a:bodyPr/>
+          <a:lstStyle/>
+          <a:p>
+            <a:endParaRPr lang="en-NL" dirty="0"/>
+          </a:p>
+        </p:txBody>
+      </p:sp>
+      <p:sp>
+        <p:nvSpPr>
+          <p:cNvPr id="4" name="Slide Number Placeholder 3"/>
+          <p:cNvSpPr>
+            <a:spLocks noGrp="1"/>
+          </p:cNvSpPr>
+          <p:nvPr>
+            <p:ph type="sldNum" sz="quarter" idx="5"/>
+          </p:nvPr>
+        </p:nvSpPr>
+        <p:spPr/>
+        <p:txBody>
+          <a:bodyPr/>
+          <a:lstStyle/>
+          <a:p>
+            <a:fld id="{2B49EB26-0ADA-45E7-9D1B-6D39AA4FDD6F}" type="slidenum">
+              <a:rPr lang="en-NL" smtClean="0"/>
+              <a:t>18</a:t>
+            </a:fld>
+            <a:endParaRPr lang="en-NL"/>
+          </a:p>
+        </p:txBody>
+      </p:sp>
+    </p:spTree>
+    <p:extLst>
+      <p:ext uri="{BB962C8B-B14F-4D97-AF65-F5344CB8AC3E}">
+        <p14:creationId xmlns:p14="http://schemas.microsoft.com/office/powerpoint/2010/main" val="4199584516"/>
+      </p:ext>
+    </p:extLst>
+  </p:cSld>
+  <p:clrMapOvr>
+    <a:masterClrMapping/>
+  </p:clrMapOvr>
+</p:notes>
+</file>
+
+<file path=ppt/notesSlides/notesSlide14.xml><?xml version="1.0" encoding="utf-8"?>
+<p:notes xmlns:a="http://schemas.openxmlformats.org/drawingml/2006/main" xmlns:r="http://schemas.openxmlformats.org/officeDocument/2006/relationships" xmlns:p="http://schemas.openxmlformats.org/presentationml/2006/main">
+  <p:cSld>
+    <p:spTree>
+      <p:nvGrpSpPr>
+        <p:cNvPr id="1" name=""/>
+        <p:cNvGrpSpPr/>
+        <p:nvPr/>
+      </p:nvGrpSpPr>
+      <p:grpSpPr>
+        <a:xfrm>
+          <a:off x="0" y="0"/>
+          <a:ext cx="0" cy="0"/>
+          <a:chOff x="0" y="0"/>
+          <a:chExt cx="0" cy="0"/>
+        </a:xfrm>
+      </p:grpSpPr>
+      <p:sp>
+        <p:nvSpPr>
+          <p:cNvPr id="2" name="Slide Image Placeholder 1"/>
+          <p:cNvSpPr>
+            <a:spLocks noGrp="1" noRot="1" noChangeAspect="1"/>
+          </p:cNvSpPr>
+          <p:nvPr>
+            <p:ph type="sldImg"/>
+          </p:nvPr>
+        </p:nvSpPr>
+        <p:spPr/>
+      </p:sp>
+      <p:sp>
+        <p:nvSpPr>
+          <p:cNvPr id="3" name="Notes Placeholder 2"/>
+          <p:cNvSpPr>
+            <a:spLocks noGrp="1"/>
+          </p:cNvSpPr>
+          <p:nvPr>
+            <p:ph type="body" idx="1"/>
+          </p:nvPr>
+        </p:nvSpPr>
+        <p:spPr/>
+        <p:txBody>
+          <a:bodyPr/>
+          <a:lstStyle/>
+          <a:p>
+            <a:endParaRPr lang="en-NL" dirty="0"/>
+          </a:p>
+        </p:txBody>
+      </p:sp>
+      <p:sp>
+        <p:nvSpPr>
+          <p:cNvPr id="4" name="Slide Number Placeholder 3"/>
+          <p:cNvSpPr>
+            <a:spLocks noGrp="1"/>
+          </p:cNvSpPr>
+          <p:nvPr>
+            <p:ph type="sldNum" sz="quarter" idx="5"/>
+          </p:nvPr>
+        </p:nvSpPr>
+        <p:spPr/>
+        <p:txBody>
+          <a:bodyPr/>
+          <a:lstStyle/>
+          <a:p>
+            <a:fld id="{2B49EB26-0ADA-45E7-9D1B-6D39AA4FDD6F}" type="slidenum">
+              <a:rPr lang="en-NL" smtClean="0"/>
+              <a:t>19</a:t>
+            </a:fld>
+            <a:endParaRPr lang="en-NL"/>
+          </a:p>
+        </p:txBody>
+      </p:sp>
+    </p:spTree>
+    <p:extLst>
+      <p:ext uri="{BB962C8B-B14F-4D97-AF65-F5344CB8AC3E}">
+        <p14:creationId xmlns:p14="http://schemas.microsoft.com/office/powerpoint/2010/main" val="1522655875"/>
+      </p:ext>
+    </p:extLst>
+  </p:cSld>
+  <p:clrMapOvr>
+    <a:masterClrMapping/>
+  </p:clrMapOvr>
+</p:notes>
+</file>
+
+<file path=ppt/notesSlides/notesSlide15.xml><?xml version="1.0" encoding="utf-8"?>
+<p:notes xmlns:a="http://schemas.openxmlformats.org/drawingml/2006/main" xmlns:r="http://schemas.openxmlformats.org/officeDocument/2006/relationships" xmlns:p="http://schemas.openxmlformats.org/presentationml/2006/main">
+  <p:cSld>
+    <p:spTree>
+      <p:nvGrpSpPr>
+        <p:cNvPr id="1" name=""/>
+        <p:cNvGrpSpPr/>
+        <p:nvPr/>
+      </p:nvGrpSpPr>
+      <p:grpSpPr>
+        <a:xfrm>
+          <a:off x="0" y="0"/>
+          <a:ext cx="0" cy="0"/>
+          <a:chOff x="0" y="0"/>
+          <a:chExt cx="0" cy="0"/>
+        </a:xfrm>
+      </p:grpSpPr>
+      <p:sp>
+        <p:nvSpPr>
+          <p:cNvPr id="2" name="Slide Image Placeholder 1"/>
+          <p:cNvSpPr>
+            <a:spLocks noGrp="1" noRot="1" noChangeAspect="1"/>
+          </p:cNvSpPr>
+          <p:nvPr>
+            <p:ph type="sldImg"/>
+          </p:nvPr>
+        </p:nvSpPr>
+        <p:spPr/>
+      </p:sp>
+      <p:sp>
+        <p:nvSpPr>
+          <p:cNvPr id="3" name="Notes Placeholder 2"/>
+          <p:cNvSpPr>
+            <a:spLocks noGrp="1"/>
+          </p:cNvSpPr>
+          <p:nvPr>
+            <p:ph type="body" idx="1"/>
+          </p:nvPr>
+        </p:nvSpPr>
+        <p:spPr/>
+        <p:txBody>
+          <a:bodyPr/>
+          <a:lstStyle/>
+          <a:p>
+            <a:endParaRPr lang="en-NL" dirty="0"/>
+          </a:p>
+        </p:txBody>
+      </p:sp>
+      <p:sp>
+        <p:nvSpPr>
+          <p:cNvPr id="4" name="Slide Number Placeholder 3"/>
+          <p:cNvSpPr>
+            <a:spLocks noGrp="1"/>
+          </p:cNvSpPr>
+          <p:nvPr>
+            <p:ph type="sldNum" sz="quarter" idx="5"/>
+          </p:nvPr>
+        </p:nvSpPr>
+        <p:spPr/>
+        <p:txBody>
+          <a:bodyPr/>
+          <a:lstStyle/>
+          <a:p>
+            <a:fld id="{2B49EB26-0ADA-45E7-9D1B-6D39AA4FDD6F}" type="slidenum">
+              <a:rPr lang="en-NL" smtClean="0"/>
+              <a:t>20</a:t>
+            </a:fld>
+            <a:endParaRPr lang="en-NL"/>
+          </a:p>
+        </p:txBody>
+      </p:sp>
+    </p:spTree>
+    <p:extLst>
+      <p:ext uri="{BB962C8B-B14F-4D97-AF65-F5344CB8AC3E}">
+        <p14:creationId xmlns:p14="http://schemas.microsoft.com/office/powerpoint/2010/main" val="2722061024"/>
+      </p:ext>
+    </p:extLst>
+  </p:cSld>
+  <p:clrMapOvr>
+    <a:masterClrMapping/>
+  </p:clrMapOvr>
+</p:notes>
+</file>
+
+<file path=ppt/notesSlides/notesSlide16.xml><?xml version="1.0" encoding="utf-8"?>
+<p:notes xmlns:a="http://schemas.openxmlformats.org/drawingml/2006/main" xmlns:r="http://schemas.openxmlformats.org/officeDocument/2006/relationships" xmlns:p="http://schemas.openxmlformats.org/presentationml/2006/main">
+  <p:cSld>
+    <p:spTree>
+      <p:nvGrpSpPr>
+        <p:cNvPr id="1" name=""/>
+        <p:cNvGrpSpPr/>
+        <p:nvPr/>
+      </p:nvGrpSpPr>
+      <p:grpSpPr>
+        <a:xfrm>
+          <a:off x="0" y="0"/>
+          <a:ext cx="0" cy="0"/>
+          <a:chOff x="0" y="0"/>
+          <a:chExt cx="0" cy="0"/>
+        </a:xfrm>
+      </p:grpSpPr>
+      <p:sp>
+        <p:nvSpPr>
+          <p:cNvPr id="2" name="Slide Image Placeholder 1"/>
+          <p:cNvSpPr>
+            <a:spLocks noGrp="1" noRot="1" noChangeAspect="1"/>
+          </p:cNvSpPr>
+          <p:nvPr>
+            <p:ph type="sldImg"/>
+          </p:nvPr>
+        </p:nvSpPr>
+        <p:spPr/>
+      </p:sp>
+      <p:sp>
+        <p:nvSpPr>
+          <p:cNvPr id="3" name="Notes Placeholder 2"/>
+          <p:cNvSpPr>
+            <a:spLocks noGrp="1"/>
+          </p:cNvSpPr>
+          <p:nvPr>
+            <p:ph type="body" idx="1"/>
+          </p:nvPr>
+        </p:nvSpPr>
+        <p:spPr/>
+        <p:txBody>
+          <a:bodyPr/>
+          <a:lstStyle/>
+          <a:p>
+            <a:r>
+              <a:rPr lang="en-US" dirty="0"/>
+              <a:t>Unlike functions, which operate on runtime values and have a fixed signature and type constraints, macros operate on the syntax of the code itself, enabling more flexible and reusable abstractions.</a:t>
+            </a:r>
+            <a:endParaRPr lang="en-NL" dirty="0"/>
+          </a:p>
+        </p:txBody>
+      </p:sp>
+      <p:sp>
+        <p:nvSpPr>
+          <p:cNvPr id="4" name="Slide Number Placeholder 3"/>
+          <p:cNvSpPr>
+            <a:spLocks noGrp="1"/>
+          </p:cNvSpPr>
+          <p:nvPr>
+            <p:ph type="sldNum" sz="quarter" idx="5"/>
+          </p:nvPr>
+        </p:nvSpPr>
+        <p:spPr/>
+        <p:txBody>
+          <a:bodyPr/>
+          <a:lstStyle/>
+          <a:p>
+            <a:fld id="{2B49EB26-0ADA-45E7-9D1B-6D39AA4FDD6F}" type="slidenum">
+              <a:rPr lang="en-NL" smtClean="0"/>
               <a:t>30</a:t>
+            </a:fld>
+            <a:endParaRPr lang="en-NL"/>
+          </a:p>
+        </p:txBody>
+      </p:sp>
+    </p:spTree>
+    <p:extLst>
+      <p:ext uri="{BB962C8B-B14F-4D97-AF65-F5344CB8AC3E}">
+        <p14:creationId xmlns:p14="http://schemas.microsoft.com/office/powerpoint/2010/main" val="1149558983"/>
+      </p:ext>
+    </p:extLst>
+  </p:cSld>
+  <p:clrMapOvr>
+    <a:masterClrMapping/>
+  </p:clrMapOvr>
+</p:notes>
+</file>
+
+<file path=ppt/notesSlides/notesSlide17.xml><?xml version="1.0" encoding="utf-8"?>
+<p:notes xmlns:a="http://schemas.openxmlformats.org/drawingml/2006/main" xmlns:r="http://schemas.openxmlformats.org/officeDocument/2006/relationships" xmlns:p="http://schemas.openxmlformats.org/presentationml/2006/main">
+  <p:cSld>
+    <p:spTree>
+      <p:nvGrpSpPr>
+        <p:cNvPr id="1" name=""/>
+        <p:cNvGrpSpPr/>
+        <p:nvPr/>
+      </p:nvGrpSpPr>
+      <p:grpSpPr>
+        <a:xfrm>
+          <a:off x="0" y="0"/>
+          <a:ext cx="0" cy="0"/>
+          <a:chOff x="0" y="0"/>
+          <a:chExt cx="0" cy="0"/>
+        </a:xfrm>
+      </p:grpSpPr>
+      <p:sp>
+        <p:nvSpPr>
+          <p:cNvPr id="2" name="Slide Image Placeholder 1"/>
+          <p:cNvSpPr>
+            <a:spLocks noGrp="1" noRot="1" noChangeAspect="1"/>
+          </p:cNvSpPr>
+          <p:nvPr>
+            <p:ph type="sldImg"/>
+          </p:nvPr>
+        </p:nvSpPr>
+        <p:spPr/>
+      </p:sp>
+      <p:sp>
+        <p:nvSpPr>
+          <p:cNvPr id="3" name="Notes Placeholder 2"/>
+          <p:cNvSpPr>
+            <a:spLocks noGrp="1"/>
+          </p:cNvSpPr>
+          <p:nvPr>
+            <p:ph type="body" idx="1"/>
+          </p:nvPr>
+        </p:nvSpPr>
+        <p:spPr/>
+        <p:txBody>
+          <a:bodyPr/>
+          <a:lstStyle/>
+          <a:p>
+            <a:r>
+              <a:rPr lang="en-US" dirty="0"/>
+              <a:t>Unlike functions, which operate on runtime values and have a fixed signature and type constraints, macros operate on the syntax of the code itself, enabling more flexible and reusable abstractions.</a:t>
+            </a:r>
+            <a:endParaRPr lang="en-NL" dirty="0"/>
+          </a:p>
+        </p:txBody>
+      </p:sp>
+      <p:sp>
+        <p:nvSpPr>
+          <p:cNvPr id="4" name="Slide Number Placeholder 3"/>
+          <p:cNvSpPr>
+            <a:spLocks noGrp="1"/>
+          </p:cNvSpPr>
+          <p:nvPr>
+            <p:ph type="sldNum" sz="quarter" idx="5"/>
+          </p:nvPr>
+        </p:nvSpPr>
+        <p:spPr/>
+        <p:txBody>
+          <a:bodyPr/>
+          <a:lstStyle/>
+          <a:p>
+            <a:fld id="{2B49EB26-0ADA-45E7-9D1B-6D39AA4FDD6F}" type="slidenum">
+              <a:rPr lang="en-NL" smtClean="0"/>
+              <a:t>31</a:t>
             </a:fld>
             <a:endParaRPr lang="en-NL"/>
           </a:p>
@@ -1841,6 +2385,90 @@
     <p:extLst>
       <p:ext uri="{BB962C8B-B14F-4D97-AF65-F5344CB8AC3E}">
         <p14:creationId xmlns:p14="http://schemas.microsoft.com/office/powerpoint/2010/main" val="1523274390"/>
+      </p:ext>
+    </p:extLst>
+  </p:cSld>
+  <p:clrMapOvr>
+    <a:masterClrMapping/>
+  </p:clrMapOvr>
+</p:notes>
+</file>
+
+<file path=ppt/notesSlides/notesSlide18.xml><?xml version="1.0" encoding="utf-8"?>
+<p:notes xmlns:a="http://schemas.openxmlformats.org/drawingml/2006/main" xmlns:r="http://schemas.openxmlformats.org/officeDocument/2006/relationships" xmlns:p="http://schemas.openxmlformats.org/presentationml/2006/main">
+  <p:cSld>
+    <p:spTree>
+      <p:nvGrpSpPr>
+        <p:cNvPr id="1" name=""/>
+        <p:cNvGrpSpPr/>
+        <p:nvPr/>
+      </p:nvGrpSpPr>
+      <p:grpSpPr>
+        <a:xfrm>
+          <a:off x="0" y="0"/>
+          <a:ext cx="0" cy="0"/>
+          <a:chOff x="0" y="0"/>
+          <a:chExt cx="0" cy="0"/>
+        </a:xfrm>
+      </p:grpSpPr>
+      <p:sp>
+        <p:nvSpPr>
+          <p:cNvPr id="2" name="Slide Image Placeholder 1"/>
+          <p:cNvSpPr>
+            <a:spLocks noGrp="1" noRot="1" noChangeAspect="1"/>
+          </p:cNvSpPr>
+          <p:nvPr>
+            <p:ph type="sldImg"/>
+          </p:nvPr>
+        </p:nvSpPr>
+        <p:spPr/>
+      </p:sp>
+      <p:sp>
+        <p:nvSpPr>
+          <p:cNvPr id="3" name="Notes Placeholder 2"/>
+          <p:cNvSpPr>
+            <a:spLocks noGrp="1"/>
+          </p:cNvSpPr>
+          <p:nvPr>
+            <p:ph type="body" idx="1"/>
+          </p:nvPr>
+        </p:nvSpPr>
+        <p:spPr/>
+        <p:txBody>
+          <a:bodyPr/>
+          <a:lstStyle/>
+          <a:p>
+            <a:endParaRPr lang="en-NL" dirty="0"/>
+          </a:p>
+        </p:txBody>
+      </p:sp>
+      <p:sp>
+        <p:nvSpPr>
+          <p:cNvPr id="4" name="Slide Number Placeholder 3"/>
+          <p:cNvSpPr>
+            <a:spLocks noGrp="1"/>
+          </p:cNvSpPr>
+          <p:nvPr>
+            <p:ph type="sldNum" sz="quarter" idx="5"/>
+          </p:nvPr>
+        </p:nvSpPr>
+        <p:spPr/>
+        <p:txBody>
+          <a:bodyPr/>
+          <a:lstStyle/>
+          <a:p>
+            <a:fld id="{2B49EB26-0ADA-45E7-9D1B-6D39AA4FDD6F}" type="slidenum">
+              <a:rPr lang="en-NL" smtClean="0"/>
+              <a:t>40</a:t>
+            </a:fld>
+            <a:endParaRPr lang="en-NL"/>
+          </a:p>
+        </p:txBody>
+      </p:sp>
+    </p:spTree>
+    <p:extLst>
+      <p:ext uri="{BB962C8B-B14F-4D97-AF65-F5344CB8AC3E}">
+        <p14:creationId xmlns:p14="http://schemas.microsoft.com/office/powerpoint/2010/main" val="2967021573"/>
       </p:ext>
     </p:extLst>
   </p:cSld>
@@ -1894,58 +2522,171 @@
           <a:bodyPr/>
           <a:lstStyle/>
           <a:p>
-            <a:pPr marL="0" marR="0" lvl="0" indent="0" algn="l" defTabSz="914400" rtl="0" eaLnBrk="1" fontAlgn="auto" latinLnBrk="0" hangingPunct="1">
-              <a:lnSpc>
-                <a:spcPct val="100000"/>
-              </a:lnSpc>
-              <a:spcBef>
-                <a:spcPts val="0"/>
-              </a:spcBef>
-              <a:spcAft>
-                <a:spcPts val="0"/>
-              </a:spcAft>
-              <a:buClrTx/>
-              <a:buSzTx/>
+            <a:r>
+              <a:rPr lang="en-US" dirty="0"/>
+              <a:t>In a lot of way the opposite of Python:</a:t>
+            </a:r>
+          </a:p>
+          <a:p>
+            <a:r>
+              <a:rPr lang="en-US" dirty="0"/>
+              <a:t> - Statically typed: types of variables can not change after declaration</a:t>
+            </a:r>
+          </a:p>
+          <a:p>
+            <a:pPr marL="171450" indent="-171450">
+              <a:buFontTx/>
+              <a:buChar char="-"/>
+            </a:pPr>
+            <a:r>
+              <a:rPr lang="en-US" dirty="0"/>
+              <a:t>Compiled: the source code (.</a:t>
+            </a:r>
+            <a:r>
+              <a:rPr lang="en-US" dirty="0" err="1"/>
+              <a:t>rs</a:t>
+            </a:r>
+            <a:r>
+              <a:rPr lang="en-US" dirty="0"/>
+              <a:t> files) are compiled into a binary first before you can execute them</a:t>
+            </a:r>
+          </a:p>
+          <a:p>
+            <a:pPr marL="171450" indent="-171450">
+              <a:buFontTx/>
+              <a:buChar char="-"/>
+            </a:pPr>
+            <a:r>
+              <a:rPr lang="en-US" dirty="0"/>
+              <a:t>Memory safe, like Python, Java, C sharp etc.</a:t>
+            </a:r>
+          </a:p>
+          <a:p>
+            <a:pPr marL="0" indent="0">
               <a:buFontTx/>
               <a:buNone/>
-              <a:tabLst/>
-              <a:defRPr/>
             </a:pPr>
-            <a:r>
-              <a:rPr lang="en-US" dirty="0">
-                <a:solidFill>
-                  <a:schemeClr val="bg1"/>
-                </a:solidFill>
-              </a:rPr>
-              <a:t>`</a:t>
-            </a:r>
-            <a:r>
-              <a:rPr lang="en-US" dirty="0" err="1">
-                <a:solidFill>
-                  <a:schemeClr val="bg1"/>
-                </a:solidFill>
-              </a:rPr>
-              <a:t>println</a:t>
-            </a:r>
-            <a:r>
-              <a:rPr lang="en-US" dirty="0">
-                <a:solidFill>
-                  <a:schemeClr val="bg1"/>
-                </a:solidFill>
-              </a:rPr>
-              <a:t>!` is a </a:t>
-            </a:r>
+            <a:endParaRPr lang="en-US" dirty="0"/>
+          </a:p>
+          <a:p>
+            <a:pPr marL="0" indent="0">
+              <a:buFontTx/>
+              <a:buNone/>
+            </a:pPr>
             <a:r>
               <a:rPr lang="en-US" dirty="0"/>
-              <a:t>macro, behaves like a function but with different rules</a:t>
-            </a:r>
-            <a:endParaRPr lang="en-US" dirty="0">
-              <a:solidFill>
-                <a:schemeClr val="bg1"/>
-              </a:solidFill>
-            </a:endParaRPr>
-          </a:p>
-          <a:p>
+              <a:t>No </a:t>
+            </a:r>
+            <a:r>
+              <a:rPr lang="en-US" dirty="0" err="1"/>
+              <a:t>gc</a:t>
+            </a:r>
+            <a:r>
+              <a:rPr lang="en-US" dirty="0"/>
+              <a:t> makes it fast, why?</a:t>
+            </a:r>
+          </a:p>
+          <a:p>
+            <a:pPr marL="0" indent="0">
+              <a:buFontTx/>
+              <a:buNone/>
+            </a:pPr>
+            <a:endParaRPr lang="en-US" dirty="0"/>
+          </a:p>
+          <a:p>
+            <a:pPr marL="0" indent="0">
+              <a:buFontTx/>
+              <a:buNone/>
+            </a:pPr>
+            <a:r>
+              <a:rPr lang="en-US" dirty="0"/>
+              <a:t>In Python you can create a new variable with some data and memory is allocated for you. You don’t have to clean it up yourself, because of the </a:t>
+            </a:r>
+            <a:r>
+              <a:rPr lang="en-US" dirty="0" err="1"/>
+              <a:t>gc</a:t>
+            </a:r>
+            <a:r>
+              <a:rPr lang="en-US" dirty="0"/>
+              <a:t>. The </a:t>
+            </a:r>
+            <a:r>
+              <a:rPr lang="en-US" dirty="0" err="1"/>
+              <a:t>gc</a:t>
+            </a:r>
+            <a:r>
+              <a:rPr lang="en-US" dirty="0"/>
+              <a:t> is an extra runtime that will check if data is still being used, and if it is not, it gets cleaned up, and the memory can be used for something else. </a:t>
+            </a:r>
+          </a:p>
+          <a:p>
+            <a:pPr marL="0" indent="0">
+              <a:buFontTx/>
+              <a:buNone/>
+            </a:pPr>
+            <a:endParaRPr lang="en-US" dirty="0"/>
+          </a:p>
+          <a:p>
+            <a:pPr marL="0" indent="0">
+              <a:buFontTx/>
+              <a:buNone/>
+            </a:pPr>
+            <a:r>
+              <a:rPr lang="en-US" dirty="0"/>
+              <a:t>In c/</a:t>
+            </a:r>
+            <a:r>
+              <a:rPr lang="en-US" dirty="0" err="1"/>
+              <a:t>c++</a:t>
+            </a:r>
+            <a:r>
+              <a:rPr lang="en-US" dirty="0"/>
+              <a:t> you as a developer have to ask for memory, and free the memory if when you are done. This is a lot of responsibility, for instance, if you forget to free the memory you will have a memory leak. This is a problem for long running programs. And if you free it more than once, you corrupt data.</a:t>
+            </a:r>
+          </a:p>
+          <a:p>
+            <a:pPr marL="0" indent="0">
+              <a:buFontTx/>
+              <a:buNone/>
+            </a:pPr>
+            <a:endParaRPr lang="en-US" dirty="0"/>
+          </a:p>
+          <a:p>
+            <a:pPr marL="0" indent="0">
+              <a:buFontTx/>
+              <a:buNone/>
+            </a:pPr>
+            <a:r>
+              <a:rPr lang="en-US" dirty="0"/>
+              <a:t>Rust has a solution, the ownership model.</a:t>
+            </a:r>
+          </a:p>
+          <a:p>
+            <a:pPr marL="0" indent="0">
+              <a:buFontTx/>
+              <a:buNone/>
+            </a:pPr>
+            <a:endParaRPr lang="en-US" dirty="0"/>
+          </a:p>
+          <a:p>
+            <a:pPr marL="0" indent="0">
+              <a:buFontTx/>
+              <a:buNone/>
+            </a:pPr>
+            <a:endParaRPr lang="en-US" dirty="0"/>
+          </a:p>
+          <a:p>
+            <a:pPr marL="0" indent="0">
+              <a:buFontTx/>
+              <a:buNone/>
+            </a:pPr>
+            <a:endParaRPr lang="en-US" dirty="0"/>
+          </a:p>
+          <a:p>
+            <a:pPr marL="0" indent="0">
+              <a:buFontTx/>
+              <a:buNone/>
+            </a:pPr>
             <a:endParaRPr lang="en-NL" dirty="0"/>
           </a:p>
         </p:txBody>
@@ -1967,7 +2708,7 @@
           <a:p>
             <a:fld id="{2B49EB26-0ADA-45E7-9D1B-6D39AA4FDD6F}" type="slidenum">
               <a:rPr lang="en-NL" smtClean="0"/>
-              <a:t>6</a:t>
+              <a:t>4</a:t>
             </a:fld>
             <a:endParaRPr lang="en-NL"/>
           </a:p>
@@ -1976,7 +2717,7 @@
     </p:spTree>
     <p:extLst>
       <p:ext uri="{BB962C8B-B14F-4D97-AF65-F5344CB8AC3E}">
-        <p14:creationId xmlns:p14="http://schemas.microsoft.com/office/powerpoint/2010/main" val="1430179195"/>
+        <p14:creationId xmlns:p14="http://schemas.microsoft.com/office/powerpoint/2010/main" val="1688152370"/>
       </p:ext>
     </p:extLst>
   </p:cSld>
@@ -2051,7 +2792,7 @@
           <a:p>
             <a:fld id="{2B49EB26-0ADA-45E7-9D1B-6D39AA4FDD6F}" type="slidenum">
               <a:rPr lang="en-NL" smtClean="0"/>
-              <a:t>12</a:t>
+              <a:t>5</a:t>
             </a:fld>
             <a:endParaRPr lang="en-NL"/>
           </a:p>
@@ -2060,7 +2801,7 @@
     </p:spTree>
     <p:extLst>
       <p:ext uri="{BB962C8B-B14F-4D97-AF65-F5344CB8AC3E}">
-        <p14:creationId xmlns:p14="http://schemas.microsoft.com/office/powerpoint/2010/main" val="2098477065"/>
+        <p14:creationId xmlns:p14="http://schemas.microsoft.com/office/powerpoint/2010/main" val="489540144"/>
       </p:ext>
     </p:extLst>
   </p:cSld>
@@ -2132,10 +2873,10 @@
               <a:defRPr/>
             </a:pPr>
             <a:r>
-              <a:rPr lang="en-US" sz="1200" dirty="0"/>
-              <a:t>Once the block is exited, the variable goes out of scope, and Rust automatically calls the drop method to clean up the variable.</a:t>
-            </a:r>
-            <a:endParaRPr lang="en-NL" sz="1200" dirty="0"/>
+              <a:rPr lang="en-US" dirty="0"/>
+              <a:t>“Rust has become the second language officially accepted for Linux kernel development, along with C.” – Dec 2022</a:t>
+            </a:r>
+            <a:endParaRPr lang="en-NL" dirty="0"/>
           </a:p>
           <a:p>
             <a:endParaRPr lang="en-NL" dirty="0"/>
@@ -2159,7 +2900,7 @@
           <a:p>
             <a:fld id="{2B49EB26-0ADA-45E7-9D1B-6D39AA4FDD6F}" type="slidenum">
               <a:rPr lang="en-NL" smtClean="0"/>
-              <a:t>14</a:t>
+              <a:t>6</a:t>
             </a:fld>
             <a:endParaRPr lang="en-NL"/>
           </a:p>
@@ -2168,7 +2909,7 @@
     </p:spTree>
     <p:extLst>
       <p:ext uri="{BB962C8B-B14F-4D97-AF65-F5344CB8AC3E}">
-        <p14:creationId xmlns:p14="http://schemas.microsoft.com/office/powerpoint/2010/main" val="4009615138"/>
+        <p14:creationId xmlns:p14="http://schemas.microsoft.com/office/powerpoint/2010/main" val="3685118241"/>
       </p:ext>
     </p:extLst>
   </p:cSld>
@@ -2222,6 +2963,158 @@
           <a:bodyPr/>
           <a:lstStyle/>
           <a:p>
+            <a:pPr marL="171450" marR="0" lvl="0" indent="-171450" algn="l" defTabSz="914400" rtl="0" eaLnBrk="1" fontAlgn="auto" latinLnBrk="0" hangingPunct="1">
+              <a:lnSpc>
+                <a:spcPct val="100000"/>
+              </a:lnSpc>
+              <a:spcBef>
+                <a:spcPts val="0"/>
+              </a:spcBef>
+              <a:spcAft>
+                <a:spcPts val="0"/>
+              </a:spcAft>
+              <a:buClrTx/>
+              <a:buSzTx/>
+              <a:buFontTx/>
+              <a:buChar char="-"/>
+              <a:tabLst/>
+              <a:defRPr/>
+            </a:pPr>
+            <a:r>
+              <a:rPr lang="en-US" dirty="0">
+                <a:solidFill>
+                  <a:schemeClr val="bg1"/>
+                </a:solidFill>
+              </a:rPr>
+              <a:t>Always start with hello world</a:t>
+            </a:r>
+          </a:p>
+          <a:p>
+            <a:pPr marL="171450" marR="0" lvl="0" indent="-171450" algn="l" defTabSz="914400" rtl="0" eaLnBrk="1" fontAlgn="auto" latinLnBrk="0" hangingPunct="1">
+              <a:lnSpc>
+                <a:spcPct val="100000"/>
+              </a:lnSpc>
+              <a:spcBef>
+                <a:spcPts val="0"/>
+              </a:spcBef>
+              <a:spcAft>
+                <a:spcPts val="0"/>
+              </a:spcAft>
+              <a:buClrTx/>
+              <a:buSzTx/>
+              <a:buFontTx/>
+              <a:buChar char="-"/>
+              <a:tabLst/>
+              <a:defRPr/>
+            </a:pPr>
+            <a:r>
+              <a:rPr lang="en-US" dirty="0">
+                <a:solidFill>
+                  <a:schemeClr val="bg1"/>
+                </a:solidFill>
+              </a:rPr>
+              <a:t>Main function is entry</a:t>
+            </a:r>
+          </a:p>
+          <a:p>
+            <a:pPr marL="171450" marR="0" lvl="0" indent="-171450" algn="l" defTabSz="914400" rtl="0" eaLnBrk="1" fontAlgn="auto" latinLnBrk="0" hangingPunct="1">
+              <a:lnSpc>
+                <a:spcPct val="100000"/>
+              </a:lnSpc>
+              <a:spcBef>
+                <a:spcPts val="0"/>
+              </a:spcBef>
+              <a:spcAft>
+                <a:spcPts val="0"/>
+              </a:spcAft>
+              <a:buClrTx/>
+              <a:buSzTx/>
+              <a:buFontTx/>
+              <a:buChar char="-"/>
+              <a:tabLst/>
+              <a:defRPr/>
+            </a:pPr>
+            <a:r>
+              <a:rPr lang="en-US" dirty="0">
+                <a:solidFill>
+                  <a:schemeClr val="bg1"/>
+                </a:solidFill>
+              </a:rPr>
+              <a:t>`</a:t>
+            </a:r>
+            <a:r>
+              <a:rPr lang="en-US" dirty="0" err="1">
+                <a:solidFill>
+                  <a:schemeClr val="bg1"/>
+                </a:solidFill>
+              </a:rPr>
+              <a:t>println</a:t>
+            </a:r>
+            <a:r>
+              <a:rPr lang="en-US" dirty="0">
+                <a:solidFill>
+                  <a:schemeClr val="bg1"/>
+                </a:solidFill>
+              </a:rPr>
+              <a:t>!` is a </a:t>
+            </a:r>
+            <a:r>
+              <a:rPr lang="en-US" dirty="0"/>
+              <a:t>macro, behaves like a function but with different rules</a:t>
+            </a:r>
+          </a:p>
+          <a:p>
+            <a:pPr marL="171450" marR="0" lvl="0" indent="-171450" algn="l" defTabSz="914400" rtl="0" eaLnBrk="1" fontAlgn="auto" latinLnBrk="0" hangingPunct="1">
+              <a:lnSpc>
+                <a:spcPct val="100000"/>
+              </a:lnSpc>
+              <a:spcBef>
+                <a:spcPts val="0"/>
+              </a:spcBef>
+              <a:spcAft>
+                <a:spcPts val="0"/>
+              </a:spcAft>
+              <a:buClrTx/>
+              <a:buSzTx/>
+              <a:buFontTx/>
+              <a:buChar char="-"/>
+              <a:tabLst/>
+              <a:defRPr/>
+            </a:pPr>
+            <a:r>
+              <a:rPr lang="en-US" dirty="0">
+                <a:solidFill>
+                  <a:schemeClr val="bg1"/>
+                </a:solidFill>
+              </a:rPr>
+              <a:t>Statements end with semi colon</a:t>
+            </a:r>
+          </a:p>
+          <a:p>
+            <a:pPr marL="0" marR="0" lvl="0" indent="0" algn="l" defTabSz="914400" rtl="0" eaLnBrk="1" fontAlgn="auto" latinLnBrk="0" hangingPunct="1">
+              <a:lnSpc>
+                <a:spcPct val="100000"/>
+              </a:lnSpc>
+              <a:spcBef>
+                <a:spcPts val="0"/>
+              </a:spcBef>
+              <a:spcAft>
+                <a:spcPts val="0"/>
+              </a:spcAft>
+              <a:buClrTx/>
+              <a:buSzTx/>
+              <a:buFontTx/>
+              <a:buNone/>
+              <a:tabLst/>
+              <a:defRPr/>
+            </a:pPr>
+            <a:endParaRPr lang="en-US" dirty="0">
+              <a:solidFill>
+                <a:schemeClr val="bg1"/>
+              </a:solidFill>
+            </a:endParaRPr>
+          </a:p>
+          <a:p>
             <a:endParaRPr lang="en-NL" dirty="0"/>
           </a:p>
         </p:txBody>
@@ -2243,7 +3136,7 @@
           <a:p>
             <a:fld id="{2B49EB26-0ADA-45E7-9D1B-6D39AA4FDD6F}" type="slidenum">
               <a:rPr lang="en-NL" smtClean="0"/>
-              <a:t>15</a:t>
+              <a:t>7</a:t>
             </a:fld>
             <a:endParaRPr lang="en-NL"/>
           </a:p>
@@ -2252,7 +3145,7 @@
     </p:spTree>
     <p:extLst>
       <p:ext uri="{BB962C8B-B14F-4D97-AF65-F5344CB8AC3E}">
-        <p14:creationId xmlns:p14="http://schemas.microsoft.com/office/powerpoint/2010/main" val="1177466693"/>
+        <p14:creationId xmlns:p14="http://schemas.microsoft.com/office/powerpoint/2010/main" val="1430179195"/>
       </p:ext>
     </p:extLst>
   </p:cSld>
@@ -2306,6 +3199,39 @@
           <a:bodyPr/>
           <a:lstStyle/>
           <a:p>
+            <a:pPr marL="171450" indent="-171450">
+              <a:buFontTx/>
+              <a:buChar char="-"/>
+            </a:pPr>
+            <a:r>
+              <a:rPr lang="en-US" dirty="0"/>
+              <a:t>Familiar for people who use </a:t>
+            </a:r>
+            <a:r>
+              <a:rPr lang="en-US" dirty="0" err="1"/>
+              <a:t>mypy</a:t>
+            </a:r>
+            <a:endParaRPr lang="en-US" dirty="0"/>
+          </a:p>
+          <a:p>
+            <a:pPr marL="171450" indent="-171450">
+              <a:buFontTx/>
+              <a:buChar char="-"/>
+            </a:pPr>
+            <a:r>
+              <a:rPr lang="en-US" dirty="0"/>
+              <a:t>You have to give types of arguments and return</a:t>
+            </a:r>
+          </a:p>
+          <a:p>
+            <a:pPr marL="171450" indent="-171450">
+              <a:buFontTx/>
+              <a:buChar char="-"/>
+            </a:pPr>
+            <a:r>
+              <a:rPr lang="en-US" dirty="0"/>
+              <a:t>Function is called from main function</a:t>
+            </a:r>
             <a:endParaRPr lang="en-NL" dirty="0"/>
           </a:p>
         </p:txBody>
@@ -2327,7 +3253,7 @@
           <a:p>
             <a:fld id="{2B49EB26-0ADA-45E7-9D1B-6D39AA4FDD6F}" type="slidenum">
               <a:rPr lang="en-NL" smtClean="0"/>
-              <a:t>16</a:t>
+              <a:t>9</a:t>
             </a:fld>
             <a:endParaRPr lang="en-NL"/>
           </a:p>
@@ -2336,7 +3262,7 @@
     </p:spTree>
     <p:extLst>
       <p:ext uri="{BB962C8B-B14F-4D97-AF65-F5344CB8AC3E}">
-        <p14:creationId xmlns:p14="http://schemas.microsoft.com/office/powerpoint/2010/main" val="1644057142"/>
+        <p14:creationId xmlns:p14="http://schemas.microsoft.com/office/powerpoint/2010/main" val="4169900834"/>
       </p:ext>
     </p:extLst>
   </p:cSld>
@@ -2390,6 +3316,10 @@
           <a:bodyPr/>
           <a:lstStyle/>
           <a:p>
+            <a:r>
+              <a:rPr lang="en-US" dirty="0"/>
+              <a:t>Always end lines of code with semi colon, unless you want them to return something.</a:t>
+            </a:r>
             <a:endParaRPr lang="en-NL" dirty="0"/>
           </a:p>
         </p:txBody>
@@ -2411,7 +3341,7 @@
           <a:p>
             <a:fld id="{2B49EB26-0ADA-45E7-9D1B-6D39AA4FDD6F}" type="slidenum">
               <a:rPr lang="en-NL" smtClean="0"/>
-              <a:t>17</a:t>
+              <a:t>10</a:t>
             </a:fld>
             <a:endParaRPr lang="en-NL"/>
           </a:p>
@@ -2420,7 +3350,7 @@
     </p:spTree>
     <p:extLst>
       <p:ext uri="{BB962C8B-B14F-4D97-AF65-F5344CB8AC3E}">
-        <p14:creationId xmlns:p14="http://schemas.microsoft.com/office/powerpoint/2010/main" val="4199584516"/>
+        <p14:creationId xmlns:p14="http://schemas.microsoft.com/office/powerpoint/2010/main" val="9963649"/>
       </p:ext>
     </p:extLst>
   </p:cSld>
@@ -2474,6 +3404,28 @@
           <a:bodyPr/>
           <a:lstStyle/>
           <a:p>
+            <a:r>
+              <a:rPr lang="en-US" dirty="0"/>
+              <a:t>Two types of integers: signed and unsigned</a:t>
+            </a:r>
+          </a:p>
+          <a:p>
+            <a:r>
+              <a:rPr lang="en-US" dirty="0"/>
+              <a:t>Two types of floating points, use f64</a:t>
+            </a:r>
+          </a:p>
+          <a:p>
+            <a:r>
+              <a:rPr lang="en-US" dirty="0"/>
+              <a:t>Bools, true and false are not capitalized!</a:t>
+            </a:r>
+          </a:p>
+          <a:p>
+            <a:r>
+              <a:rPr lang="en-US" dirty="0"/>
+              <a:t>Characters, note: difference between single and double quotes.</a:t>
+            </a:r>
             <a:endParaRPr lang="en-NL" dirty="0"/>
           </a:p>
         </p:txBody>
@@ -2495,7 +3447,7 @@
           <a:p>
             <a:fld id="{2B49EB26-0ADA-45E7-9D1B-6D39AA4FDD6F}" type="slidenum">
               <a:rPr lang="en-NL" smtClean="0"/>
-              <a:t>18</a:t>
+              <a:t>11</a:t>
             </a:fld>
             <a:endParaRPr lang="en-NL"/>
           </a:p>
@@ -2504,7 +3456,7 @@
     </p:spTree>
     <p:extLst>
       <p:ext uri="{BB962C8B-B14F-4D97-AF65-F5344CB8AC3E}">
-        <p14:creationId xmlns:p14="http://schemas.microsoft.com/office/powerpoint/2010/main" val="1522655875"/>
+        <p14:creationId xmlns:p14="http://schemas.microsoft.com/office/powerpoint/2010/main" val="775693505"/>
       </p:ext>
     </p:extLst>
   </p:cSld>
@@ -2579,7 +3531,7 @@
           <a:p>
             <a:fld id="{2B49EB26-0ADA-45E7-9D1B-6D39AA4FDD6F}" type="slidenum">
               <a:rPr lang="en-NL" smtClean="0"/>
-              <a:t>19</a:t>
+              <a:t>13</a:t>
             </a:fld>
             <a:endParaRPr lang="en-NL"/>
           </a:p>
@@ -2588,7 +3540,7 @@
     </p:spTree>
     <p:extLst>
       <p:ext uri="{BB962C8B-B14F-4D97-AF65-F5344CB8AC3E}">
-        <p14:creationId xmlns:p14="http://schemas.microsoft.com/office/powerpoint/2010/main" val="2722061024"/>
+        <p14:creationId xmlns:p14="http://schemas.microsoft.com/office/powerpoint/2010/main" val="2098477065"/>
       </p:ext>
     </p:extLst>
   </p:cSld>
@@ -2755,7 +3707,7 @@
           <a:p>
             <a:fld id="{7F633B75-9D49-4E21-829D-E4FA5DBDEC21}" type="datetime8">
               <a:rPr lang="en-NL" smtClean="0"/>
-              <a:t>02/08/2024 11:19</a:t>
+              <a:t>08/08/2024 19:57</a:t>
             </a:fld>
             <a:endParaRPr lang="en-NL"/>
           </a:p>
@@ -2955,7 +3907,7 @@
           <a:p>
             <a:fld id="{DF819DCA-7153-476F-8647-871D5B3BFAE7}" type="datetime8">
               <a:rPr lang="en-NL" smtClean="0"/>
-              <a:t>02/08/2024 11:19</a:t>
+              <a:t>08/08/2024 19:57</a:t>
             </a:fld>
             <a:endParaRPr lang="en-NL"/>
           </a:p>
@@ -3165,7 +4117,7 @@
           <a:p>
             <a:fld id="{C717219E-4F2D-4866-AB7B-53F155A9128E}" type="datetime8">
               <a:rPr lang="en-NL" smtClean="0"/>
-              <a:t>02/08/2024 11:19</a:t>
+              <a:t>08/08/2024 19:57</a:t>
             </a:fld>
             <a:endParaRPr lang="en-NL"/>
           </a:p>
@@ -3418,7 +4370,7 @@
             <a:fld id="{7A8CC4E0-A659-4480-9F5D-C8AC94F5DAEC}" type="datetime8">
               <a:rPr lang="en-NL" smtClean="0"/>
               <a:pPr/>
-              <a:t>02/08/2024 11:19</a:t>
+              <a:t>08/08/2024 19:57</a:t>
             </a:fld>
             <a:endParaRPr lang="en-NL"/>
           </a:p>
@@ -3713,7 +4665,7 @@
           <a:p>
             <a:fld id="{4D886398-CF4B-40EA-9910-0FAEB177B3EC}" type="datetime8">
               <a:rPr lang="en-NL" smtClean="0"/>
-              <a:t>02/08/2024 11:19</a:t>
+              <a:t>08/08/2024 19:57</a:t>
             </a:fld>
             <a:endParaRPr lang="en-NL"/>
           </a:p>
@@ -3981,7 +4933,7 @@
           <a:p>
             <a:fld id="{C432EDAF-8C8F-41C6-96CE-B91A9CA4A46A}" type="datetime8">
               <a:rPr lang="en-NL" smtClean="0"/>
-              <a:t>02/08/2024 11:19</a:t>
+              <a:t>08/08/2024 19:57</a:t>
             </a:fld>
             <a:endParaRPr lang="en-NL"/>
           </a:p>
@@ -4396,7 +5348,7 @@
           <a:p>
             <a:fld id="{3882907D-8054-4E5D-B851-6A833B96C494}" type="datetime8">
               <a:rPr lang="en-NL" smtClean="0"/>
-              <a:t>02/08/2024 11:19</a:t>
+              <a:t>08/08/2024 19:57</a:t>
             </a:fld>
             <a:endParaRPr lang="en-NL"/>
           </a:p>
@@ -4538,7 +5490,7 @@
           <a:p>
             <a:fld id="{BAAF7DE3-02D1-45B5-B801-F09EE64DD3C6}" type="datetime8">
               <a:rPr lang="en-NL" smtClean="0"/>
-              <a:t>02/08/2024 11:19</a:t>
+              <a:t>08/08/2024 19:57</a:t>
             </a:fld>
             <a:endParaRPr lang="en-NL"/>
           </a:p>
@@ -4651,7 +5603,7 @@
           <a:p>
             <a:fld id="{4CB4DA82-DB57-4890-B566-CA59A115E4AA}" type="datetime8">
               <a:rPr lang="en-NL" smtClean="0"/>
-              <a:t>02/08/2024 11:19</a:t>
+              <a:t>08/08/2024 19:57</a:t>
             </a:fld>
             <a:endParaRPr lang="en-NL"/>
           </a:p>
@@ -4964,7 +5916,7 @@
           <a:p>
             <a:fld id="{2E1F86B2-1DD7-4C4D-8F01-C34FEE9398F4}" type="datetime8">
               <a:rPr lang="en-NL" smtClean="0"/>
-              <a:t>02/08/2024 11:19</a:t>
+              <a:t>08/08/2024 19:57</a:t>
             </a:fld>
             <a:endParaRPr lang="en-NL"/>
           </a:p>
@@ -5253,7 +6205,7 @@
           <a:p>
             <a:fld id="{E8DEB89D-55ED-4AAE-9DA8-35F3C9312BB2}" type="datetime8">
               <a:rPr lang="en-NL" smtClean="0"/>
-              <a:t>02/08/2024 11:19</a:t>
+              <a:t>08/08/2024 19:57</a:t>
             </a:fld>
             <a:endParaRPr lang="en-NL"/>
           </a:p>
@@ -5499,7 +6451,7 @@
           <a:p>
             <a:fld id="{22C37705-95C9-4E2E-9418-D08F62B82A41}" type="datetime8">
               <a:rPr lang="en-NL" smtClean="0"/>
-              <a:t>02/08/2024 11:19</a:t>
+              <a:t>08/08/2024 19:57</a:t>
             </a:fld>
             <a:endParaRPr lang="en-NL"/>
           </a:p>
@@ -6818,7 +7770,7 @@
           <p:cNvPr id="2" name="Title 1">
             <a:extLst>
               <a:ext uri="{FF2B5EF4-FFF2-40B4-BE49-F238E27FC236}">
-                <a16:creationId xmlns:a16="http://schemas.microsoft.com/office/drawing/2014/main" id="{E6709C84-4BC7-2CE2-C12C-6F750E5349F8}"/>
+                <a16:creationId xmlns:a16="http://schemas.microsoft.com/office/drawing/2014/main" id="{C8BBD235-BD80-5B70-C6A9-9E84012AA5DF}"/>
               </a:ext>
             </a:extLst>
           </p:cNvPr>
@@ -6836,7 +7788,7 @@
           <a:p>
             <a:r>
               <a:rPr lang="en-US" dirty="0"/>
-              <a:t>Scalar types</a:t>
+              <a:t>Functions</a:t>
             </a:r>
             <a:endParaRPr lang="en-NL" dirty="0"/>
           </a:p>
@@ -6844,10 +7796,39 @@
       </p:sp>
       <p:sp>
         <p:nvSpPr>
+          <p:cNvPr id="3" name="Content Placeholder 2">
+            <a:extLst>
+              <a:ext uri="{FF2B5EF4-FFF2-40B4-BE49-F238E27FC236}">
+                <a16:creationId xmlns:a16="http://schemas.microsoft.com/office/drawing/2014/main" id="{1C4C4E95-2131-C492-B536-2D51B6E79B58}"/>
+              </a:ext>
+            </a:extLst>
+          </p:cNvPr>
+          <p:cNvSpPr>
+            <a:spLocks noGrp="1"/>
+          </p:cNvSpPr>
+          <p:nvPr>
+            <p:ph idx="1"/>
+          </p:nvPr>
+        </p:nvSpPr>
+        <p:spPr/>
+        <p:txBody>
+          <a:bodyPr/>
+          <a:lstStyle/>
+          <a:p>
+            <a:r>
+              <a:rPr lang="en-US" dirty="0"/>
+              <a:t>You can use expressions in functions instead of return</a:t>
+            </a:r>
+            <a:endParaRPr lang="en-NL" dirty="0"/>
+          </a:p>
+        </p:txBody>
+      </p:sp>
+      <p:sp>
+        <p:nvSpPr>
           <p:cNvPr id="4" name="Slide Number Placeholder 3">
             <a:extLst>
               <a:ext uri="{FF2B5EF4-FFF2-40B4-BE49-F238E27FC236}">
-                <a16:creationId xmlns:a16="http://schemas.microsoft.com/office/drawing/2014/main" id="{4E420CEF-90EA-C77C-6287-23E02A527B31}"/>
+                <a16:creationId xmlns:a16="http://schemas.microsoft.com/office/drawing/2014/main" id="{9DE10313-2ACC-0965-3DE2-9ED9FEB11411}"/>
               </a:ext>
             </a:extLst>
           </p:cNvPr>
@@ -6867,6 +7848,522 @@
               <a:rPr lang="en-NL" smtClean="0"/>
               <a:pPr/>
               <a:t>10</a:t>
+            </a:fld>
+            <a:endParaRPr lang="en-NL" dirty="0"/>
+          </a:p>
+        </p:txBody>
+      </p:sp>
+      <p:pic>
+        <p:nvPicPr>
+          <p:cNvPr id="6" name="Picture 5">
+            <a:extLst>
+              <a:ext uri="{FF2B5EF4-FFF2-40B4-BE49-F238E27FC236}">
+                <a16:creationId xmlns:a16="http://schemas.microsoft.com/office/drawing/2014/main" id="{59F552DE-8FA5-F20E-A433-A68E11BF778B}"/>
+              </a:ext>
+            </a:extLst>
+          </p:cNvPr>
+          <p:cNvPicPr>
+            <a:picLocks noChangeAspect="1"/>
+          </p:cNvPicPr>
+          <p:nvPr/>
+        </p:nvPicPr>
+        <p:blipFill rotWithShape="1">
+          <a:blip r:embed="rId3"/>
+          <a:srcRect t="51004" b="1162"/>
+          <a:stretch/>
+        </p:blipFill>
+        <p:spPr>
+          <a:xfrm>
+            <a:off x="980010" y="2590546"/>
+            <a:ext cx="7630590" cy="1676908"/>
+          </a:xfrm>
+          <a:prstGeom prst="rect">
+            <a:avLst/>
+          </a:prstGeom>
+        </p:spPr>
+      </p:pic>
+      <p:pic>
+        <p:nvPicPr>
+          <p:cNvPr id="11" name="Picture 10">
+            <a:extLst>
+              <a:ext uri="{FF2B5EF4-FFF2-40B4-BE49-F238E27FC236}">
+                <a16:creationId xmlns:a16="http://schemas.microsoft.com/office/drawing/2014/main" id="{C6D0A7AD-C5C8-DE4E-332D-7D642A9C0EED}"/>
+              </a:ext>
+            </a:extLst>
+          </p:cNvPr>
+          <p:cNvPicPr>
+            <a:picLocks noChangeAspect="1"/>
+          </p:cNvPicPr>
+          <p:nvPr/>
+        </p:nvPicPr>
+        <p:blipFill>
+          <a:blip r:embed="rId4"/>
+          <a:stretch>
+            <a:fillRect/>
+          </a:stretch>
+        </p:blipFill>
+        <p:spPr>
+          <a:xfrm>
+            <a:off x="980010" y="4541907"/>
+            <a:ext cx="7287642" cy="1143160"/>
+          </a:xfrm>
+          <a:prstGeom prst="rect">
+            <a:avLst/>
+          </a:prstGeom>
+        </p:spPr>
+      </p:pic>
+      <p:cxnSp>
+        <p:nvCxnSpPr>
+          <p:cNvPr id="5" name="Straight Connector 4">
+            <a:extLst>
+              <a:ext uri="{FF2B5EF4-FFF2-40B4-BE49-F238E27FC236}">
+                <a16:creationId xmlns:a16="http://schemas.microsoft.com/office/drawing/2014/main" id="{9CEB0580-6CC0-3413-C9EB-547FE14DBE8C}"/>
+              </a:ext>
+            </a:extLst>
+          </p:cNvPr>
+          <p:cNvCxnSpPr>
+            <a:cxnSpLocks/>
+          </p:cNvCxnSpPr>
+          <p:nvPr/>
+        </p:nvCxnSpPr>
+        <p:spPr>
+          <a:xfrm>
+            <a:off x="1013076" y="1396181"/>
+            <a:ext cx="2123414" cy="0"/>
+          </a:xfrm>
+          <a:prstGeom prst="line">
+            <a:avLst/>
+          </a:prstGeom>
+          <a:ln w="28575">
+            <a:solidFill>
+              <a:schemeClr val="accent1">
+                <a:lumMod val="60000"/>
+                <a:lumOff val="40000"/>
+              </a:schemeClr>
+            </a:solidFill>
+          </a:ln>
+        </p:spPr>
+        <p:style>
+          <a:lnRef idx="2">
+            <a:schemeClr val="accent4"/>
+          </a:lnRef>
+          <a:fillRef idx="0">
+            <a:schemeClr val="accent4"/>
+          </a:fillRef>
+          <a:effectRef idx="1">
+            <a:schemeClr val="accent4"/>
+          </a:effectRef>
+          <a:fontRef idx="minor">
+            <a:schemeClr val="tx1"/>
+          </a:fontRef>
+        </p:style>
+      </p:cxnSp>
+      <p:grpSp>
+        <p:nvGrpSpPr>
+          <p:cNvPr id="17" name="Group 16">
+            <a:extLst>
+              <a:ext uri="{FF2B5EF4-FFF2-40B4-BE49-F238E27FC236}">
+                <a16:creationId xmlns:a16="http://schemas.microsoft.com/office/drawing/2014/main" id="{1481A841-5412-40E4-7178-D89FAFBDDCEF}"/>
+              </a:ext>
+            </a:extLst>
+          </p:cNvPr>
+          <p:cNvGrpSpPr/>
+          <p:nvPr/>
+        </p:nvGrpSpPr>
+        <p:grpSpPr>
+          <a:xfrm>
+            <a:off x="3257006" y="3143794"/>
+            <a:ext cx="5495404" cy="2154359"/>
+            <a:chOff x="3257006" y="3143794"/>
+            <a:chExt cx="5495404" cy="2154359"/>
+          </a:xfrm>
+        </p:grpSpPr>
+        <p:sp>
+          <p:nvSpPr>
+            <p:cNvPr id="12" name="TextBox 11">
+              <a:extLst>
+                <a:ext uri="{FF2B5EF4-FFF2-40B4-BE49-F238E27FC236}">
+                  <a16:creationId xmlns:a16="http://schemas.microsoft.com/office/drawing/2014/main" id="{2C53BE19-46A0-2375-77A9-B81008417B4B}"/>
+                </a:ext>
+              </a:extLst>
+            </p:cNvPr>
+            <p:cNvSpPr txBox="1"/>
+            <p:nvPr/>
+          </p:nvSpPr>
+          <p:spPr>
+            <a:xfrm>
+              <a:off x="5417027" y="3196895"/>
+              <a:ext cx="3335383" cy="369332"/>
+            </a:xfrm>
+            <a:prstGeom prst="rect">
+              <a:avLst/>
+            </a:prstGeom>
+            <a:noFill/>
+          </p:spPr>
+          <p:txBody>
+            <a:bodyPr wrap="square" rtlCol="0">
+              <a:spAutoFit/>
+            </a:bodyPr>
+            <a:lstStyle/>
+            <a:p>
+              <a:r>
+                <a:rPr lang="en-US" dirty="0">
+                  <a:solidFill>
+                    <a:schemeClr val="bg1"/>
+                  </a:solidFill>
+                </a:rPr>
+                <a:t>Statements</a:t>
+              </a:r>
+              <a:endParaRPr lang="en-NL" dirty="0">
+                <a:solidFill>
+                  <a:schemeClr val="bg1"/>
+                </a:solidFill>
+              </a:endParaRPr>
+            </a:p>
+          </p:txBody>
+        </p:sp>
+        <p:sp>
+          <p:nvSpPr>
+            <p:cNvPr id="13" name="TextBox 12">
+              <a:extLst>
+                <a:ext uri="{FF2B5EF4-FFF2-40B4-BE49-F238E27FC236}">
+                  <a16:creationId xmlns:a16="http://schemas.microsoft.com/office/drawing/2014/main" id="{25F0AA85-DF38-2535-6B01-2433ECFC7AF7}"/>
+                </a:ext>
+              </a:extLst>
+            </p:cNvPr>
+            <p:cNvSpPr txBox="1"/>
+            <p:nvPr/>
+          </p:nvSpPr>
+          <p:spPr>
+            <a:xfrm>
+              <a:off x="3643401" y="4928821"/>
+              <a:ext cx="3335383" cy="369332"/>
+            </a:xfrm>
+            <a:prstGeom prst="rect">
+              <a:avLst/>
+            </a:prstGeom>
+            <a:noFill/>
+          </p:spPr>
+          <p:txBody>
+            <a:bodyPr wrap="square" rtlCol="0">
+              <a:spAutoFit/>
+            </a:bodyPr>
+            <a:lstStyle/>
+            <a:p>
+              <a:r>
+                <a:rPr lang="en-US" dirty="0">
+                  <a:solidFill>
+                    <a:schemeClr val="bg1"/>
+                  </a:solidFill>
+                </a:rPr>
+                <a:t>Expression</a:t>
+              </a:r>
+              <a:endParaRPr lang="en-NL" dirty="0">
+                <a:solidFill>
+                  <a:schemeClr val="bg1"/>
+                </a:solidFill>
+              </a:endParaRPr>
+            </a:p>
+          </p:txBody>
+        </p:sp>
+        <p:cxnSp>
+          <p:nvCxnSpPr>
+            <p:cNvPr id="15" name="Straight Arrow Connector 14">
+              <a:extLst>
+                <a:ext uri="{FF2B5EF4-FFF2-40B4-BE49-F238E27FC236}">
+                  <a16:creationId xmlns:a16="http://schemas.microsoft.com/office/drawing/2014/main" id="{2242609B-BC31-7A79-4C9A-E521D610F49A}"/>
+                </a:ext>
+              </a:extLst>
+            </p:cNvPr>
+            <p:cNvCxnSpPr>
+              <a:endCxn id="13" idx="1"/>
+            </p:cNvCxnSpPr>
+            <p:nvPr/>
+          </p:nvCxnSpPr>
+          <p:spPr>
+            <a:xfrm>
+              <a:off x="3257006" y="5113487"/>
+              <a:ext cx="386395" cy="0"/>
+            </a:xfrm>
+            <a:prstGeom prst="straightConnector1">
+              <a:avLst/>
+            </a:prstGeom>
+            <a:ln>
+              <a:solidFill>
+                <a:schemeClr val="bg1"/>
+              </a:solidFill>
+              <a:tailEnd type="triangle"/>
+            </a:ln>
+          </p:spPr>
+          <p:style>
+            <a:lnRef idx="2">
+              <a:schemeClr val="accent1"/>
+            </a:lnRef>
+            <a:fillRef idx="0">
+              <a:schemeClr val="accent1"/>
+            </a:fillRef>
+            <a:effectRef idx="1">
+              <a:schemeClr val="accent1"/>
+            </a:effectRef>
+            <a:fontRef idx="minor">
+              <a:schemeClr val="tx1"/>
+            </a:fontRef>
+          </p:style>
+        </p:cxnSp>
+        <p:sp>
+          <p:nvSpPr>
+            <p:cNvPr id="16" name="Right Brace 15">
+              <a:extLst>
+                <a:ext uri="{FF2B5EF4-FFF2-40B4-BE49-F238E27FC236}">
+                  <a16:creationId xmlns:a16="http://schemas.microsoft.com/office/drawing/2014/main" id="{07ADB1A3-915A-54E8-4A71-56485CB127A3}"/>
+                </a:ext>
+              </a:extLst>
+            </p:cNvPr>
+            <p:cNvSpPr/>
+            <p:nvPr/>
+          </p:nvSpPr>
+          <p:spPr>
+            <a:xfrm>
+              <a:off x="5077097" y="3143794"/>
+              <a:ext cx="304800" cy="539932"/>
+            </a:xfrm>
+            <a:prstGeom prst="rightBrace">
+              <a:avLst/>
+            </a:prstGeom>
+            <a:ln>
+              <a:solidFill>
+                <a:schemeClr val="bg1"/>
+              </a:solidFill>
+            </a:ln>
+          </p:spPr>
+          <p:style>
+            <a:lnRef idx="2">
+              <a:schemeClr val="accent1"/>
+            </a:lnRef>
+            <a:fillRef idx="0">
+              <a:schemeClr val="accent1"/>
+            </a:fillRef>
+            <a:effectRef idx="1">
+              <a:schemeClr val="accent1"/>
+            </a:effectRef>
+            <a:fontRef idx="minor">
+              <a:schemeClr val="tx1"/>
+            </a:fontRef>
+          </p:style>
+          <p:txBody>
+            <a:bodyPr rtlCol="0" anchor="ctr"/>
+            <a:lstStyle/>
+            <a:p>
+              <a:pPr algn="ctr"/>
+              <a:endParaRPr lang="en-NL"/>
+            </a:p>
+          </p:txBody>
+        </p:sp>
+      </p:grpSp>
+    </p:spTree>
+    <p:extLst>
+      <p:ext uri="{BB962C8B-B14F-4D97-AF65-F5344CB8AC3E}">
+        <p14:creationId xmlns:p14="http://schemas.microsoft.com/office/powerpoint/2010/main" val="4183989477"/>
+      </p:ext>
+    </p:extLst>
+  </p:cSld>
+  <p:clrMapOvr>
+    <a:masterClrMapping/>
+  </p:clrMapOvr>
+  <p:timing>
+    <p:tnLst>
+      <p:par>
+        <p:cTn id="1" dur="indefinite" restart="never" nodeType="tmRoot">
+          <p:childTnLst>
+            <p:seq concurrent="1" nextAc="seek">
+              <p:cTn id="2" dur="indefinite" nodeType="mainSeq">
+                <p:childTnLst>
+                  <p:par>
+                    <p:cTn id="3" fill="hold">
+                      <p:stCondLst>
+                        <p:cond delay="indefinite"/>
+                      </p:stCondLst>
+                      <p:childTnLst>
+                        <p:par>
+                          <p:cTn id="4" fill="hold">
+                            <p:stCondLst>
+                              <p:cond delay="0"/>
+                            </p:stCondLst>
+                            <p:childTnLst>
+                              <p:par>
+                                <p:cTn id="5" presetID="1" presetClass="entr" presetSubtype="0" fill="hold" nodeType="clickEffect">
+                                  <p:stCondLst>
+                                    <p:cond delay="0"/>
+                                  </p:stCondLst>
+                                  <p:childTnLst>
+                                    <p:set>
+                                      <p:cBhvr>
+                                        <p:cTn id="6" dur="1" fill="hold">
+                                          <p:stCondLst>
+                                            <p:cond delay="0"/>
+                                          </p:stCondLst>
+                                        </p:cTn>
+                                        <p:tgtEl>
+                                          <p:spTgt spid="11"/>
+                                        </p:tgtEl>
+                                        <p:attrNameLst>
+                                          <p:attrName>style.visibility</p:attrName>
+                                        </p:attrNameLst>
+                                      </p:cBhvr>
+                                      <p:to>
+                                        <p:strVal val="visible"/>
+                                      </p:to>
+                                    </p:set>
+                                  </p:childTnLst>
+                                </p:cTn>
+                              </p:par>
+                            </p:childTnLst>
+                          </p:cTn>
+                        </p:par>
+                      </p:childTnLst>
+                    </p:cTn>
+                  </p:par>
+                  <p:par>
+                    <p:cTn id="7" fill="hold">
+                      <p:stCondLst>
+                        <p:cond delay="indefinite"/>
+                      </p:stCondLst>
+                      <p:childTnLst>
+                        <p:par>
+                          <p:cTn id="8" fill="hold">
+                            <p:stCondLst>
+                              <p:cond delay="0"/>
+                            </p:stCondLst>
+                            <p:childTnLst>
+                              <p:par>
+                                <p:cTn id="9" presetID="1" presetClass="entr" presetSubtype="0" fill="hold" nodeType="clickEffect">
+                                  <p:stCondLst>
+                                    <p:cond delay="0"/>
+                                  </p:stCondLst>
+                                  <p:childTnLst>
+                                    <p:set>
+                                      <p:cBhvr>
+                                        <p:cTn id="10" dur="1" fill="hold">
+                                          <p:stCondLst>
+                                            <p:cond delay="0"/>
+                                          </p:stCondLst>
+                                        </p:cTn>
+                                        <p:tgtEl>
+                                          <p:spTgt spid="17"/>
+                                        </p:tgtEl>
+                                        <p:attrNameLst>
+                                          <p:attrName>style.visibility</p:attrName>
+                                        </p:attrNameLst>
+                                      </p:cBhvr>
+                                      <p:to>
+                                        <p:strVal val="visible"/>
+                                      </p:to>
+                                    </p:set>
+                                  </p:childTnLst>
+                                </p:cTn>
+                              </p:par>
+                            </p:childTnLst>
+                          </p:cTn>
+                        </p:par>
+                      </p:childTnLst>
+                    </p:cTn>
+                  </p:par>
+                </p:childTnLst>
+              </p:cTn>
+              <p:prevCondLst>
+                <p:cond evt="onPrev" delay="0">
+                  <p:tgtEl>
+                    <p:sldTgt/>
+                  </p:tgtEl>
+                </p:cond>
+              </p:prevCondLst>
+              <p:nextCondLst>
+                <p:cond evt="onNext" delay="0">
+                  <p:tgtEl>
+                    <p:sldTgt/>
+                  </p:tgtEl>
+                </p:cond>
+              </p:nextCondLst>
+            </p:seq>
+          </p:childTnLst>
+        </p:cTn>
+      </p:par>
+    </p:tnLst>
+  </p:timing>
+</p:sld>
+</file>
+
+<file path=ppt/slides/slide11.xml><?xml version="1.0" encoding="utf-8"?>
+<p:sld xmlns:a="http://schemas.openxmlformats.org/drawingml/2006/main" xmlns:r="http://schemas.openxmlformats.org/officeDocument/2006/relationships" xmlns:p="http://schemas.openxmlformats.org/presentationml/2006/main">
+  <p:cSld>
+    <p:spTree>
+      <p:nvGrpSpPr>
+        <p:cNvPr id="1" name=""/>
+        <p:cNvGrpSpPr/>
+        <p:nvPr/>
+      </p:nvGrpSpPr>
+      <p:grpSpPr>
+        <a:xfrm>
+          <a:off x="0" y="0"/>
+          <a:ext cx="0" cy="0"/>
+          <a:chOff x="0" y="0"/>
+          <a:chExt cx="0" cy="0"/>
+        </a:xfrm>
+      </p:grpSpPr>
+      <p:sp>
+        <p:nvSpPr>
+          <p:cNvPr id="2" name="Title 1">
+            <a:extLst>
+              <a:ext uri="{FF2B5EF4-FFF2-40B4-BE49-F238E27FC236}">
+                <a16:creationId xmlns:a16="http://schemas.microsoft.com/office/drawing/2014/main" id="{E6709C84-4BC7-2CE2-C12C-6F750E5349F8}"/>
+              </a:ext>
+            </a:extLst>
+          </p:cNvPr>
+          <p:cNvSpPr>
+            <a:spLocks noGrp="1"/>
+          </p:cNvSpPr>
+          <p:nvPr>
+            <p:ph type="title"/>
+          </p:nvPr>
+        </p:nvSpPr>
+        <p:spPr/>
+        <p:txBody>
+          <a:bodyPr/>
+          <a:lstStyle/>
+          <a:p>
+            <a:r>
+              <a:rPr lang="en-US" dirty="0"/>
+              <a:t>Scalar types</a:t>
+            </a:r>
+            <a:endParaRPr lang="en-NL" dirty="0"/>
+          </a:p>
+        </p:txBody>
+      </p:sp>
+      <p:sp>
+        <p:nvSpPr>
+          <p:cNvPr id="4" name="Slide Number Placeholder 3">
+            <a:extLst>
+              <a:ext uri="{FF2B5EF4-FFF2-40B4-BE49-F238E27FC236}">
+                <a16:creationId xmlns:a16="http://schemas.microsoft.com/office/drawing/2014/main" id="{4E420CEF-90EA-C77C-6287-23E02A527B31}"/>
+              </a:ext>
+            </a:extLst>
+          </p:cNvPr>
+          <p:cNvSpPr>
+            <a:spLocks noGrp="1"/>
+          </p:cNvSpPr>
+          <p:nvPr>
+            <p:ph type="sldNum" sz="quarter" idx="12"/>
+          </p:nvPr>
+        </p:nvSpPr>
+        <p:spPr/>
+        <p:txBody>
+          <a:bodyPr/>
+          <a:lstStyle/>
+          <a:p>
+            <a:fld id="{D1A528A5-A992-41B6-920C-B96B44AAC27A}" type="slidenum">
+              <a:rPr lang="en-NL" smtClean="0"/>
+              <a:pPr/>
+              <a:t>11</a:t>
             </a:fld>
             <a:endParaRPr lang="en-NL" dirty="0"/>
           </a:p>
@@ -6941,14 +8438,14 @@
           <p:nvPr/>
         </p:nvPicPr>
         <p:blipFill rotWithShape="1">
-          <a:blip r:embed="rId2"/>
-          <a:srcRect r="4036"/>
+          <a:blip r:embed="rId3"/>
+          <a:srcRect r="29498"/>
           <a:stretch/>
         </p:blipFill>
         <p:spPr>
           <a:xfrm>
-            <a:off x="1112769" y="2561719"/>
-            <a:ext cx="9709306" cy="3148300"/>
+            <a:off x="552155" y="2605262"/>
+            <a:ext cx="7133159" cy="3148300"/>
           </a:xfrm>
           <a:prstGeom prst="rect">
             <a:avLst/>
@@ -7001,6 +8498,36 @@
           </a:fontRef>
         </p:style>
       </p:cxnSp>
+      <p:pic>
+        <p:nvPicPr>
+          <p:cNvPr id="6" name="Picture 5">
+            <a:extLst>
+              <a:ext uri="{FF2B5EF4-FFF2-40B4-BE49-F238E27FC236}">
+                <a16:creationId xmlns:a16="http://schemas.microsoft.com/office/drawing/2014/main" id="{7D7DCA32-E480-63E9-22D6-16A58ED17802}"/>
+              </a:ext>
+            </a:extLst>
+          </p:cNvPr>
+          <p:cNvPicPr>
+            <a:picLocks noChangeAspect="1"/>
+          </p:cNvPicPr>
+          <p:nvPr/>
+        </p:nvPicPr>
+        <p:blipFill>
+          <a:blip r:embed="rId4"/>
+          <a:stretch>
+            <a:fillRect/>
+          </a:stretch>
+        </p:blipFill>
+        <p:spPr>
+          <a:xfrm>
+            <a:off x="8110212" y="2922912"/>
+            <a:ext cx="3281688" cy="2201214"/>
+          </a:xfrm>
+          <a:prstGeom prst="rect">
+            <a:avLst/>
+          </a:prstGeom>
+        </p:spPr>
+      </p:pic>
     </p:spTree>
     <p:extLst>
       <p:ext uri="{BB962C8B-B14F-4D97-AF65-F5344CB8AC3E}">
@@ -7014,7 +8541,7 @@
 </p:sld>
 </file>
 
-<file path=ppt/slides/slide11.xml><?xml version="1.0" encoding="utf-8"?>
+<file path=ppt/slides/slide12.xml><?xml version="1.0" encoding="utf-8"?>
 <p:sld xmlns:a="http://schemas.openxmlformats.org/drawingml/2006/main" xmlns:r="http://schemas.openxmlformats.org/officeDocument/2006/relationships" xmlns:p="http://schemas.openxmlformats.org/presentationml/2006/main">
   <p:cSld>
     <p:spTree>
@@ -7084,7 +8611,7 @@
             <a:fld id="{D1A528A5-A992-41B6-920C-B96B44AAC27A}" type="slidenum">
               <a:rPr lang="en-NL" smtClean="0"/>
               <a:pPr/>
-              <a:t>11</a:t>
+              <a:t>12</a:t>
             </a:fld>
             <a:endParaRPr lang="en-NL" dirty="0"/>
           </a:p>
@@ -7440,7 +8967,7 @@
 </p:sld>
 </file>
 
-<file path=ppt/slides/slide12.xml><?xml version="1.0" encoding="utf-8"?>
+<file path=ppt/slides/slide13.xml><?xml version="1.0" encoding="utf-8"?>
 <p:sld xmlns:a="http://schemas.openxmlformats.org/drawingml/2006/main" xmlns:r="http://schemas.openxmlformats.org/officeDocument/2006/relationships" xmlns:p="http://schemas.openxmlformats.org/presentationml/2006/main">
   <p:cSld>
     <p:spTree>
@@ -7510,7 +9037,7 @@
             <a:fld id="{D1A528A5-A992-41B6-920C-B96B44AAC27A}" type="slidenum">
               <a:rPr lang="en-NL" smtClean="0"/>
               <a:pPr/>
-              <a:t>12</a:t>
+              <a:t>13</a:t>
             </a:fld>
             <a:endParaRPr lang="en-NL" dirty="0"/>
           </a:p>
@@ -7531,7 +9058,7 @@
         <p:spPr>
           <a:xfrm>
             <a:off x="996971" y="2336641"/>
-            <a:ext cx="8355276" cy="646331"/>
+            <a:ext cx="8355276" cy="1477328"/>
           </a:xfrm>
           <a:prstGeom prst="rect">
             <a:avLst/>
@@ -7571,6 +9098,45 @@
               <a:t>Tuple – List of elements, types can be different</a:t>
             </a:r>
           </a:p>
+          <a:p>
+            <a:pPr marL="285750" indent="-285750">
+              <a:buFont typeface="Arial" panose="020B0604020202020204" pitchFamily="34" charset="0"/>
+              <a:buChar char="•"/>
+            </a:pPr>
+            <a:r>
+              <a:rPr lang="en-US" dirty="0">
+                <a:solidFill>
+                  <a:schemeClr val="bg1"/>
+                </a:solidFill>
+              </a:rPr>
+              <a:t>Struct – Named fields that can be of multiple types,  think of a Python class</a:t>
+            </a:r>
+          </a:p>
+          <a:p>
+            <a:pPr marL="285750" indent="-285750">
+              <a:buFont typeface="Arial" panose="020B0604020202020204" pitchFamily="34" charset="0"/>
+              <a:buChar char="•"/>
+            </a:pPr>
+            <a:r>
+              <a:rPr lang="en-US" dirty="0">
+                <a:solidFill>
+                  <a:schemeClr val="bg1"/>
+                </a:solidFill>
+              </a:rPr>
+              <a:t>Enum – A type which is one of a few variants</a:t>
+            </a:r>
+          </a:p>
+          <a:p>
+            <a:pPr marL="285750" indent="-285750">
+              <a:buFont typeface="Arial" panose="020B0604020202020204" pitchFamily="34" charset="0"/>
+              <a:buChar char="•"/>
+            </a:pPr>
+            <a:endParaRPr lang="en-US" dirty="0">
+              <a:solidFill>
+                <a:schemeClr val="bg1"/>
+              </a:solidFill>
+            </a:endParaRPr>
+          </a:p>
         </p:txBody>
       </p:sp>
       <p:sp>
@@ -7587,8 +9153,8 @@
         </p:nvSpPr>
         <p:spPr>
           <a:xfrm>
-            <a:off x="996971" y="3299433"/>
-            <a:ext cx="6778718" cy="1477328"/>
+            <a:off x="1013076" y="4128503"/>
+            <a:ext cx="6778718" cy="646331"/>
           </a:xfrm>
           <a:prstGeom prst="rect">
             <a:avLst/>
@@ -7628,34 +9194,6 @@
               <a:t>String – Like a vector but for characters</a:t>
             </a:r>
           </a:p>
-          <a:p>
-            <a:pPr marL="285750" indent="-285750">
-              <a:buFont typeface="Arial" panose="020B0604020202020204" pitchFamily="34" charset="0"/>
-              <a:buChar char="•"/>
-            </a:pPr>
-            <a:r>
-              <a:rPr lang="en-US" dirty="0">
-                <a:solidFill>
-                  <a:schemeClr val="bg1"/>
-                </a:solidFill>
-              </a:rPr>
-              <a:t>Struct – Named fields that can be of multiple types,  think of a Python class</a:t>
-            </a:r>
-          </a:p>
-          <a:p>
-            <a:pPr marL="285750" indent="-285750">
-              <a:buFont typeface="Arial" panose="020B0604020202020204" pitchFamily="34" charset="0"/>
-              <a:buChar char="•"/>
-            </a:pPr>
-            <a:r>
-              <a:rPr lang="en-US" dirty="0">
-                <a:solidFill>
-                  <a:schemeClr val="bg1"/>
-                </a:solidFill>
-              </a:rPr>
-              <a:t>Enum – A type which is one of a few variants</a:t>
-            </a:r>
-          </a:p>
         </p:txBody>
       </p:sp>
       <p:sp>
@@ -7672,8 +9210,8 @@
         </p:nvSpPr>
         <p:spPr>
           <a:xfrm>
-            <a:off x="7696748" y="3429000"/>
-            <a:ext cx="523557" cy="1290387"/>
+            <a:off x="6553748" y="4201170"/>
+            <a:ext cx="504757" cy="517501"/>
           </a:xfrm>
           <a:prstGeom prst="rightBrace">
             <a:avLst/>
@@ -7724,8 +9262,8 @@
         </p:nvSpPr>
         <p:spPr>
           <a:xfrm>
-            <a:off x="7715547" y="2331968"/>
-            <a:ext cx="485958" cy="646331"/>
+            <a:off x="8757557" y="2389414"/>
+            <a:ext cx="472648" cy="1039586"/>
           </a:xfrm>
           <a:prstGeom prst="rightBrace">
             <a:avLst/>
@@ -7776,7 +9314,7 @@
         </p:nvSpPr>
         <p:spPr>
           <a:xfrm>
-            <a:off x="8610600" y="3764618"/>
+            <a:off x="7307333" y="4137865"/>
             <a:ext cx="1166070" cy="584775"/>
           </a:xfrm>
           <a:prstGeom prst="rect">
@@ -7826,7 +9364,7 @@
         </p:nvSpPr>
         <p:spPr>
           <a:xfrm>
-            <a:off x="8610600" y="2362745"/>
+            <a:off x="9514114" y="2655133"/>
             <a:ext cx="1426128" cy="584775"/>
           </a:xfrm>
           <a:prstGeom prst="rect">
@@ -7915,7 +9453,7 @@
                   <a:schemeClr val="bg1"/>
                 </a:solidFill>
               </a:rPr>
-              <a:t> cannot grow!</a:t>
+              <a:t> cannot grow in memory size!</a:t>
             </a:r>
             <a:endParaRPr lang="en-NL" dirty="0">
               <a:solidFill>
@@ -7984,7 +9522,7 @@
 </p:sld>
 </file>
 
-<file path=ppt/slides/slide13.xml><?xml version="1.0" encoding="utf-8"?>
+<file path=ppt/slides/slide14.xml><?xml version="1.0" encoding="utf-8"?>
 <p:sld xmlns:a="http://schemas.openxmlformats.org/drawingml/2006/main" xmlns:r="http://schemas.openxmlformats.org/officeDocument/2006/relationships" xmlns:p="http://schemas.openxmlformats.org/presentationml/2006/main">
   <p:cSld>
     <p:spTree>
@@ -8054,7 +9592,7 @@
             <a:fld id="{D1A528A5-A992-41B6-920C-B96B44AAC27A}" type="slidenum">
               <a:rPr lang="en-NL" smtClean="0"/>
               <a:pPr/>
-              <a:t>13</a:t>
+              <a:t>14</a:t>
             </a:fld>
             <a:endParaRPr lang="en-NL" dirty="0"/>
           </a:p>
@@ -8495,16 +10033,15 @@
           </p:cNvPicPr>
           <p:nvPr/>
         </p:nvPicPr>
-        <p:blipFill>
+        <p:blipFill rotWithShape="1">
           <a:blip r:embed="rId2"/>
-          <a:stretch>
-            <a:fillRect/>
-          </a:stretch>
+          <a:srcRect b="35845"/>
+          <a:stretch/>
         </p:blipFill>
         <p:spPr>
           <a:xfrm>
-            <a:off x="1627463" y="1455558"/>
-            <a:ext cx="6211129" cy="2487607"/>
+            <a:off x="1758092" y="1561526"/>
+            <a:ext cx="8009792" cy="2058078"/>
           </a:xfrm>
           <a:prstGeom prst="rect">
             <a:avLst/>
@@ -8570,7 +10107,7 @@
 </p:sld>
 </file>
 
-<file path=ppt/slides/slide14.xml><?xml version="1.0" encoding="utf-8"?>
+<file path=ppt/slides/slide15.xml><?xml version="1.0" encoding="utf-8"?>
 <p:sld xmlns:a="http://schemas.openxmlformats.org/drawingml/2006/main" xmlns:r="http://schemas.openxmlformats.org/officeDocument/2006/relationships" xmlns:p="http://schemas.openxmlformats.org/presentationml/2006/main">
   <p:cSld>
     <p:spTree>
@@ -8640,7 +10177,7 @@
             <a:fld id="{D1A528A5-A992-41B6-920C-B96B44AAC27A}" type="slidenum">
               <a:rPr lang="en-NL" smtClean="0"/>
               <a:pPr/>
-              <a:t>14</a:t>
+              <a:t>15</a:t>
             </a:fld>
             <a:endParaRPr lang="en-NL" dirty="0"/>
           </a:p>
@@ -8770,7 +10307,7 @@
 </p:sld>
 </file>
 
-<file path=ppt/slides/slide15.xml><?xml version="1.0" encoding="utf-8"?>
+<file path=ppt/slides/slide16.xml><?xml version="1.0" encoding="utf-8"?>
 <p:sld xmlns:a="http://schemas.openxmlformats.org/drawingml/2006/main" xmlns:r="http://schemas.openxmlformats.org/officeDocument/2006/relationships" xmlns:p="http://schemas.openxmlformats.org/presentationml/2006/main">
   <p:cSld>
     <p:spTree>
@@ -8892,7 +10429,7 @@
             <a:fld id="{D1A528A5-A992-41B6-920C-B96B44AAC27A}" type="slidenum">
               <a:rPr lang="en-NL" smtClean="0"/>
               <a:pPr/>
-              <a:t>15</a:t>
+              <a:t>16</a:t>
             </a:fld>
             <a:endParaRPr lang="en-NL" dirty="0"/>
           </a:p>
@@ -9036,7 +10573,7 @@
 </p:sld>
 </file>
 
-<file path=ppt/slides/slide16.xml><?xml version="1.0" encoding="utf-8"?>
+<file path=ppt/slides/slide17.xml><?xml version="1.0" encoding="utf-8"?>
 <p:sld xmlns:a="http://schemas.openxmlformats.org/drawingml/2006/main" xmlns:r="http://schemas.openxmlformats.org/officeDocument/2006/relationships" xmlns:p="http://schemas.openxmlformats.org/presentationml/2006/main">
   <p:cSld>
     <p:spTree>
@@ -9077,7 +10614,7 @@
             <a:fld id="{D1A528A5-A992-41B6-920C-B96B44AAC27A}" type="slidenum">
               <a:rPr lang="en-NL" smtClean="0"/>
               <a:pPr/>
-              <a:t>16</a:t>
+              <a:t>17</a:t>
             </a:fld>
             <a:endParaRPr lang="en-NL" dirty="0"/>
           </a:p>
@@ -9906,7 +11443,7 @@
 </p:sld>
 </file>
 
-<file path=ppt/slides/slide17.xml><?xml version="1.0" encoding="utf-8"?>
+<file path=ppt/slides/slide18.xml><?xml version="1.0" encoding="utf-8"?>
 <p:sld xmlns:a="http://schemas.openxmlformats.org/drawingml/2006/main" xmlns:r="http://schemas.openxmlformats.org/officeDocument/2006/relationships" xmlns:p="http://schemas.openxmlformats.org/presentationml/2006/main">
   <p:cSld>
     <p:spTree>
@@ -10024,7 +11561,7 @@
             <a:fld id="{D1A528A5-A992-41B6-920C-B96B44AAC27A}" type="slidenum">
               <a:rPr lang="en-NL" smtClean="0"/>
               <a:pPr/>
-              <a:t>17</a:t>
+              <a:t>18</a:t>
             </a:fld>
             <a:endParaRPr lang="en-NL" dirty="0"/>
           </a:p>
@@ -10875,7 +12412,7 @@
 </p:sld>
 </file>
 
-<file path=ppt/slides/slide18.xml><?xml version="1.0" encoding="utf-8"?>
+<file path=ppt/slides/slide19.xml><?xml version="1.0" encoding="utf-8"?>
 <p:sld xmlns:a="http://schemas.openxmlformats.org/drawingml/2006/main" xmlns:r="http://schemas.openxmlformats.org/officeDocument/2006/relationships" xmlns:p="http://schemas.openxmlformats.org/presentationml/2006/main">
   <p:cSld>
     <p:spTree>
@@ -10916,7 +12453,7 @@
             <a:fld id="{D1A528A5-A992-41B6-920C-B96B44AAC27A}" type="slidenum">
               <a:rPr lang="en-NL" smtClean="0"/>
               <a:pPr/>
-              <a:t>18</a:t>
+              <a:t>19</a:t>
             </a:fld>
             <a:endParaRPr lang="en-NL" dirty="0"/>
           </a:p>
@@ -11089,7 +12626,179 @@
 </p:sld>
 </file>
 
-<file path=ppt/slides/slide19.xml><?xml version="1.0" encoding="utf-8"?>
+<file path=ppt/slides/slide2.xml><?xml version="1.0" encoding="utf-8"?>
+<p:sld xmlns:a="http://schemas.openxmlformats.org/drawingml/2006/main" xmlns:r="http://schemas.openxmlformats.org/officeDocument/2006/relationships" xmlns:p="http://schemas.openxmlformats.org/presentationml/2006/main">
+  <p:cSld>
+    <p:bg>
+      <p:bgPr>
+        <a:solidFill>
+          <a:schemeClr val="bg1"/>
+        </a:solidFill>
+        <a:effectLst/>
+      </p:bgPr>
+    </p:bg>
+    <p:spTree>
+      <p:nvGrpSpPr>
+        <p:cNvPr id="1" name=""/>
+        <p:cNvGrpSpPr/>
+        <p:nvPr/>
+      </p:nvGrpSpPr>
+      <p:grpSpPr>
+        <a:xfrm>
+          <a:off x="0" y="0"/>
+          <a:ext cx="0" cy="0"/>
+          <a:chOff x="0" y="0"/>
+          <a:chExt cx="0" cy="0"/>
+        </a:xfrm>
+      </p:grpSpPr>
+      <p:sp>
+        <p:nvSpPr>
+          <p:cNvPr id="2" name="Title 1">
+            <a:extLst>
+              <a:ext uri="{FF2B5EF4-FFF2-40B4-BE49-F238E27FC236}">
+                <a16:creationId xmlns:a16="http://schemas.microsoft.com/office/drawing/2014/main" id="{85513AEE-48EE-D315-3936-B9C11837541B}"/>
+              </a:ext>
+            </a:extLst>
+          </p:cNvPr>
+          <p:cNvSpPr>
+            <a:spLocks noGrp="1"/>
+          </p:cNvSpPr>
+          <p:nvPr>
+            <p:ph type="title"/>
+          </p:nvPr>
+        </p:nvSpPr>
+        <p:spPr/>
+        <p:txBody>
+          <a:bodyPr/>
+          <a:lstStyle/>
+          <a:p>
+            <a:r>
+              <a:rPr lang="en-US" dirty="0">
+                <a:solidFill>
+                  <a:schemeClr val="tx1"/>
+                </a:solidFill>
+              </a:rPr>
+              <a:t>Schedule</a:t>
+            </a:r>
+            <a:endParaRPr lang="en-NL" dirty="0">
+              <a:solidFill>
+                <a:schemeClr val="tx1"/>
+              </a:solidFill>
+            </a:endParaRPr>
+          </a:p>
+        </p:txBody>
+      </p:sp>
+      <p:sp>
+        <p:nvSpPr>
+          <p:cNvPr id="3" name="Content Placeholder 2">
+            <a:extLst>
+              <a:ext uri="{FF2B5EF4-FFF2-40B4-BE49-F238E27FC236}">
+                <a16:creationId xmlns:a16="http://schemas.microsoft.com/office/drawing/2014/main" id="{57D8AFB5-BAD9-4F07-AB23-A7F742C63A6C}"/>
+              </a:ext>
+            </a:extLst>
+          </p:cNvPr>
+          <p:cNvSpPr>
+            <a:spLocks noGrp="1"/>
+          </p:cNvSpPr>
+          <p:nvPr>
+            <p:ph idx="1"/>
+          </p:nvPr>
+        </p:nvSpPr>
+        <p:spPr/>
+        <p:txBody>
+          <a:bodyPr/>
+          <a:lstStyle/>
+          <a:p>
+            <a:r>
+              <a:rPr lang="en-US" dirty="0">
+                <a:solidFill>
+                  <a:schemeClr val="tx1"/>
+                </a:solidFill>
+              </a:rPr>
+              <a:t>Presentation</a:t>
+            </a:r>
+          </a:p>
+          <a:p>
+            <a:r>
+              <a:rPr lang="en-US" dirty="0">
+                <a:solidFill>
+                  <a:schemeClr val="tx1"/>
+                </a:solidFill>
+              </a:rPr>
+              <a:t>Rust practice exercises</a:t>
+            </a:r>
+          </a:p>
+          <a:p>
+            <a:r>
+              <a:rPr lang="en-US" dirty="0">
+                <a:solidFill>
+                  <a:schemeClr val="tx1"/>
+                </a:solidFill>
+              </a:rPr>
+              <a:t>Python &amp; Rust practice exercises</a:t>
+            </a:r>
+          </a:p>
+          <a:p>
+            <a:r>
+              <a:rPr lang="en-US" dirty="0">
+                <a:solidFill>
+                  <a:schemeClr val="tx1"/>
+                </a:solidFill>
+              </a:rPr>
+              <a:t>Drinks 🍻</a:t>
+            </a:r>
+            <a:endParaRPr lang="en-NL" dirty="0">
+              <a:solidFill>
+                <a:schemeClr val="tx1"/>
+              </a:solidFill>
+            </a:endParaRPr>
+          </a:p>
+        </p:txBody>
+      </p:sp>
+      <p:sp>
+        <p:nvSpPr>
+          <p:cNvPr id="4" name="Slide Number Placeholder 3">
+            <a:extLst>
+              <a:ext uri="{FF2B5EF4-FFF2-40B4-BE49-F238E27FC236}">
+                <a16:creationId xmlns:a16="http://schemas.microsoft.com/office/drawing/2014/main" id="{848EB3B6-AB4E-4BC2-EB74-EC4F1FEDB14F}"/>
+              </a:ext>
+            </a:extLst>
+          </p:cNvPr>
+          <p:cNvSpPr>
+            <a:spLocks noGrp="1"/>
+          </p:cNvSpPr>
+          <p:nvPr>
+            <p:ph type="sldNum" sz="quarter" idx="12"/>
+          </p:nvPr>
+        </p:nvSpPr>
+        <p:spPr/>
+        <p:txBody>
+          <a:bodyPr/>
+          <a:lstStyle/>
+          <a:p>
+            <a:fld id="{D1A528A5-A992-41B6-920C-B96B44AAC27A}" type="slidenum">
+              <a:rPr lang="en-NL" smtClean="0"/>
+              <a:pPr/>
+              <a:t>2</a:t>
+            </a:fld>
+            <a:endParaRPr lang="en-NL" dirty="0"/>
+          </a:p>
+        </p:txBody>
+      </p:sp>
+    </p:spTree>
+    <p:extLst>
+      <p:ext uri="{BB962C8B-B14F-4D97-AF65-F5344CB8AC3E}">
+        <p14:creationId xmlns:p14="http://schemas.microsoft.com/office/powerpoint/2010/main" val="4188069255"/>
+      </p:ext>
+    </p:extLst>
+  </p:cSld>
+  <p:clrMapOvr>
+    <a:masterClrMapping/>
+  </p:clrMapOvr>
+</p:sld>
+</file>
+
+<file path=ppt/slides/slide20.xml><?xml version="1.0" encoding="utf-8"?>
 <p:sld xmlns:a="http://schemas.openxmlformats.org/drawingml/2006/main" xmlns:r="http://schemas.openxmlformats.org/officeDocument/2006/relationships" xmlns:p="http://schemas.openxmlformats.org/presentationml/2006/main">
   <p:cSld>
     <p:spTree>
@@ -11130,7 +12839,7 @@
             <a:fld id="{D1A528A5-A992-41B6-920C-B96B44AAC27A}" type="slidenum">
               <a:rPr lang="en-NL" smtClean="0"/>
               <a:pPr/>
-              <a:t>19</a:t>
+              <a:t>20</a:t>
             </a:fld>
             <a:endParaRPr lang="en-NL" dirty="0"/>
           </a:p>
@@ -11189,7 +12898,7 @@
         </p:nvSpPr>
         <p:spPr>
           <a:xfrm>
-            <a:off x="3528391" y="5347211"/>
+            <a:off x="1302262" y="5747777"/>
             <a:ext cx="5893904" cy="369332"/>
           </a:xfrm>
           <a:prstGeom prst="rect">
@@ -11241,8 +12950,8 @@
         </p:blipFill>
         <p:spPr>
           <a:xfrm>
-            <a:off x="1360034" y="2331480"/>
-            <a:ext cx="9645925" cy="2901086"/>
+            <a:off x="303617" y="2848010"/>
+            <a:ext cx="8655325" cy="2603155"/>
           </a:xfrm>
           <a:prstGeom prst="rect">
             <a:avLst/>
@@ -11329,6 +13038,228 @@
           </a:fontRef>
         </p:style>
       </p:cxnSp>
+      <p:sp>
+        <p:nvSpPr>
+          <p:cNvPr id="7" name="Rectangle 6">
+            <a:extLst>
+              <a:ext uri="{FF2B5EF4-FFF2-40B4-BE49-F238E27FC236}">
+                <a16:creationId xmlns:a16="http://schemas.microsoft.com/office/drawing/2014/main" id="{F6391571-059B-0821-2F84-FF95B5160610}"/>
+              </a:ext>
+            </a:extLst>
+          </p:cNvPr>
+          <p:cNvSpPr/>
+          <p:nvPr/>
+        </p:nvSpPr>
+        <p:spPr>
+          <a:xfrm>
+            <a:off x="9525000" y="3069235"/>
+            <a:ext cx="1995949" cy="442451"/>
+          </a:xfrm>
+          <a:prstGeom prst="rect">
+            <a:avLst/>
+          </a:prstGeom>
+          <a:solidFill>
+            <a:schemeClr val="bg1"/>
+          </a:solidFill>
+        </p:spPr>
+        <p:style>
+          <a:lnRef idx="2">
+            <a:schemeClr val="accent1">
+              <a:shade val="15000"/>
+            </a:schemeClr>
+          </a:lnRef>
+          <a:fillRef idx="1">
+            <a:schemeClr val="accent1"/>
+          </a:fillRef>
+          <a:effectRef idx="0">
+            <a:schemeClr val="accent1"/>
+          </a:effectRef>
+          <a:fontRef idx="minor">
+            <a:schemeClr val="lt1"/>
+          </a:fontRef>
+        </p:style>
+        <p:txBody>
+          <a:bodyPr rtlCol="0" anchor="ctr"/>
+          <a:lstStyle/>
+          <a:p>
+            <a:pPr algn="ctr"/>
+            <a:r>
+              <a:rPr lang="en-US" dirty="0">
+                <a:solidFill>
+                  <a:schemeClr val="tx1"/>
+                </a:solidFill>
+              </a:rPr>
+              <a:t>“Hello”</a:t>
+            </a:r>
+            <a:endParaRPr lang="en-NL" dirty="0">
+              <a:solidFill>
+                <a:schemeClr val="tx1"/>
+              </a:solidFill>
+            </a:endParaRPr>
+          </a:p>
+        </p:txBody>
+      </p:sp>
+      <p:sp>
+        <p:nvSpPr>
+          <p:cNvPr id="8" name="Rectangle 7">
+            <a:extLst>
+              <a:ext uri="{FF2B5EF4-FFF2-40B4-BE49-F238E27FC236}">
+                <a16:creationId xmlns:a16="http://schemas.microsoft.com/office/drawing/2014/main" id="{9D5DCEE4-2F58-BB98-42E0-80B0DFDCB9C2}"/>
+              </a:ext>
+            </a:extLst>
+          </p:cNvPr>
+          <p:cNvSpPr/>
+          <p:nvPr/>
+        </p:nvSpPr>
+        <p:spPr>
+          <a:xfrm>
+            <a:off x="9525000" y="2626784"/>
+            <a:ext cx="1995949" cy="442451"/>
+          </a:xfrm>
+          <a:prstGeom prst="rect">
+            <a:avLst/>
+          </a:prstGeom>
+          <a:solidFill>
+            <a:schemeClr val="bg1"/>
+          </a:solidFill>
+        </p:spPr>
+        <p:style>
+          <a:lnRef idx="2">
+            <a:schemeClr val="accent1">
+              <a:shade val="15000"/>
+            </a:schemeClr>
+          </a:lnRef>
+          <a:fillRef idx="1">
+            <a:schemeClr val="accent1"/>
+          </a:fillRef>
+          <a:effectRef idx="0">
+            <a:schemeClr val="accent1"/>
+          </a:effectRef>
+          <a:fontRef idx="minor">
+            <a:schemeClr val="lt1"/>
+          </a:fontRef>
+        </p:style>
+        <p:txBody>
+          <a:bodyPr rtlCol="0" anchor="ctr"/>
+          <a:lstStyle/>
+          <a:p>
+            <a:pPr algn="ctr"/>
+            <a:r>
+              <a:rPr lang="en-US" b="1" dirty="0">
+                <a:solidFill>
+                  <a:schemeClr val="tx1"/>
+                </a:solidFill>
+              </a:rPr>
+              <a:t>x1</a:t>
+            </a:r>
+            <a:endParaRPr lang="en-NL" b="1" dirty="0">
+              <a:solidFill>
+                <a:schemeClr val="tx1"/>
+              </a:solidFill>
+            </a:endParaRPr>
+          </a:p>
+        </p:txBody>
+      </p:sp>
+      <p:sp>
+        <p:nvSpPr>
+          <p:cNvPr id="9" name="Rectangle 8">
+            <a:extLst>
+              <a:ext uri="{FF2B5EF4-FFF2-40B4-BE49-F238E27FC236}">
+                <a16:creationId xmlns:a16="http://schemas.microsoft.com/office/drawing/2014/main" id="{1ECFABC3-4C0D-750A-1741-5B192AC824AF}"/>
+              </a:ext>
+            </a:extLst>
+          </p:cNvPr>
+          <p:cNvSpPr/>
+          <p:nvPr/>
+        </p:nvSpPr>
+        <p:spPr>
+          <a:xfrm>
+            <a:off x="9525000" y="3981259"/>
+            <a:ext cx="1995949" cy="442451"/>
+          </a:xfrm>
+          <a:prstGeom prst="rect">
+            <a:avLst/>
+          </a:prstGeom>
+          <a:solidFill>
+            <a:schemeClr val="bg1"/>
+          </a:solidFill>
+        </p:spPr>
+        <p:style>
+          <a:lnRef idx="2">
+            <a:schemeClr val="accent1">
+              <a:shade val="15000"/>
+            </a:schemeClr>
+          </a:lnRef>
+          <a:fillRef idx="1">
+            <a:schemeClr val="accent1"/>
+          </a:fillRef>
+          <a:effectRef idx="0">
+            <a:schemeClr val="accent1"/>
+          </a:effectRef>
+          <a:fontRef idx="minor">
+            <a:schemeClr val="lt1"/>
+          </a:fontRef>
+        </p:style>
+        <p:txBody>
+          <a:bodyPr rtlCol="0" anchor="ctr"/>
+          <a:lstStyle/>
+          <a:p>
+            <a:pPr algn="ctr"/>
+            <a:r>
+              <a:rPr lang="en-US" b="1" dirty="0">
+                <a:solidFill>
+                  <a:schemeClr val="tx1"/>
+                </a:solidFill>
+              </a:rPr>
+              <a:t>string</a:t>
+            </a:r>
+            <a:endParaRPr lang="en-NL" b="1" dirty="0">
+              <a:solidFill>
+                <a:schemeClr val="tx1"/>
+              </a:solidFill>
+            </a:endParaRPr>
+          </a:p>
+        </p:txBody>
+      </p:sp>
+      <p:cxnSp>
+        <p:nvCxnSpPr>
+          <p:cNvPr id="12" name="Straight Arrow Connector 11">
+            <a:extLst>
+              <a:ext uri="{FF2B5EF4-FFF2-40B4-BE49-F238E27FC236}">
+                <a16:creationId xmlns:a16="http://schemas.microsoft.com/office/drawing/2014/main" id="{F50BF7AE-3C9A-B3CE-EBBF-1B8599C48DCB}"/>
+              </a:ext>
+            </a:extLst>
+          </p:cNvPr>
+          <p:cNvCxnSpPr/>
+          <p:nvPr/>
+        </p:nvCxnSpPr>
+        <p:spPr>
+          <a:xfrm flipV="1">
+            <a:off x="3918857" y="4093029"/>
+            <a:ext cx="5486400" cy="375557"/>
+          </a:xfrm>
+          <a:prstGeom prst="straightConnector1">
+            <a:avLst/>
+          </a:prstGeom>
+          <a:ln>
+            <a:tailEnd type="triangle"/>
+          </a:ln>
+        </p:spPr>
+        <p:style>
+          <a:lnRef idx="2">
+            <a:schemeClr val="accent2"/>
+          </a:lnRef>
+          <a:fillRef idx="0">
+            <a:schemeClr val="accent2"/>
+          </a:fillRef>
+          <a:effectRef idx="1">
+            <a:schemeClr val="accent2"/>
+          </a:effectRef>
+          <a:fontRef idx="minor">
+            <a:schemeClr val="tx1"/>
+          </a:fontRef>
+        </p:style>
+      </p:cxnSp>
     </p:spTree>
     <p:extLst>
       <p:ext uri="{BB962C8B-B14F-4D97-AF65-F5344CB8AC3E}">
@@ -11339,172 +13270,83 @@
   <p:clrMapOvr>
     <a:masterClrMapping/>
   </p:clrMapOvr>
+  <p:timing>
+    <p:tnLst>
+      <p:par>
+        <p:cTn id="1" dur="indefinite" restart="never" nodeType="tmRoot">
+          <p:childTnLst>
+            <p:seq concurrent="1" nextAc="seek">
+              <p:cTn id="2" dur="indefinite" nodeType="mainSeq">
+                <p:childTnLst>
+                  <p:par>
+                    <p:cTn id="3" fill="hold">
+                      <p:stCondLst>
+                        <p:cond delay="indefinite"/>
+                      </p:stCondLst>
+                      <p:childTnLst>
+                        <p:par>
+                          <p:cTn id="4" fill="hold">
+                            <p:stCondLst>
+                              <p:cond delay="0"/>
+                            </p:stCondLst>
+                            <p:childTnLst>
+                              <p:par>
+                                <p:cTn id="5" presetID="58" presetClass="path" presetSubtype="0" accel="50000" decel="50000" fill="hold" grpId="1" nodeType="clickEffect">
+                                  <p:stCondLst>
+                                    <p:cond delay="0"/>
+                                  </p:stCondLst>
+                                  <p:childTnLst>
+                                    <p:animMotion origin="layout" path="M -0.00013 3.7037E-7 L 0.03971 0.05417 C 0.0487 0.06551 0.05404 0.08287 0.05404 0.10069 C 0.05404 0.12106 0.0487 0.13727 0.03971 0.14884 L -0.00013 0.2037 " pathEditMode="relative" rAng="0" ptsTypes="AAAAA">
+                                      <p:cBhvr>
+                                        <p:cTn id="6" dur="2000" fill="hold"/>
+                                        <p:tgtEl>
+                                          <p:spTgt spid="7"/>
+                                        </p:tgtEl>
+                                        <p:attrNameLst>
+                                          <p:attrName>ppt_x</p:attrName>
+                                          <p:attrName>ppt_y</p:attrName>
+                                        </p:attrNameLst>
+                                      </p:cBhvr>
+                                      <p:rCtr x="2708" y="10185"/>
+                                    </p:animMotion>
+                                  </p:childTnLst>
+                                </p:cTn>
+                              </p:par>
+                            </p:childTnLst>
+                          </p:cTn>
+                        </p:par>
+                      </p:childTnLst>
+                    </p:cTn>
+                  </p:par>
+                </p:childTnLst>
+              </p:cTn>
+              <p:prevCondLst>
+                <p:cond evt="onPrev" delay="0">
+                  <p:tgtEl>
+                    <p:sldTgt/>
+                  </p:tgtEl>
+                </p:cond>
+              </p:prevCondLst>
+              <p:nextCondLst>
+                <p:cond evt="onNext" delay="0">
+                  <p:tgtEl>
+                    <p:sldTgt/>
+                  </p:tgtEl>
+                </p:cond>
+              </p:nextCondLst>
+            </p:seq>
+          </p:childTnLst>
+        </p:cTn>
+      </p:par>
+    </p:tnLst>
+    <p:bldLst>
+      <p:bldP spid="7" grpId="1" animBg="1"/>
+    </p:bldLst>
+  </p:timing>
 </p:sld>
 </file>
 
-<file path=ppt/slides/slide2.xml><?xml version="1.0" encoding="utf-8"?>
-<p:sld xmlns:a="http://schemas.openxmlformats.org/drawingml/2006/main" xmlns:r="http://schemas.openxmlformats.org/officeDocument/2006/relationships" xmlns:p="http://schemas.openxmlformats.org/presentationml/2006/main">
-  <p:cSld>
-    <p:bg>
-      <p:bgPr>
-        <a:solidFill>
-          <a:schemeClr val="bg1"/>
-        </a:solidFill>
-        <a:effectLst/>
-      </p:bgPr>
-    </p:bg>
-    <p:spTree>
-      <p:nvGrpSpPr>
-        <p:cNvPr id="1" name=""/>
-        <p:cNvGrpSpPr/>
-        <p:nvPr/>
-      </p:nvGrpSpPr>
-      <p:grpSpPr>
-        <a:xfrm>
-          <a:off x="0" y="0"/>
-          <a:ext cx="0" cy="0"/>
-          <a:chOff x="0" y="0"/>
-          <a:chExt cx="0" cy="0"/>
-        </a:xfrm>
-      </p:grpSpPr>
-      <p:sp>
-        <p:nvSpPr>
-          <p:cNvPr id="2" name="Title 1">
-            <a:extLst>
-              <a:ext uri="{FF2B5EF4-FFF2-40B4-BE49-F238E27FC236}">
-                <a16:creationId xmlns:a16="http://schemas.microsoft.com/office/drawing/2014/main" id="{85513AEE-48EE-D315-3936-B9C11837541B}"/>
-              </a:ext>
-            </a:extLst>
-          </p:cNvPr>
-          <p:cNvSpPr>
-            <a:spLocks noGrp="1"/>
-          </p:cNvSpPr>
-          <p:nvPr>
-            <p:ph type="title"/>
-          </p:nvPr>
-        </p:nvSpPr>
-        <p:spPr/>
-        <p:txBody>
-          <a:bodyPr/>
-          <a:lstStyle/>
-          <a:p>
-            <a:r>
-              <a:rPr lang="en-US" dirty="0">
-                <a:solidFill>
-                  <a:schemeClr val="tx1"/>
-                </a:solidFill>
-              </a:rPr>
-              <a:t>Schedule</a:t>
-            </a:r>
-            <a:endParaRPr lang="en-NL" dirty="0">
-              <a:solidFill>
-                <a:schemeClr val="tx1"/>
-              </a:solidFill>
-            </a:endParaRPr>
-          </a:p>
-        </p:txBody>
-      </p:sp>
-      <p:sp>
-        <p:nvSpPr>
-          <p:cNvPr id="3" name="Content Placeholder 2">
-            <a:extLst>
-              <a:ext uri="{FF2B5EF4-FFF2-40B4-BE49-F238E27FC236}">
-                <a16:creationId xmlns:a16="http://schemas.microsoft.com/office/drawing/2014/main" id="{57D8AFB5-BAD9-4F07-AB23-A7F742C63A6C}"/>
-              </a:ext>
-            </a:extLst>
-          </p:cNvPr>
-          <p:cNvSpPr>
-            <a:spLocks noGrp="1"/>
-          </p:cNvSpPr>
-          <p:nvPr>
-            <p:ph idx="1"/>
-          </p:nvPr>
-        </p:nvSpPr>
-        <p:spPr/>
-        <p:txBody>
-          <a:bodyPr/>
-          <a:lstStyle/>
-          <a:p>
-            <a:r>
-              <a:rPr lang="en-US" dirty="0">
-                <a:solidFill>
-                  <a:schemeClr val="tx1"/>
-                </a:solidFill>
-              </a:rPr>
-              <a:t>Presentation</a:t>
-            </a:r>
-          </a:p>
-          <a:p>
-            <a:r>
-              <a:rPr lang="en-US" dirty="0">
-                <a:solidFill>
-                  <a:schemeClr val="tx1"/>
-                </a:solidFill>
-              </a:rPr>
-              <a:t>Rust practice exercises</a:t>
-            </a:r>
-          </a:p>
-          <a:p>
-            <a:r>
-              <a:rPr lang="en-US" dirty="0">
-                <a:solidFill>
-                  <a:schemeClr val="tx1"/>
-                </a:solidFill>
-              </a:rPr>
-              <a:t>Python &amp; Rust practice exercises</a:t>
-            </a:r>
-            <a:endParaRPr lang="en-NL" dirty="0">
-              <a:solidFill>
-                <a:schemeClr val="tx1"/>
-              </a:solidFill>
-            </a:endParaRPr>
-          </a:p>
-        </p:txBody>
-      </p:sp>
-      <p:sp>
-        <p:nvSpPr>
-          <p:cNvPr id="4" name="Slide Number Placeholder 3">
-            <a:extLst>
-              <a:ext uri="{FF2B5EF4-FFF2-40B4-BE49-F238E27FC236}">
-                <a16:creationId xmlns:a16="http://schemas.microsoft.com/office/drawing/2014/main" id="{848EB3B6-AB4E-4BC2-EB74-EC4F1FEDB14F}"/>
-              </a:ext>
-            </a:extLst>
-          </p:cNvPr>
-          <p:cNvSpPr>
-            <a:spLocks noGrp="1"/>
-          </p:cNvSpPr>
-          <p:nvPr>
-            <p:ph type="sldNum" sz="quarter" idx="12"/>
-          </p:nvPr>
-        </p:nvSpPr>
-        <p:spPr/>
-        <p:txBody>
-          <a:bodyPr/>
-          <a:lstStyle/>
-          <a:p>
-            <a:fld id="{D1A528A5-A992-41B6-920C-B96B44AAC27A}" type="slidenum">
-              <a:rPr lang="en-NL" smtClean="0"/>
-              <a:pPr/>
-              <a:t>2</a:t>
-            </a:fld>
-            <a:endParaRPr lang="en-NL" dirty="0"/>
-          </a:p>
-        </p:txBody>
-      </p:sp>
-    </p:spTree>
-    <p:extLst>
-      <p:ext uri="{BB962C8B-B14F-4D97-AF65-F5344CB8AC3E}">
-        <p14:creationId xmlns:p14="http://schemas.microsoft.com/office/powerpoint/2010/main" val="4188069255"/>
-      </p:ext>
-    </p:extLst>
-  </p:cSld>
-  <p:clrMapOvr>
-    <a:masterClrMapping/>
-  </p:clrMapOvr>
-</p:sld>
-</file>
-
-<file path=ppt/slides/slide20.xml><?xml version="1.0" encoding="utf-8"?>
+<file path=ppt/slides/slide21.xml><?xml version="1.0" encoding="utf-8"?>
 <p:sld xmlns:a="http://schemas.openxmlformats.org/drawingml/2006/main" xmlns:r="http://schemas.openxmlformats.org/officeDocument/2006/relationships" xmlns:p="http://schemas.openxmlformats.org/presentationml/2006/main">
   <p:cSld>
     <p:spTree>
@@ -11645,7 +13487,7 @@
             <a:fld id="{D1A528A5-A992-41B6-920C-B96B44AAC27A}" type="slidenum">
               <a:rPr lang="en-NL" smtClean="0"/>
               <a:pPr/>
-              <a:t>20</a:t>
+              <a:t>21</a:t>
             </a:fld>
             <a:endParaRPr lang="en-NL" dirty="0"/>
           </a:p>
@@ -11710,7 +13552,7 @@
 </p:sld>
 </file>
 
-<file path=ppt/slides/slide21.xml><?xml version="1.0" encoding="utf-8"?>
+<file path=ppt/slides/slide22.xml><?xml version="1.0" encoding="utf-8"?>
 <p:sld xmlns:a="http://schemas.openxmlformats.org/drawingml/2006/main" xmlns:r="http://schemas.openxmlformats.org/officeDocument/2006/relationships" xmlns:p="http://schemas.openxmlformats.org/presentationml/2006/main">
   <p:cSld>
     <p:spTree>
@@ -11780,7 +13622,7 @@
             <a:fld id="{D1A528A5-A992-41B6-920C-B96B44AAC27A}" type="slidenum">
               <a:rPr lang="en-NL" smtClean="0"/>
               <a:pPr/>
-              <a:t>21</a:t>
+              <a:t>22</a:t>
             </a:fld>
             <a:endParaRPr lang="en-NL" dirty="0"/>
           </a:p>
@@ -11962,7 +13804,7 @@
 </p:sld>
 </file>
 
-<file path=ppt/slides/slide22.xml><?xml version="1.0" encoding="utf-8"?>
+<file path=ppt/slides/slide23.xml><?xml version="1.0" encoding="utf-8"?>
 <p:sld xmlns:a="http://schemas.openxmlformats.org/drawingml/2006/main" xmlns:r="http://schemas.openxmlformats.org/officeDocument/2006/relationships" xmlns:p="http://schemas.openxmlformats.org/presentationml/2006/main">
   <p:cSld>
     <p:spTree>
@@ -12032,7 +13874,7 @@
             <a:fld id="{D1A528A5-A992-41B6-920C-B96B44AAC27A}" type="slidenum">
               <a:rPr lang="en-NL" smtClean="0"/>
               <a:pPr/>
-              <a:t>22</a:t>
+              <a:t>23</a:t>
             </a:fld>
             <a:endParaRPr lang="en-NL" dirty="0"/>
           </a:p>
@@ -12508,7 +14350,7 @@
 </p:sld>
 </file>
 
-<file path=ppt/slides/slide23.xml><?xml version="1.0" encoding="utf-8"?>
+<file path=ppt/slides/slide24.xml><?xml version="1.0" encoding="utf-8"?>
 <p:sld xmlns:a="http://schemas.openxmlformats.org/drawingml/2006/main" xmlns:r="http://schemas.openxmlformats.org/officeDocument/2006/relationships" xmlns:p="http://schemas.openxmlformats.org/presentationml/2006/main">
   <p:cSld>
     <p:spTree>
@@ -12578,7 +14420,7 @@
             <a:fld id="{D1A528A5-A992-41B6-920C-B96B44AAC27A}" type="slidenum">
               <a:rPr lang="en-NL" smtClean="0"/>
               <a:pPr/>
-              <a:t>23</a:t>
+              <a:t>24</a:t>
             </a:fld>
             <a:endParaRPr lang="en-NL" dirty="0"/>
           </a:p>
@@ -12614,246 +14456,287 @@
           </a:prstGeom>
         </p:spPr>
       </p:pic>
-      <p:pic>
-        <p:nvPicPr>
-          <p:cNvPr id="8" name="Picture 7">
-            <a:extLst>
-              <a:ext uri="{FF2B5EF4-FFF2-40B4-BE49-F238E27FC236}">
-                <a16:creationId xmlns:a16="http://schemas.microsoft.com/office/drawing/2014/main" id="{87C4DEAD-8C33-4C04-48AE-69E79BCE2C64}"/>
-              </a:ext>
-            </a:extLst>
-          </p:cNvPr>
-          <p:cNvPicPr>
-            <a:picLocks noChangeAspect="1"/>
-          </p:cNvPicPr>
+      <p:sp>
+        <p:nvSpPr>
+          <p:cNvPr id="3" name="Rectangle 2">
+            <a:extLst>
+              <a:ext uri="{FF2B5EF4-FFF2-40B4-BE49-F238E27FC236}">
+                <a16:creationId xmlns:a16="http://schemas.microsoft.com/office/drawing/2014/main" id="{671392A1-08EE-A44E-3B47-76EA5E5568E5}"/>
+              </a:ext>
+            </a:extLst>
+          </p:cNvPr>
+          <p:cNvSpPr/>
           <p:nvPr/>
-        </p:nvPicPr>
-        <p:blipFill>
-          <a:blip r:embed="rId3"/>
-          <a:stretch>
-            <a:fillRect/>
-          </a:stretch>
-        </p:blipFill>
+        </p:nvSpPr>
         <p:spPr>
           <a:xfrm>
-            <a:off x="6200542" y="2475138"/>
-            <a:ext cx="5420543" cy="2376376"/>
+            <a:off x="9357851" y="3568172"/>
+            <a:ext cx="1995949" cy="442451"/>
           </a:xfrm>
           <a:prstGeom prst="rect">
             <a:avLst/>
           </a:prstGeom>
+          <a:solidFill>
+            <a:schemeClr val="bg1"/>
+          </a:solidFill>
         </p:spPr>
-      </p:pic>
+        <p:style>
+          <a:lnRef idx="2">
+            <a:schemeClr val="accent1">
+              <a:shade val="15000"/>
+            </a:schemeClr>
+          </a:lnRef>
+          <a:fillRef idx="1">
+            <a:schemeClr val="accent1"/>
+          </a:fillRef>
+          <a:effectRef idx="0">
+            <a:schemeClr val="accent1"/>
+          </a:effectRef>
+          <a:fontRef idx="minor">
+            <a:schemeClr val="lt1"/>
+          </a:fontRef>
+        </p:style>
+        <p:txBody>
+          <a:bodyPr rtlCol="0" anchor="ctr"/>
+          <a:lstStyle/>
+          <a:p>
+            <a:pPr algn="ctr"/>
+            <a:r>
+              <a:rPr lang="en-US" dirty="0">
+                <a:solidFill>
+                  <a:schemeClr val="tx1"/>
+                </a:solidFill>
+              </a:rPr>
+              <a:t>“Hello”</a:t>
+            </a:r>
+            <a:endParaRPr lang="en-NL" dirty="0">
+              <a:solidFill>
+                <a:schemeClr val="tx1"/>
+              </a:solidFill>
+            </a:endParaRPr>
+          </a:p>
+        </p:txBody>
+      </p:sp>
+      <p:sp>
+        <p:nvSpPr>
+          <p:cNvPr id="5" name="Rectangle 4">
+            <a:extLst>
+              <a:ext uri="{FF2B5EF4-FFF2-40B4-BE49-F238E27FC236}">
+                <a16:creationId xmlns:a16="http://schemas.microsoft.com/office/drawing/2014/main" id="{7F0A09BB-4920-9C97-DE15-5E2EC1292E75}"/>
+              </a:ext>
+            </a:extLst>
+          </p:cNvPr>
+          <p:cNvSpPr/>
+          <p:nvPr/>
+        </p:nvSpPr>
+        <p:spPr>
+          <a:xfrm>
+            <a:off x="9357850" y="3125721"/>
+            <a:ext cx="1995949" cy="442451"/>
+          </a:xfrm>
+          <a:prstGeom prst="rect">
+            <a:avLst/>
+          </a:prstGeom>
+          <a:solidFill>
+            <a:schemeClr val="bg1"/>
+          </a:solidFill>
+        </p:spPr>
+        <p:style>
+          <a:lnRef idx="2">
+            <a:schemeClr val="accent1">
+              <a:shade val="15000"/>
+            </a:schemeClr>
+          </a:lnRef>
+          <a:fillRef idx="1">
+            <a:schemeClr val="accent1"/>
+          </a:fillRef>
+          <a:effectRef idx="0">
+            <a:schemeClr val="accent1"/>
+          </a:effectRef>
+          <a:fontRef idx="minor">
+            <a:schemeClr val="lt1"/>
+          </a:fontRef>
+        </p:style>
+        <p:txBody>
+          <a:bodyPr rtlCol="0" anchor="ctr"/>
+          <a:lstStyle/>
+          <a:p>
+            <a:pPr algn="ctr"/>
+            <a:r>
+              <a:rPr lang="en-US" b="1" dirty="0">
+                <a:solidFill>
+                  <a:schemeClr val="tx1"/>
+                </a:solidFill>
+              </a:rPr>
+              <a:t>s1</a:t>
+            </a:r>
+            <a:endParaRPr lang="en-NL" b="1" dirty="0">
+              <a:solidFill>
+                <a:schemeClr val="tx1"/>
+              </a:solidFill>
+            </a:endParaRPr>
+          </a:p>
+        </p:txBody>
+      </p:sp>
+      <p:sp>
+        <p:nvSpPr>
+          <p:cNvPr id="7" name="Rectangle 6">
+            <a:extLst>
+              <a:ext uri="{FF2B5EF4-FFF2-40B4-BE49-F238E27FC236}">
+                <a16:creationId xmlns:a16="http://schemas.microsoft.com/office/drawing/2014/main" id="{103B4CFA-FDBC-C8A8-90CF-DD5C658082DB}"/>
+              </a:ext>
+            </a:extLst>
+          </p:cNvPr>
+          <p:cNvSpPr/>
+          <p:nvPr/>
+        </p:nvSpPr>
+        <p:spPr>
+          <a:xfrm>
+            <a:off x="6931917" y="3125721"/>
+            <a:ext cx="1995949" cy="442451"/>
+          </a:xfrm>
+          <a:prstGeom prst="rect">
+            <a:avLst/>
+          </a:prstGeom>
+          <a:solidFill>
+            <a:schemeClr val="bg1"/>
+          </a:solidFill>
+        </p:spPr>
+        <p:style>
+          <a:lnRef idx="2">
+            <a:schemeClr val="accent1">
+              <a:shade val="15000"/>
+            </a:schemeClr>
+          </a:lnRef>
+          <a:fillRef idx="1">
+            <a:schemeClr val="accent1"/>
+          </a:fillRef>
+          <a:effectRef idx="0">
+            <a:schemeClr val="accent1"/>
+          </a:effectRef>
+          <a:fontRef idx="minor">
+            <a:schemeClr val="lt1"/>
+          </a:fontRef>
+        </p:style>
+        <p:txBody>
+          <a:bodyPr rtlCol="0" anchor="ctr"/>
+          <a:lstStyle/>
+          <a:p>
+            <a:pPr algn="ctr"/>
+            <a:r>
+              <a:rPr lang="en-US" b="1" dirty="0">
+                <a:solidFill>
+                  <a:schemeClr val="tx1"/>
+                </a:solidFill>
+              </a:rPr>
+              <a:t>s</a:t>
+            </a:r>
+            <a:endParaRPr lang="en-NL" b="1" dirty="0">
+              <a:solidFill>
+                <a:schemeClr val="tx1"/>
+              </a:solidFill>
+            </a:endParaRPr>
+          </a:p>
+        </p:txBody>
+      </p:sp>
+      <p:sp>
+        <p:nvSpPr>
+          <p:cNvPr id="9" name="Rectangle 8">
+            <a:extLst>
+              <a:ext uri="{FF2B5EF4-FFF2-40B4-BE49-F238E27FC236}">
+                <a16:creationId xmlns:a16="http://schemas.microsoft.com/office/drawing/2014/main" id="{4172DF78-D935-9B07-67A2-4E1FED46F133}"/>
+              </a:ext>
+            </a:extLst>
+          </p:cNvPr>
+          <p:cNvSpPr/>
+          <p:nvPr/>
+        </p:nvSpPr>
+        <p:spPr>
+          <a:xfrm>
+            <a:off x="6931917" y="3593963"/>
+            <a:ext cx="1995949" cy="442451"/>
+          </a:xfrm>
+          <a:prstGeom prst="rect">
+            <a:avLst/>
+          </a:prstGeom>
+          <a:solidFill>
+            <a:schemeClr val="bg1"/>
+          </a:solidFill>
+        </p:spPr>
+        <p:style>
+          <a:lnRef idx="2">
+            <a:schemeClr val="accent1">
+              <a:shade val="15000"/>
+            </a:schemeClr>
+          </a:lnRef>
+          <a:fillRef idx="1">
+            <a:schemeClr val="accent1"/>
+          </a:fillRef>
+          <a:effectRef idx="0">
+            <a:schemeClr val="accent1"/>
+          </a:effectRef>
+          <a:fontRef idx="minor">
+            <a:schemeClr val="lt1"/>
+          </a:fontRef>
+        </p:style>
+        <p:txBody>
+          <a:bodyPr rtlCol="0" anchor="ctr"/>
+          <a:lstStyle/>
+          <a:p>
+            <a:pPr algn="ctr"/>
+            <a:endParaRPr lang="en-NL" dirty="0">
+              <a:solidFill>
+                <a:schemeClr val="tx1"/>
+              </a:solidFill>
+            </a:endParaRPr>
+          </a:p>
+        </p:txBody>
+      </p:sp>
+      <p:cxnSp>
+        <p:nvCxnSpPr>
+          <p:cNvPr id="11" name="Straight Arrow Connector 10">
+            <a:extLst>
+              <a:ext uri="{FF2B5EF4-FFF2-40B4-BE49-F238E27FC236}">
+                <a16:creationId xmlns:a16="http://schemas.microsoft.com/office/drawing/2014/main" id="{64B61D7C-80D5-E3EA-88A7-428073FD797D}"/>
+              </a:ext>
+            </a:extLst>
+          </p:cNvPr>
+          <p:cNvCxnSpPr>
+            <a:endCxn id="3" idx="1"/>
+          </p:cNvCxnSpPr>
+          <p:nvPr/>
+        </p:nvCxnSpPr>
+        <p:spPr>
+          <a:xfrm flipV="1">
+            <a:off x="7929891" y="3789398"/>
+            <a:ext cx="1427960" cy="25790"/>
+          </a:xfrm>
+          <a:prstGeom prst="straightConnector1">
+            <a:avLst/>
+          </a:prstGeom>
+          <a:ln w="38100">
+            <a:tailEnd type="triangle"/>
+          </a:ln>
+        </p:spPr>
+        <p:style>
+          <a:lnRef idx="2">
+            <a:schemeClr val="accent2"/>
+          </a:lnRef>
+          <a:fillRef idx="0">
+            <a:schemeClr val="accent2"/>
+          </a:fillRef>
+          <a:effectRef idx="1">
+            <a:schemeClr val="accent2"/>
+          </a:effectRef>
+          <a:fontRef idx="minor">
+            <a:schemeClr val="tx1"/>
+          </a:fontRef>
+        </p:style>
+      </p:cxnSp>
     </p:spTree>
     <p:extLst>
       <p:ext uri="{BB962C8B-B14F-4D97-AF65-F5344CB8AC3E}">
         <p14:creationId xmlns:p14="http://schemas.microsoft.com/office/powerpoint/2010/main" val="3679131026"/>
-      </p:ext>
-    </p:extLst>
-  </p:cSld>
-  <p:clrMapOvr>
-    <a:masterClrMapping/>
-  </p:clrMapOvr>
-</p:sld>
-</file>
-
-<file path=ppt/slides/slide24.xml><?xml version="1.0" encoding="utf-8"?>
-<p:sld xmlns:a="http://schemas.openxmlformats.org/drawingml/2006/main" xmlns:r="http://schemas.openxmlformats.org/officeDocument/2006/relationships" xmlns:p="http://schemas.openxmlformats.org/presentationml/2006/main">
-  <p:cSld>
-    <p:spTree>
-      <p:nvGrpSpPr>
-        <p:cNvPr id="1" name=""/>
-        <p:cNvGrpSpPr/>
-        <p:nvPr/>
-      </p:nvGrpSpPr>
-      <p:grpSpPr>
-        <a:xfrm>
-          <a:off x="0" y="0"/>
-          <a:ext cx="0" cy="0"/>
-          <a:chOff x="0" y="0"/>
-          <a:chExt cx="0" cy="0"/>
-        </a:xfrm>
-      </p:grpSpPr>
-      <p:sp>
-        <p:nvSpPr>
-          <p:cNvPr id="2" name="Title 1">
-            <a:extLst>
-              <a:ext uri="{FF2B5EF4-FFF2-40B4-BE49-F238E27FC236}">
-                <a16:creationId xmlns:a16="http://schemas.microsoft.com/office/drawing/2014/main" id="{1FADA741-E023-EDC7-4B91-9CF39B14E122}"/>
-              </a:ext>
-            </a:extLst>
-          </p:cNvPr>
-          <p:cNvSpPr>
-            <a:spLocks noGrp="1"/>
-          </p:cNvSpPr>
-          <p:nvPr>
-            <p:ph type="title"/>
-          </p:nvPr>
-        </p:nvSpPr>
-        <p:spPr/>
-        <p:txBody>
-          <a:bodyPr/>
-          <a:lstStyle/>
-          <a:p>
-            <a:r>
-              <a:rPr lang="en-US" dirty="0"/>
-              <a:t>Rules for references</a:t>
-            </a:r>
-            <a:endParaRPr lang="en-NL" dirty="0"/>
-          </a:p>
-        </p:txBody>
-      </p:sp>
-      <p:sp>
-        <p:nvSpPr>
-          <p:cNvPr id="4" name="Slide Number Placeholder 3">
-            <a:extLst>
-              <a:ext uri="{FF2B5EF4-FFF2-40B4-BE49-F238E27FC236}">
-                <a16:creationId xmlns:a16="http://schemas.microsoft.com/office/drawing/2014/main" id="{006FD184-151D-CD75-8C2E-E5655EC3137F}"/>
-              </a:ext>
-            </a:extLst>
-          </p:cNvPr>
-          <p:cNvSpPr>
-            <a:spLocks noGrp="1"/>
-          </p:cNvSpPr>
-          <p:nvPr>
-            <p:ph type="sldNum" sz="quarter" idx="12"/>
-          </p:nvPr>
-        </p:nvSpPr>
-        <p:spPr/>
-        <p:txBody>
-          <a:bodyPr/>
-          <a:lstStyle/>
-          <a:p>
-            <a:fld id="{D1A528A5-A992-41B6-920C-B96B44AAC27A}" type="slidenum">
-              <a:rPr lang="en-NL" smtClean="0"/>
-              <a:pPr/>
-              <a:t>24</a:t>
-            </a:fld>
-            <a:endParaRPr lang="en-NL" dirty="0"/>
-          </a:p>
-        </p:txBody>
-      </p:sp>
-      <p:sp>
-        <p:nvSpPr>
-          <p:cNvPr id="6" name="TextBox 5">
-            <a:extLst>
-              <a:ext uri="{FF2B5EF4-FFF2-40B4-BE49-F238E27FC236}">
-                <a16:creationId xmlns:a16="http://schemas.microsoft.com/office/drawing/2014/main" id="{5DFC5F97-A1B2-9A59-8588-6C1227CA4920}"/>
-              </a:ext>
-            </a:extLst>
-          </p:cNvPr>
-          <p:cNvSpPr txBox="1"/>
-          <p:nvPr/>
-        </p:nvSpPr>
-        <p:spPr>
-          <a:xfrm>
-            <a:off x="1523999" y="2623968"/>
-            <a:ext cx="8642555" cy="1938992"/>
-          </a:xfrm>
-          <a:prstGeom prst="rect">
-            <a:avLst/>
-          </a:prstGeom>
-          <a:noFill/>
-          <a:ln>
-            <a:solidFill>
-              <a:srgbClr val="FF0000"/>
-            </a:solidFill>
-          </a:ln>
-        </p:spPr>
-        <p:txBody>
-          <a:bodyPr wrap="square">
-            <a:spAutoFit/>
-          </a:bodyPr>
-          <a:lstStyle/>
-          <a:p>
-            <a:r>
-              <a:rPr lang="en-US" sz="2400" dirty="0">
-                <a:solidFill>
-                  <a:schemeClr val="bg1"/>
-                </a:solidFill>
-              </a:rPr>
-              <a:t>1. </a:t>
-            </a:r>
-            <a:r>
-              <a:rPr lang="en-NL" sz="2400" dirty="0">
-                <a:solidFill>
-                  <a:schemeClr val="bg1"/>
-                </a:solidFill>
-              </a:rPr>
-              <a:t>At any given time, you can have </a:t>
-            </a:r>
-            <a:r>
-              <a:rPr lang="en-NL" sz="2400" i="1" dirty="0">
-                <a:solidFill>
-                  <a:schemeClr val="bg1"/>
-                </a:solidFill>
-              </a:rPr>
-              <a:t>either</a:t>
-            </a:r>
-            <a:r>
-              <a:rPr lang="en-NL" sz="2400" dirty="0">
-                <a:solidFill>
-                  <a:schemeClr val="bg1"/>
-                </a:solidFill>
-              </a:rPr>
-              <a:t> one mutable reference </a:t>
-            </a:r>
-            <a:r>
-              <a:rPr lang="en-NL" sz="2400" i="1" dirty="0">
-                <a:solidFill>
-                  <a:schemeClr val="bg1"/>
-                </a:solidFill>
-              </a:rPr>
-              <a:t>or</a:t>
-            </a:r>
-            <a:r>
-              <a:rPr lang="en-NL" sz="2400" dirty="0">
-                <a:solidFill>
-                  <a:schemeClr val="bg1"/>
-                </a:solidFill>
-              </a:rPr>
-              <a:t> any number of immutable references.</a:t>
-            </a:r>
-            <a:r>
-              <a:rPr lang="en-US" sz="2400" dirty="0">
-                <a:solidFill>
-                  <a:schemeClr val="bg1"/>
-                </a:solidFill>
-              </a:rPr>
-              <a:t> </a:t>
-            </a:r>
-          </a:p>
-          <a:p>
-            <a:endParaRPr lang="en-US" sz="2400" dirty="0">
-              <a:solidFill>
-                <a:schemeClr val="bg1"/>
-              </a:solidFill>
-            </a:endParaRPr>
-          </a:p>
-          <a:p>
-            <a:r>
-              <a:rPr lang="en-US" sz="2400" dirty="0">
-                <a:solidFill>
-                  <a:schemeClr val="bg1"/>
-                </a:solidFill>
-              </a:rPr>
-              <a:t>2. </a:t>
-            </a:r>
-            <a:r>
-              <a:rPr lang="en-NL" sz="2400" dirty="0">
-                <a:solidFill>
-                  <a:schemeClr val="bg1"/>
-                </a:solidFill>
-              </a:rPr>
-              <a:t>References must always be valid</a:t>
-            </a:r>
-          </a:p>
-        </p:txBody>
-      </p:sp>
-    </p:spTree>
-    <p:extLst>
-      <p:ext uri="{BB962C8B-B14F-4D97-AF65-F5344CB8AC3E}">
-        <p14:creationId xmlns:p14="http://schemas.microsoft.com/office/powerpoint/2010/main" val="326212257"/>
       </p:ext>
     </p:extLst>
   </p:cSld>
@@ -12885,6 +14768,212 @@
           <p:cNvPr id="2" name="Title 1">
             <a:extLst>
               <a:ext uri="{FF2B5EF4-FFF2-40B4-BE49-F238E27FC236}">
+                <a16:creationId xmlns:a16="http://schemas.microsoft.com/office/drawing/2014/main" id="{1FADA741-E023-EDC7-4B91-9CF39B14E122}"/>
+              </a:ext>
+            </a:extLst>
+          </p:cNvPr>
+          <p:cNvSpPr>
+            <a:spLocks noGrp="1"/>
+          </p:cNvSpPr>
+          <p:nvPr>
+            <p:ph type="title"/>
+          </p:nvPr>
+        </p:nvSpPr>
+        <p:spPr/>
+        <p:txBody>
+          <a:bodyPr/>
+          <a:lstStyle/>
+          <a:p>
+            <a:r>
+              <a:rPr lang="en-US" dirty="0"/>
+              <a:t>Rules for references</a:t>
+            </a:r>
+            <a:endParaRPr lang="en-NL" dirty="0"/>
+          </a:p>
+        </p:txBody>
+      </p:sp>
+      <p:sp>
+        <p:nvSpPr>
+          <p:cNvPr id="4" name="Slide Number Placeholder 3">
+            <a:extLst>
+              <a:ext uri="{FF2B5EF4-FFF2-40B4-BE49-F238E27FC236}">
+                <a16:creationId xmlns:a16="http://schemas.microsoft.com/office/drawing/2014/main" id="{006FD184-151D-CD75-8C2E-E5655EC3137F}"/>
+              </a:ext>
+            </a:extLst>
+          </p:cNvPr>
+          <p:cNvSpPr>
+            <a:spLocks noGrp="1"/>
+          </p:cNvSpPr>
+          <p:nvPr>
+            <p:ph type="sldNum" sz="quarter" idx="12"/>
+          </p:nvPr>
+        </p:nvSpPr>
+        <p:spPr/>
+        <p:txBody>
+          <a:bodyPr/>
+          <a:lstStyle/>
+          <a:p>
+            <a:fld id="{D1A528A5-A992-41B6-920C-B96B44AAC27A}" type="slidenum">
+              <a:rPr lang="en-NL" smtClean="0"/>
+              <a:pPr/>
+              <a:t>25</a:t>
+            </a:fld>
+            <a:endParaRPr lang="en-NL" dirty="0"/>
+          </a:p>
+        </p:txBody>
+      </p:sp>
+      <p:sp>
+        <p:nvSpPr>
+          <p:cNvPr id="6" name="TextBox 5">
+            <a:extLst>
+              <a:ext uri="{FF2B5EF4-FFF2-40B4-BE49-F238E27FC236}">
+                <a16:creationId xmlns:a16="http://schemas.microsoft.com/office/drawing/2014/main" id="{5DFC5F97-A1B2-9A59-8588-6C1227CA4920}"/>
+              </a:ext>
+            </a:extLst>
+          </p:cNvPr>
+          <p:cNvSpPr txBox="1"/>
+          <p:nvPr/>
+        </p:nvSpPr>
+        <p:spPr>
+          <a:xfrm>
+            <a:off x="1523999" y="2623968"/>
+            <a:ext cx="8642555" cy="1938992"/>
+          </a:xfrm>
+          <a:prstGeom prst="rect">
+            <a:avLst/>
+          </a:prstGeom>
+          <a:noFill/>
+          <a:ln>
+            <a:solidFill>
+              <a:srgbClr val="FF0000"/>
+            </a:solidFill>
+          </a:ln>
+        </p:spPr>
+        <p:txBody>
+          <a:bodyPr wrap="square">
+            <a:spAutoFit/>
+          </a:bodyPr>
+          <a:lstStyle/>
+          <a:p>
+            <a:r>
+              <a:rPr lang="en-US" sz="2400" dirty="0">
+                <a:solidFill>
+                  <a:schemeClr val="bg1"/>
+                </a:solidFill>
+              </a:rPr>
+              <a:t>1. </a:t>
+            </a:r>
+            <a:r>
+              <a:rPr lang="en-NL" sz="2400" dirty="0">
+                <a:solidFill>
+                  <a:schemeClr val="bg1"/>
+                </a:solidFill>
+              </a:rPr>
+              <a:t>At any given time, you can have </a:t>
+            </a:r>
+            <a:r>
+              <a:rPr lang="en-NL" sz="2400" i="1" dirty="0">
+                <a:solidFill>
+                  <a:schemeClr val="bg1"/>
+                </a:solidFill>
+              </a:rPr>
+              <a:t>either</a:t>
+            </a:r>
+            <a:r>
+              <a:rPr lang="en-NL" sz="2400" dirty="0">
+                <a:solidFill>
+                  <a:schemeClr val="bg1"/>
+                </a:solidFill>
+              </a:rPr>
+              <a:t> one mutable reference </a:t>
+            </a:r>
+            <a:r>
+              <a:rPr lang="en-NL" sz="2400" i="1" dirty="0">
+                <a:solidFill>
+                  <a:schemeClr val="bg1"/>
+                </a:solidFill>
+              </a:rPr>
+              <a:t>or</a:t>
+            </a:r>
+            <a:r>
+              <a:rPr lang="en-NL" sz="2400" dirty="0">
+                <a:solidFill>
+                  <a:schemeClr val="bg1"/>
+                </a:solidFill>
+              </a:rPr>
+              <a:t> any number of immutable references.</a:t>
+            </a:r>
+            <a:r>
+              <a:rPr lang="en-US" sz="2400" dirty="0">
+                <a:solidFill>
+                  <a:schemeClr val="bg1"/>
+                </a:solidFill>
+              </a:rPr>
+              <a:t> </a:t>
+            </a:r>
+          </a:p>
+          <a:p>
+            <a:endParaRPr lang="en-US" sz="2400" dirty="0">
+              <a:solidFill>
+                <a:schemeClr val="bg1"/>
+              </a:solidFill>
+            </a:endParaRPr>
+          </a:p>
+          <a:p>
+            <a:r>
+              <a:rPr lang="en-US" sz="2400" dirty="0">
+                <a:solidFill>
+                  <a:schemeClr val="bg1"/>
+                </a:solidFill>
+              </a:rPr>
+              <a:t>2. </a:t>
+            </a:r>
+            <a:r>
+              <a:rPr lang="en-NL" sz="2400" dirty="0">
+                <a:solidFill>
+                  <a:schemeClr val="bg1"/>
+                </a:solidFill>
+              </a:rPr>
+              <a:t>References must always be valid</a:t>
+            </a:r>
+          </a:p>
+        </p:txBody>
+      </p:sp>
+    </p:spTree>
+    <p:extLst>
+      <p:ext uri="{BB962C8B-B14F-4D97-AF65-F5344CB8AC3E}">
+        <p14:creationId xmlns:p14="http://schemas.microsoft.com/office/powerpoint/2010/main" val="326212257"/>
+      </p:ext>
+    </p:extLst>
+  </p:cSld>
+  <p:clrMapOvr>
+    <a:masterClrMapping/>
+  </p:clrMapOvr>
+</p:sld>
+</file>
+
+<file path=ppt/slides/slide26.xml><?xml version="1.0" encoding="utf-8"?>
+<p:sld xmlns:a="http://schemas.openxmlformats.org/drawingml/2006/main" xmlns:r="http://schemas.openxmlformats.org/officeDocument/2006/relationships" xmlns:p="http://schemas.openxmlformats.org/presentationml/2006/main">
+  <p:cSld>
+    <p:spTree>
+      <p:nvGrpSpPr>
+        <p:cNvPr id="1" name=""/>
+        <p:cNvGrpSpPr/>
+        <p:nvPr/>
+      </p:nvGrpSpPr>
+      <p:grpSpPr>
+        <a:xfrm>
+          <a:off x="0" y="0"/>
+          <a:ext cx="0" cy="0"/>
+          <a:chOff x="0" y="0"/>
+          <a:chExt cx="0" cy="0"/>
+        </a:xfrm>
+      </p:grpSpPr>
+      <p:sp>
+        <p:nvSpPr>
+          <p:cNvPr id="2" name="Title 1">
+            <a:extLst>
+              <a:ext uri="{FF2B5EF4-FFF2-40B4-BE49-F238E27FC236}">
                 <a16:creationId xmlns:a16="http://schemas.microsoft.com/office/drawing/2014/main" id="{322D711B-6949-DC60-250C-7BE57A0C06F5}"/>
               </a:ext>
             </a:extLst>
@@ -13031,7 +15120,7 @@
             <a:fld id="{D1A528A5-A992-41B6-920C-B96B44AAC27A}" type="slidenum">
               <a:rPr lang="en-NL" smtClean="0"/>
               <a:pPr/>
-              <a:t>25</a:t>
+              <a:t>26</a:t>
             </a:fld>
             <a:endParaRPr lang="en-NL" dirty="0"/>
           </a:p>
@@ -13080,7 +15169,7 @@
 </p:sld>
 </file>
 
-<file path=ppt/slides/slide26.xml><?xml version="1.0" encoding="utf-8"?>
+<file path=ppt/slides/slide27.xml><?xml version="1.0" encoding="utf-8"?>
 <p:sld xmlns:a="http://schemas.openxmlformats.org/drawingml/2006/main" xmlns:r="http://schemas.openxmlformats.org/officeDocument/2006/relationships" xmlns:p="http://schemas.openxmlformats.org/presentationml/2006/main">
   <p:cSld>
     <p:spTree>
@@ -13150,7 +15239,7 @@
             <a:fld id="{D1A528A5-A992-41B6-920C-B96B44AAC27A}" type="slidenum">
               <a:rPr lang="en-NL" smtClean="0"/>
               <a:pPr/>
-              <a:t>26</a:t>
+              <a:t>27</a:t>
             </a:fld>
             <a:endParaRPr lang="en-NL" dirty="0"/>
           </a:p>
@@ -13270,7 +15359,7 @@
 </p:sld>
 </file>
 
-<file path=ppt/slides/slide27.xml><?xml version="1.0" encoding="utf-8"?>
+<file path=ppt/slides/slide28.xml><?xml version="1.0" encoding="utf-8"?>
 <p:sld xmlns:a="http://schemas.openxmlformats.org/drawingml/2006/main" xmlns:r="http://schemas.openxmlformats.org/officeDocument/2006/relationships" xmlns:p="http://schemas.openxmlformats.org/presentationml/2006/main">
   <p:cSld>
     <p:spTree>
@@ -13386,7 +15475,7 @@
             <a:fld id="{D1A528A5-A992-41B6-920C-B96B44AAC27A}" type="slidenum">
               <a:rPr lang="en-NL" smtClean="0"/>
               <a:pPr/>
-              <a:t>27</a:t>
+              <a:t>28</a:t>
             </a:fld>
             <a:endParaRPr lang="en-NL" dirty="0"/>
           </a:p>
@@ -13435,7 +15524,7 @@
 </p:sld>
 </file>
 
-<file path=ppt/slides/slide28.xml><?xml version="1.0" encoding="utf-8"?>
+<file path=ppt/slides/slide29.xml><?xml version="1.0" encoding="utf-8"?>
 <p:sld xmlns:a="http://schemas.openxmlformats.org/drawingml/2006/main" xmlns:r="http://schemas.openxmlformats.org/officeDocument/2006/relationships" xmlns:p="http://schemas.openxmlformats.org/presentationml/2006/main">
   <p:cSld>
     <p:spTree>
@@ -13505,7 +15594,7 @@
             <a:fld id="{D1A528A5-A992-41B6-920C-B96B44AAC27A}" type="slidenum">
               <a:rPr lang="en-NL" smtClean="0"/>
               <a:pPr/>
-              <a:t>28</a:t>
+              <a:t>29</a:t>
             </a:fld>
             <a:endParaRPr lang="en-NL" dirty="0"/>
           </a:p>
@@ -13585,150 +15674,6 @@
     <p:extLst>
       <p:ext uri="{BB962C8B-B14F-4D97-AF65-F5344CB8AC3E}">
         <p14:creationId xmlns:p14="http://schemas.microsoft.com/office/powerpoint/2010/main" val="2947665778"/>
-      </p:ext>
-    </p:extLst>
-  </p:cSld>
-  <p:clrMapOvr>
-    <a:masterClrMapping/>
-  </p:clrMapOvr>
-</p:sld>
-</file>
-
-<file path=ppt/slides/slide29.xml><?xml version="1.0" encoding="utf-8"?>
-<p:sld xmlns:a="http://schemas.openxmlformats.org/drawingml/2006/main" xmlns:r="http://schemas.openxmlformats.org/officeDocument/2006/relationships" xmlns:p="http://schemas.openxmlformats.org/presentationml/2006/main">
-  <p:cSld>
-    <p:spTree>
-      <p:nvGrpSpPr>
-        <p:cNvPr id="1" name=""/>
-        <p:cNvGrpSpPr/>
-        <p:nvPr/>
-      </p:nvGrpSpPr>
-      <p:grpSpPr>
-        <a:xfrm>
-          <a:off x="0" y="0"/>
-          <a:ext cx="0" cy="0"/>
-          <a:chOff x="0" y="0"/>
-          <a:chExt cx="0" cy="0"/>
-        </a:xfrm>
-      </p:grpSpPr>
-      <p:sp>
-        <p:nvSpPr>
-          <p:cNvPr id="2" name="Title 1">
-            <a:extLst>
-              <a:ext uri="{FF2B5EF4-FFF2-40B4-BE49-F238E27FC236}">
-                <a16:creationId xmlns:a16="http://schemas.microsoft.com/office/drawing/2014/main" id="{FA3A9B42-F4A7-C8C2-C202-B1C1F71A2CF2}"/>
-              </a:ext>
-            </a:extLst>
-          </p:cNvPr>
-          <p:cNvSpPr>
-            <a:spLocks noGrp="1"/>
-          </p:cNvSpPr>
-          <p:nvPr>
-            <p:ph type="title"/>
-          </p:nvPr>
-        </p:nvSpPr>
-        <p:spPr/>
-        <p:txBody>
-          <a:bodyPr/>
-          <a:lstStyle/>
-          <a:p>
-            <a:r>
-              <a:rPr lang="en-US" dirty="0"/>
-              <a:t>Macros</a:t>
-            </a:r>
-            <a:endParaRPr lang="en-NL" dirty="0"/>
-          </a:p>
-        </p:txBody>
-      </p:sp>
-      <p:sp>
-        <p:nvSpPr>
-          <p:cNvPr id="3" name="Content Placeholder 2">
-            <a:extLst>
-              <a:ext uri="{FF2B5EF4-FFF2-40B4-BE49-F238E27FC236}">
-                <a16:creationId xmlns:a16="http://schemas.microsoft.com/office/drawing/2014/main" id="{6102D2A7-31DA-CF6E-C8DA-4D5B4B152EAB}"/>
-              </a:ext>
-            </a:extLst>
-          </p:cNvPr>
-          <p:cNvSpPr>
-            <a:spLocks noGrp="1"/>
-          </p:cNvSpPr>
-          <p:nvPr>
-            <p:ph idx="1"/>
-          </p:nvPr>
-        </p:nvSpPr>
-        <p:spPr/>
-        <p:txBody>
-          <a:bodyPr/>
-          <a:lstStyle/>
-          <a:p>
-            <a:r>
-              <a:rPr lang="en-US" dirty="0"/>
-              <a:t>Expand into other code at compile time</a:t>
-            </a:r>
-          </a:p>
-          <a:p>
-            <a:r>
-              <a:rPr lang="en-US" dirty="0"/>
-              <a:t>More flexible than functions</a:t>
-            </a:r>
-          </a:p>
-          <a:p>
-            <a:r>
-              <a:rPr lang="en-US" dirty="0"/>
-              <a:t>Some are used as “decorators”</a:t>
-            </a:r>
-          </a:p>
-          <a:p>
-            <a:pPr marL="0" indent="0">
-              <a:buNone/>
-            </a:pPr>
-            <a:endParaRPr lang="en-US" dirty="0"/>
-          </a:p>
-          <a:p>
-            <a:pPr marL="0" indent="0">
-              <a:buNone/>
-            </a:pPr>
-            <a:endParaRPr lang="en-US" dirty="0"/>
-          </a:p>
-          <a:p>
-            <a:endParaRPr lang="en-NL" dirty="0"/>
-          </a:p>
-        </p:txBody>
-      </p:sp>
-      <p:sp>
-        <p:nvSpPr>
-          <p:cNvPr id="4" name="Slide Number Placeholder 3">
-            <a:extLst>
-              <a:ext uri="{FF2B5EF4-FFF2-40B4-BE49-F238E27FC236}">
-                <a16:creationId xmlns:a16="http://schemas.microsoft.com/office/drawing/2014/main" id="{0DCBF3C8-436A-2714-8AE1-E98447AA28B3}"/>
-              </a:ext>
-            </a:extLst>
-          </p:cNvPr>
-          <p:cNvSpPr>
-            <a:spLocks noGrp="1"/>
-          </p:cNvSpPr>
-          <p:nvPr>
-            <p:ph type="sldNum" sz="quarter" idx="12"/>
-          </p:nvPr>
-        </p:nvSpPr>
-        <p:spPr/>
-        <p:txBody>
-          <a:bodyPr/>
-          <a:lstStyle/>
-          <a:p>
-            <a:fld id="{D1A528A5-A992-41B6-920C-B96B44AAC27A}" type="slidenum">
-              <a:rPr lang="en-NL" smtClean="0"/>
-              <a:pPr/>
-              <a:t>29</a:t>
-            </a:fld>
-            <a:endParaRPr lang="en-NL" dirty="0"/>
-          </a:p>
-        </p:txBody>
-      </p:sp>
-    </p:spTree>
-    <p:extLst>
-      <p:ext uri="{BB962C8B-B14F-4D97-AF65-F5344CB8AC3E}">
-        <p14:creationId xmlns:p14="http://schemas.microsoft.com/office/powerpoint/2010/main" val="3886623469"/>
       </p:ext>
     </p:extLst>
   </p:cSld>
@@ -13757,153 +15702,10 @@
       </p:grpSpPr>
       <p:sp>
         <p:nvSpPr>
-          <p:cNvPr id="23" name="Rectangle 22">
-            <a:extLst>
-              <a:ext uri="{FF2B5EF4-FFF2-40B4-BE49-F238E27FC236}">
-                <a16:creationId xmlns:a16="http://schemas.microsoft.com/office/drawing/2014/main" id="{620ADFAE-F1F8-1C25-DDC2-857541785DDF}"/>
-              </a:ext>
-            </a:extLst>
-          </p:cNvPr>
-          <p:cNvSpPr/>
-          <p:nvPr/>
-        </p:nvSpPr>
-        <p:spPr>
-          <a:xfrm>
-            <a:off x="1181861" y="4675804"/>
-            <a:ext cx="1184237" cy="1157802"/>
-          </a:xfrm>
-          <a:prstGeom prst="rect">
-            <a:avLst/>
-          </a:prstGeom>
-          <a:solidFill>
-            <a:srgbClr val="7EBD79"/>
-          </a:solidFill>
-          <a:ln>
-            <a:noFill/>
-          </a:ln>
-        </p:spPr>
-        <p:style>
-          <a:lnRef idx="2">
-            <a:schemeClr val="accent1">
-              <a:shade val="15000"/>
-            </a:schemeClr>
-          </a:lnRef>
-          <a:fillRef idx="1">
-            <a:schemeClr val="accent1"/>
-          </a:fillRef>
-          <a:effectRef idx="0">
-            <a:schemeClr val="accent1"/>
-          </a:effectRef>
-          <a:fontRef idx="minor">
-            <a:schemeClr val="lt1"/>
-          </a:fontRef>
-        </p:style>
-        <p:txBody>
-          <a:bodyPr rtlCol="0" anchor="ctr"/>
-          <a:lstStyle/>
-          <a:p>
-            <a:pPr algn="ctr"/>
-            <a:endParaRPr lang="en-NL"/>
-          </a:p>
-        </p:txBody>
-      </p:sp>
-      <p:sp>
-        <p:nvSpPr>
-          <p:cNvPr id="2" name="Title 1">
-            <a:extLst>
-              <a:ext uri="{FF2B5EF4-FFF2-40B4-BE49-F238E27FC236}">
-                <a16:creationId xmlns:a16="http://schemas.microsoft.com/office/drawing/2014/main" id="{91E8E0D5-DA21-8E15-E58F-28683325354E}"/>
-              </a:ext>
-            </a:extLst>
-          </p:cNvPr>
-          <p:cNvSpPr>
-            <a:spLocks noGrp="1"/>
-          </p:cNvSpPr>
-          <p:nvPr>
-            <p:ph type="title"/>
-          </p:nvPr>
-        </p:nvSpPr>
-        <p:spPr/>
-        <p:txBody>
-          <a:bodyPr/>
-          <a:lstStyle/>
-          <a:p>
-            <a:r>
-              <a:rPr lang="en-US"/>
-              <a:t>What is Rust?</a:t>
-            </a:r>
-            <a:endParaRPr lang="en-NL" dirty="0"/>
-          </a:p>
-        </p:txBody>
-      </p:sp>
-      <p:sp>
-        <p:nvSpPr>
-          <p:cNvPr id="3" name="Content Placeholder 2">
-            <a:extLst>
-              <a:ext uri="{FF2B5EF4-FFF2-40B4-BE49-F238E27FC236}">
-                <a16:creationId xmlns:a16="http://schemas.microsoft.com/office/drawing/2014/main" id="{1C6BF2A1-9493-169F-6D0A-2F785952ACB8}"/>
-              </a:ext>
-            </a:extLst>
-          </p:cNvPr>
-          <p:cNvSpPr>
-            <a:spLocks noGrp="1"/>
-          </p:cNvSpPr>
-          <p:nvPr>
-            <p:ph idx="1"/>
-          </p:nvPr>
-        </p:nvSpPr>
-        <p:spPr>
-          <a:xfrm>
-            <a:off x="838200" y="1825625"/>
-            <a:ext cx="6225648" cy="4351338"/>
-          </a:xfrm>
-        </p:spPr>
-        <p:txBody>
-          <a:bodyPr/>
-          <a:lstStyle/>
-          <a:p>
-            <a:r>
-              <a:rPr lang="en-US" dirty="0">
-                <a:solidFill>
-                  <a:schemeClr val="bg1"/>
-                </a:solidFill>
-              </a:rPr>
-              <a:t>A statically typed, compiled, memory safe language</a:t>
-            </a:r>
-          </a:p>
-          <a:p>
-            <a:r>
-              <a:rPr lang="en-US" dirty="0">
-                <a:solidFill>
-                  <a:schemeClr val="bg1"/>
-                </a:solidFill>
-              </a:rPr>
-              <a:t>No garbage collector</a:t>
-            </a:r>
-          </a:p>
-          <a:p>
-            <a:r>
-              <a:rPr lang="en-US" dirty="0">
-                <a:solidFill>
-                  <a:schemeClr val="bg1"/>
-                </a:solidFill>
-              </a:rPr>
-              <a:t>Low-level control</a:t>
-            </a:r>
-            <a:endParaRPr lang="en-NL" dirty="0">
-              <a:solidFill>
-                <a:schemeClr val="bg1"/>
-              </a:solidFill>
-            </a:endParaRPr>
-          </a:p>
-        </p:txBody>
-      </p:sp>
-      <p:sp>
-        <p:nvSpPr>
-          <p:cNvPr id="7" name="Slide Number Placeholder 6">
-            <a:extLst>
-              <a:ext uri="{FF2B5EF4-FFF2-40B4-BE49-F238E27FC236}">
-                <a16:creationId xmlns:a16="http://schemas.microsoft.com/office/drawing/2014/main" id="{1210F688-B2FB-BF51-0223-7B6A5886D184}"/>
+          <p:cNvPr id="4" name="Slide Number Placeholder 3">
+            <a:extLst>
+              <a:ext uri="{FF2B5EF4-FFF2-40B4-BE49-F238E27FC236}">
+                <a16:creationId xmlns:a16="http://schemas.microsoft.com/office/drawing/2014/main" id="{BC43D8A4-7638-8AA3-4D07-7548514E26FC}"/>
               </a:ext>
             </a:extLst>
           </p:cNvPr>
@@ -13921,61 +15723,19 @@
           <a:p>
             <a:fld id="{D1A528A5-A992-41B6-920C-B96B44AAC27A}" type="slidenum">
               <a:rPr lang="en-NL" smtClean="0"/>
+              <a:pPr/>
               <a:t>3</a:t>
             </a:fld>
             <a:endParaRPr lang="en-NL" dirty="0"/>
           </a:p>
         </p:txBody>
       </p:sp>
-      <p:cxnSp>
-        <p:nvCxnSpPr>
-          <p:cNvPr id="4" name="Straight Connector 3">
-            <a:extLst>
-              <a:ext uri="{FF2B5EF4-FFF2-40B4-BE49-F238E27FC236}">
-                <a16:creationId xmlns:a16="http://schemas.microsoft.com/office/drawing/2014/main" id="{BEBA0F93-A76A-01A9-9D52-B7FF6A21D6D5}"/>
-              </a:ext>
-            </a:extLst>
-          </p:cNvPr>
-          <p:cNvCxnSpPr>
-            <a:cxnSpLocks/>
-          </p:cNvCxnSpPr>
-          <p:nvPr/>
-        </p:nvCxnSpPr>
-        <p:spPr>
-          <a:xfrm>
-            <a:off x="924232" y="1425677"/>
-            <a:ext cx="3134651" cy="0"/>
-          </a:xfrm>
-          <a:prstGeom prst="line">
-            <a:avLst/>
-          </a:prstGeom>
-          <a:ln w="28575">
-            <a:solidFill>
-              <a:srgbClr val="00B0F0"/>
-            </a:solidFill>
-          </a:ln>
-        </p:spPr>
-        <p:style>
-          <a:lnRef idx="2">
-            <a:schemeClr val="accent4"/>
-          </a:lnRef>
-          <a:fillRef idx="0">
-            <a:schemeClr val="accent4"/>
-          </a:fillRef>
-          <a:effectRef idx="1">
-            <a:schemeClr val="accent4"/>
-          </a:effectRef>
-          <a:fontRef idx="minor">
-            <a:schemeClr val="tx1"/>
-          </a:fontRef>
-        </p:style>
-      </p:cxnSp>
       <p:pic>
         <p:nvPicPr>
-          <p:cNvPr id="22" name="Graphic 21" descr="Document outline">
-            <a:extLst>
-              <a:ext uri="{FF2B5EF4-FFF2-40B4-BE49-F238E27FC236}">
-                <a16:creationId xmlns:a16="http://schemas.microsoft.com/office/drawing/2014/main" id="{BA7B9965-6203-C5BC-2106-9164C3F01D7A}"/>
+          <p:cNvPr id="6" name="Picture 5">
+            <a:extLst>
+              <a:ext uri="{FF2B5EF4-FFF2-40B4-BE49-F238E27FC236}">
+                <a16:creationId xmlns:a16="http://schemas.microsoft.com/office/drawing/2014/main" id="{027542B6-529E-56F6-4D90-E5A27DEFE647}"/>
               </a:ext>
             </a:extLst>
           </p:cNvPr>
@@ -13985,391 +15745,25 @@
           <p:nvPr/>
         </p:nvPicPr>
         <p:blipFill>
-          <a:blip r:embed="rId2">
-            <a:extLst>
-              <a:ext uri="{28A0092B-C50C-407E-A947-70E740481C1C}">
-                <a14:useLocalDpi xmlns:a14="http://schemas.microsoft.com/office/drawing/2010/main" val="0"/>
-              </a:ext>
-              <a:ext uri="{96DAC541-7B7A-43D3-8B79-37D633B846F1}">
-                <asvg:svgBlip xmlns:asvg="http://schemas.microsoft.com/office/drawing/2016/SVG/main" r:embed="rId3"/>
-              </a:ext>
-            </a:extLst>
-          </a:blip>
+          <a:blip r:embed="rId2"/>
           <a:stretch>
             <a:fillRect/>
           </a:stretch>
         </p:blipFill>
         <p:spPr>
           <a:xfrm>
-            <a:off x="1316780" y="4797505"/>
-            <a:ext cx="914400" cy="914400"/>
+            <a:off x="0" y="684245"/>
+            <a:ext cx="12192000" cy="5489510"/>
           </a:xfrm>
           <a:prstGeom prst="rect">
             <a:avLst/>
           </a:prstGeom>
         </p:spPr>
       </p:pic>
-      <p:sp>
-        <p:nvSpPr>
-          <p:cNvPr id="24" name="TextBox 23">
-            <a:extLst>
-              <a:ext uri="{FF2B5EF4-FFF2-40B4-BE49-F238E27FC236}">
-                <a16:creationId xmlns:a16="http://schemas.microsoft.com/office/drawing/2014/main" id="{21020DD0-E2B5-96A6-D24E-44A03EC4BA76}"/>
-              </a:ext>
-            </a:extLst>
-          </p:cNvPr>
-          <p:cNvSpPr txBox="1"/>
-          <p:nvPr/>
-        </p:nvSpPr>
-        <p:spPr>
-          <a:xfrm>
-            <a:off x="1082114" y="5833606"/>
-            <a:ext cx="2403377" cy="923330"/>
-          </a:xfrm>
-          <a:prstGeom prst="rect">
-            <a:avLst/>
-          </a:prstGeom>
-          <a:noFill/>
-        </p:spPr>
-        <p:txBody>
-          <a:bodyPr wrap="square" rtlCol="0">
-            <a:spAutoFit/>
-          </a:bodyPr>
-          <a:lstStyle/>
-          <a:p>
-            <a:r>
-              <a:rPr lang="en-US" dirty="0">
-                <a:solidFill>
-                  <a:schemeClr val="bg1"/>
-                </a:solidFill>
-              </a:rPr>
-              <a:t>Source code</a:t>
-            </a:r>
-          </a:p>
-          <a:p>
-            <a:r>
-              <a:rPr lang="en-US" dirty="0">
-                <a:solidFill>
-                  <a:schemeClr val="bg1"/>
-                </a:solidFill>
-              </a:rPr>
-              <a:t>*.</a:t>
-            </a:r>
-            <a:r>
-              <a:rPr lang="en-US" dirty="0" err="1">
-                <a:solidFill>
-                  <a:schemeClr val="bg1"/>
-                </a:solidFill>
-              </a:rPr>
-              <a:t>rs</a:t>
-            </a:r>
-            <a:endParaRPr lang="en-US" dirty="0">
-              <a:solidFill>
-                <a:schemeClr val="bg1"/>
-              </a:solidFill>
-            </a:endParaRPr>
-          </a:p>
-          <a:p>
-            <a:endParaRPr lang="en-NL" dirty="0"/>
-          </a:p>
-        </p:txBody>
-      </p:sp>
-      <p:sp>
-        <p:nvSpPr>
-          <p:cNvPr id="25" name="Oval 24">
-            <a:extLst>
-              <a:ext uri="{FF2B5EF4-FFF2-40B4-BE49-F238E27FC236}">
-                <a16:creationId xmlns:a16="http://schemas.microsoft.com/office/drawing/2014/main" id="{6A4382F7-B71B-2A76-45EA-64FE576AB48D}"/>
-              </a:ext>
-            </a:extLst>
-          </p:cNvPr>
-          <p:cNvSpPr/>
-          <p:nvPr/>
-        </p:nvSpPr>
-        <p:spPr>
-          <a:xfrm>
-            <a:off x="4170030" y="4797505"/>
-            <a:ext cx="2624789" cy="973605"/>
-          </a:xfrm>
-          <a:prstGeom prst="ellipse">
-            <a:avLst/>
-          </a:prstGeom>
-        </p:spPr>
-        <p:style>
-          <a:lnRef idx="2">
-            <a:schemeClr val="accent2">
-              <a:shade val="15000"/>
-            </a:schemeClr>
-          </a:lnRef>
-          <a:fillRef idx="1">
-            <a:schemeClr val="accent2"/>
-          </a:fillRef>
-          <a:effectRef idx="0">
-            <a:schemeClr val="accent2"/>
-          </a:effectRef>
-          <a:fontRef idx="minor">
-            <a:schemeClr val="lt1"/>
-          </a:fontRef>
-        </p:style>
-        <p:txBody>
-          <a:bodyPr rtlCol="0" anchor="ctr"/>
-          <a:lstStyle/>
-          <a:p>
-            <a:pPr algn="ctr"/>
-            <a:r>
-              <a:rPr lang="en-US" dirty="0"/>
-              <a:t>Compiler</a:t>
-            </a:r>
-            <a:endParaRPr lang="en-NL" dirty="0"/>
-          </a:p>
-        </p:txBody>
-      </p:sp>
-      <p:pic>
-        <p:nvPicPr>
-          <p:cNvPr id="2050" name="Picture 2" descr="What Executable File Types are Commonly Used?">
-            <a:extLst>
-              <a:ext uri="{FF2B5EF4-FFF2-40B4-BE49-F238E27FC236}">
-                <a16:creationId xmlns:a16="http://schemas.microsoft.com/office/drawing/2014/main" id="{BD7C95E6-1D88-7A12-2BBB-0B464F629106}"/>
-              </a:ext>
-            </a:extLst>
-          </p:cNvPr>
-          <p:cNvPicPr>
-            <a:picLocks noChangeAspect="1" noChangeArrowheads="1"/>
-          </p:cNvPicPr>
-          <p:nvPr/>
-        </p:nvPicPr>
-        <p:blipFill>
-          <a:blip r:embed="rId4">
-            <a:extLst>
-              <a:ext uri="{28A0092B-C50C-407E-A947-70E740481C1C}">
-                <a14:useLocalDpi xmlns:a14="http://schemas.microsoft.com/office/drawing/2010/main" val="0"/>
-              </a:ext>
-            </a:extLst>
-          </a:blip>
-          <a:srcRect/>
-          <a:stretch>
-            <a:fillRect/>
-          </a:stretch>
-        </p:blipFill>
-        <p:spPr bwMode="auto">
-          <a:xfrm>
-            <a:off x="8216059" y="4675804"/>
-            <a:ext cx="1303441" cy="1303441"/>
-          </a:xfrm>
-          <a:prstGeom prst="rect">
-            <a:avLst/>
-          </a:prstGeom>
-          <a:noFill/>
-          <a:extLst>
-            <a:ext uri="{909E8E84-426E-40DD-AFC4-6F175D3DCCD1}">
-              <a14:hiddenFill xmlns:a14="http://schemas.microsoft.com/office/drawing/2010/main">
-                <a:solidFill>
-                  <a:srgbClr val="FFFFFF"/>
-                </a:solidFill>
-              </a14:hiddenFill>
-            </a:ext>
-          </a:extLst>
-        </p:spPr>
-      </p:pic>
-      <p:sp>
-        <p:nvSpPr>
-          <p:cNvPr id="28" name="Arrow: Right 27">
-            <a:extLst>
-              <a:ext uri="{FF2B5EF4-FFF2-40B4-BE49-F238E27FC236}">
-                <a16:creationId xmlns:a16="http://schemas.microsoft.com/office/drawing/2014/main" id="{F0386E80-C525-292C-FA56-915334A7A49F}"/>
-              </a:ext>
-            </a:extLst>
-          </p:cNvPr>
-          <p:cNvSpPr/>
-          <p:nvPr/>
-        </p:nvSpPr>
-        <p:spPr>
-          <a:xfrm>
-            <a:off x="2753205" y="5149370"/>
-            <a:ext cx="888086" cy="333661"/>
-          </a:xfrm>
-          <a:prstGeom prst="rightArrow">
-            <a:avLst/>
-          </a:prstGeom>
-          <a:solidFill>
-            <a:schemeClr val="accent1">
-              <a:lumMod val="40000"/>
-              <a:lumOff val="60000"/>
-            </a:schemeClr>
-          </a:solidFill>
-        </p:spPr>
-        <p:style>
-          <a:lnRef idx="2">
-            <a:schemeClr val="accent1">
-              <a:shade val="15000"/>
-            </a:schemeClr>
-          </a:lnRef>
-          <a:fillRef idx="1">
-            <a:schemeClr val="accent1"/>
-          </a:fillRef>
-          <a:effectRef idx="0">
-            <a:schemeClr val="accent1"/>
-          </a:effectRef>
-          <a:fontRef idx="minor">
-            <a:schemeClr val="lt1"/>
-          </a:fontRef>
-        </p:style>
-        <p:txBody>
-          <a:bodyPr rtlCol="0" anchor="ctr"/>
-          <a:lstStyle/>
-          <a:p>
-            <a:pPr algn="ctr"/>
-            <a:endParaRPr lang="en-NL"/>
-          </a:p>
-        </p:txBody>
-      </p:sp>
-      <p:sp>
-        <p:nvSpPr>
-          <p:cNvPr id="29" name="Arrow: Right 28">
-            <a:extLst>
-              <a:ext uri="{FF2B5EF4-FFF2-40B4-BE49-F238E27FC236}">
-                <a16:creationId xmlns:a16="http://schemas.microsoft.com/office/drawing/2014/main" id="{E4F7E86A-FB7D-D724-337A-3488D8D80127}"/>
-              </a:ext>
-            </a:extLst>
-          </p:cNvPr>
-          <p:cNvSpPr/>
-          <p:nvPr/>
-        </p:nvSpPr>
-        <p:spPr>
-          <a:xfrm>
-            <a:off x="7098719" y="5149370"/>
-            <a:ext cx="888086" cy="333661"/>
-          </a:xfrm>
-          <a:prstGeom prst="rightArrow">
-            <a:avLst/>
-          </a:prstGeom>
-          <a:solidFill>
-            <a:schemeClr val="accent1">
-              <a:lumMod val="40000"/>
-              <a:lumOff val="60000"/>
-            </a:schemeClr>
-          </a:solidFill>
-        </p:spPr>
-        <p:style>
-          <a:lnRef idx="2">
-            <a:schemeClr val="accent1">
-              <a:shade val="15000"/>
-            </a:schemeClr>
-          </a:lnRef>
-          <a:fillRef idx="1">
-            <a:schemeClr val="accent1"/>
-          </a:fillRef>
-          <a:effectRef idx="0">
-            <a:schemeClr val="accent1"/>
-          </a:effectRef>
-          <a:fontRef idx="minor">
-            <a:schemeClr val="lt1"/>
-          </a:fontRef>
-        </p:style>
-        <p:txBody>
-          <a:bodyPr rtlCol="0" anchor="ctr"/>
-          <a:lstStyle/>
-          <a:p>
-            <a:pPr algn="ctr"/>
-            <a:endParaRPr lang="en-NL"/>
-          </a:p>
-        </p:txBody>
-      </p:sp>
-      <p:sp>
-        <p:nvSpPr>
-          <p:cNvPr id="30" name="TextBox 29">
-            <a:extLst>
-              <a:ext uri="{FF2B5EF4-FFF2-40B4-BE49-F238E27FC236}">
-                <a16:creationId xmlns:a16="http://schemas.microsoft.com/office/drawing/2014/main" id="{C3016350-D518-E9F1-ADA3-32F73987F328}"/>
-              </a:ext>
-            </a:extLst>
-          </p:cNvPr>
-          <p:cNvSpPr txBox="1"/>
-          <p:nvPr/>
-        </p:nvSpPr>
-        <p:spPr>
-          <a:xfrm>
-            <a:off x="8216059" y="5985549"/>
-            <a:ext cx="2403377" cy="923330"/>
-          </a:xfrm>
-          <a:prstGeom prst="rect">
-            <a:avLst/>
-          </a:prstGeom>
-          <a:noFill/>
-        </p:spPr>
-        <p:txBody>
-          <a:bodyPr wrap="square" rtlCol="0">
-            <a:spAutoFit/>
-          </a:bodyPr>
-          <a:lstStyle/>
-          <a:p>
-            <a:r>
-              <a:rPr lang="en-US" dirty="0">
-                <a:solidFill>
-                  <a:schemeClr val="bg1"/>
-                </a:solidFill>
-              </a:rPr>
-              <a:t>Machine code</a:t>
-            </a:r>
-          </a:p>
-          <a:p>
-            <a:r>
-              <a:rPr lang="en-US" dirty="0">
-                <a:solidFill>
-                  <a:schemeClr val="bg1"/>
-                </a:solidFill>
-              </a:rPr>
-              <a:t>(*.exe, ELF)</a:t>
-            </a:r>
-          </a:p>
-          <a:p>
-            <a:endParaRPr lang="en-NL" dirty="0"/>
-          </a:p>
-        </p:txBody>
-      </p:sp>
-      <p:sp>
-        <p:nvSpPr>
-          <p:cNvPr id="31" name="TextBox 30">
-            <a:extLst>
-              <a:ext uri="{FF2B5EF4-FFF2-40B4-BE49-F238E27FC236}">
-                <a16:creationId xmlns:a16="http://schemas.microsoft.com/office/drawing/2014/main" id="{B991F23E-7A40-D0BF-07D4-53CC47578695}"/>
-              </a:ext>
-            </a:extLst>
-          </p:cNvPr>
-          <p:cNvSpPr txBox="1"/>
-          <p:nvPr/>
-        </p:nvSpPr>
-        <p:spPr>
-          <a:xfrm>
-            <a:off x="4524343" y="5894685"/>
-            <a:ext cx="2403377" cy="369332"/>
-          </a:xfrm>
-          <a:prstGeom prst="rect">
-            <a:avLst/>
-          </a:prstGeom>
-          <a:noFill/>
-        </p:spPr>
-        <p:txBody>
-          <a:bodyPr wrap="square" rtlCol="0">
-            <a:spAutoFit/>
-          </a:bodyPr>
-          <a:lstStyle/>
-          <a:p>
-            <a:r>
-              <a:rPr lang="en-US" dirty="0">
-                <a:solidFill>
-                  <a:schemeClr val="bg1"/>
-                </a:solidFill>
-              </a:rPr>
-              <a:t>Checks &amp; optimization</a:t>
-            </a:r>
-          </a:p>
-        </p:txBody>
-      </p:sp>
     </p:spTree>
     <p:extLst>
       <p:ext uri="{BB962C8B-B14F-4D97-AF65-F5344CB8AC3E}">
-        <p14:creationId xmlns:p14="http://schemas.microsoft.com/office/powerpoint/2010/main" val="703031044"/>
+        <p14:creationId xmlns:p14="http://schemas.microsoft.com/office/powerpoint/2010/main" val="3400400658"/>
       </p:ext>
     </p:extLst>
   </p:cSld>
@@ -14418,9 +15812,64 @@
           <a:lstStyle/>
           <a:p>
             <a:r>
-              <a:rPr lang="en-US"/>
+              <a:rPr lang="en-US" dirty="0"/>
               <a:t>Macros</a:t>
             </a:r>
+            <a:endParaRPr lang="en-NL" dirty="0"/>
+          </a:p>
+        </p:txBody>
+      </p:sp>
+      <p:sp>
+        <p:nvSpPr>
+          <p:cNvPr id="3" name="Content Placeholder 2">
+            <a:extLst>
+              <a:ext uri="{FF2B5EF4-FFF2-40B4-BE49-F238E27FC236}">
+                <a16:creationId xmlns:a16="http://schemas.microsoft.com/office/drawing/2014/main" id="{6102D2A7-31DA-CF6E-C8DA-4D5B4B152EAB}"/>
+              </a:ext>
+            </a:extLst>
+          </p:cNvPr>
+          <p:cNvSpPr>
+            <a:spLocks noGrp="1"/>
+          </p:cNvSpPr>
+          <p:nvPr>
+            <p:ph idx="1"/>
+          </p:nvPr>
+        </p:nvSpPr>
+        <p:spPr/>
+        <p:txBody>
+          <a:bodyPr/>
+          <a:lstStyle/>
+          <a:p>
+            <a:r>
+              <a:rPr lang="en-US" dirty="0"/>
+              <a:t>Expand into other code at compile time</a:t>
+            </a:r>
+          </a:p>
+          <a:p>
+            <a:r>
+              <a:rPr lang="en-US" dirty="0"/>
+              <a:t>More flexible than functions</a:t>
+            </a:r>
+          </a:p>
+          <a:p>
+            <a:r>
+              <a:rPr lang="en-US" dirty="0"/>
+              <a:t>Some are used as “decorators”</a:t>
+            </a:r>
+          </a:p>
+          <a:p>
+            <a:pPr marL="0" indent="0">
+              <a:buNone/>
+            </a:pPr>
+            <a:endParaRPr lang="en-US" dirty="0"/>
+          </a:p>
+          <a:p>
+            <a:pPr marL="0" indent="0">
+              <a:buNone/>
+            </a:pPr>
+            <a:endParaRPr lang="en-US" dirty="0"/>
+          </a:p>
+          <a:p>
             <a:endParaRPr lang="en-NL" dirty="0"/>
           </a:p>
         </p:txBody>
@@ -14450,6 +15899,95 @@
               <a:rPr lang="en-NL" smtClean="0"/>
               <a:pPr/>
               <a:t>30</a:t>
+            </a:fld>
+            <a:endParaRPr lang="en-NL" dirty="0"/>
+          </a:p>
+        </p:txBody>
+      </p:sp>
+    </p:spTree>
+    <p:extLst>
+      <p:ext uri="{BB962C8B-B14F-4D97-AF65-F5344CB8AC3E}">
+        <p14:creationId xmlns:p14="http://schemas.microsoft.com/office/powerpoint/2010/main" val="3886623469"/>
+      </p:ext>
+    </p:extLst>
+  </p:cSld>
+  <p:clrMapOvr>
+    <a:masterClrMapping/>
+  </p:clrMapOvr>
+</p:sld>
+</file>
+
+<file path=ppt/slides/slide31.xml><?xml version="1.0" encoding="utf-8"?>
+<p:sld xmlns:a="http://schemas.openxmlformats.org/drawingml/2006/main" xmlns:r="http://schemas.openxmlformats.org/officeDocument/2006/relationships" xmlns:p="http://schemas.openxmlformats.org/presentationml/2006/main">
+  <p:cSld>
+    <p:spTree>
+      <p:nvGrpSpPr>
+        <p:cNvPr id="1" name=""/>
+        <p:cNvGrpSpPr/>
+        <p:nvPr/>
+      </p:nvGrpSpPr>
+      <p:grpSpPr>
+        <a:xfrm>
+          <a:off x="0" y="0"/>
+          <a:ext cx="0" cy="0"/>
+          <a:chOff x="0" y="0"/>
+          <a:chExt cx="0" cy="0"/>
+        </a:xfrm>
+      </p:grpSpPr>
+      <p:sp>
+        <p:nvSpPr>
+          <p:cNvPr id="2" name="Title 1">
+            <a:extLst>
+              <a:ext uri="{FF2B5EF4-FFF2-40B4-BE49-F238E27FC236}">
+                <a16:creationId xmlns:a16="http://schemas.microsoft.com/office/drawing/2014/main" id="{FA3A9B42-F4A7-C8C2-C202-B1C1F71A2CF2}"/>
+              </a:ext>
+            </a:extLst>
+          </p:cNvPr>
+          <p:cNvSpPr>
+            <a:spLocks noGrp="1"/>
+          </p:cNvSpPr>
+          <p:nvPr>
+            <p:ph type="title"/>
+          </p:nvPr>
+        </p:nvSpPr>
+        <p:spPr/>
+        <p:txBody>
+          <a:bodyPr/>
+          <a:lstStyle/>
+          <a:p>
+            <a:r>
+              <a:rPr lang="en-US"/>
+              <a:t>Macros</a:t>
+            </a:r>
+            <a:endParaRPr lang="en-NL" dirty="0"/>
+          </a:p>
+        </p:txBody>
+      </p:sp>
+      <p:sp>
+        <p:nvSpPr>
+          <p:cNvPr id="4" name="Slide Number Placeholder 3">
+            <a:extLst>
+              <a:ext uri="{FF2B5EF4-FFF2-40B4-BE49-F238E27FC236}">
+                <a16:creationId xmlns:a16="http://schemas.microsoft.com/office/drawing/2014/main" id="{0DCBF3C8-436A-2714-8AE1-E98447AA28B3}"/>
+              </a:ext>
+            </a:extLst>
+          </p:cNvPr>
+          <p:cNvSpPr>
+            <a:spLocks noGrp="1"/>
+          </p:cNvSpPr>
+          <p:nvPr>
+            <p:ph type="sldNum" sz="quarter" idx="12"/>
+          </p:nvPr>
+        </p:nvSpPr>
+        <p:spPr/>
+        <p:txBody>
+          <a:bodyPr/>
+          <a:lstStyle/>
+          <a:p>
+            <a:fld id="{D1A528A5-A992-41B6-920C-B96B44AAC27A}" type="slidenum">
+              <a:rPr lang="en-NL" smtClean="0"/>
+              <a:pPr/>
+              <a:t>31</a:t>
             </a:fld>
             <a:endParaRPr lang="en-NL" dirty="0"/>
           </a:p>
@@ -14796,7 +16334,7 @@
 </p:sld>
 </file>
 
-<file path=ppt/slides/slide31.xml><?xml version="1.0" encoding="utf-8"?>
+<file path=ppt/slides/slide32.xml><?xml version="1.0" encoding="utf-8"?>
 <p:sld xmlns:a="http://schemas.openxmlformats.org/drawingml/2006/main" xmlns:r="http://schemas.openxmlformats.org/officeDocument/2006/relationships" xmlns:p="http://schemas.openxmlformats.org/presentationml/2006/main">
   <p:cSld>
     <p:spTree>
@@ -14866,7 +16404,7 @@
             <a:fld id="{D1A528A5-A992-41B6-920C-B96B44AAC27A}" type="slidenum">
               <a:rPr lang="en-NL" smtClean="0"/>
               <a:pPr/>
-              <a:t>31</a:t>
+              <a:t>32</a:t>
             </a:fld>
             <a:endParaRPr lang="en-NL" dirty="0"/>
           </a:p>
@@ -14951,7 +16489,7 @@
 </p:sld>
 </file>
 
-<file path=ppt/slides/slide32.xml><?xml version="1.0" encoding="utf-8"?>
+<file path=ppt/slides/slide33.xml><?xml version="1.0" encoding="utf-8"?>
 <p:sld xmlns:a="http://schemas.openxmlformats.org/drawingml/2006/main" xmlns:r="http://schemas.openxmlformats.org/officeDocument/2006/relationships" xmlns:p="http://schemas.openxmlformats.org/presentationml/2006/main">
   <p:cSld>
     <p:spTree>
@@ -15055,7 +16593,7 @@
             <a:fld id="{D1A528A5-A992-41B6-920C-B96B44AAC27A}" type="slidenum">
               <a:rPr lang="en-NL" smtClean="0"/>
               <a:pPr/>
-              <a:t>32</a:t>
+              <a:t>33</a:t>
             </a:fld>
             <a:endParaRPr lang="en-NL" dirty="0"/>
           </a:p>
@@ -15104,7 +16642,7 @@
 </p:sld>
 </file>
 
-<file path=ppt/slides/slide33.xml><?xml version="1.0" encoding="utf-8"?>
+<file path=ppt/slides/slide34.xml><?xml version="1.0" encoding="utf-8"?>
 <p:sld xmlns:a="http://schemas.openxmlformats.org/drawingml/2006/main" xmlns:r="http://schemas.openxmlformats.org/officeDocument/2006/relationships" xmlns:p="http://schemas.openxmlformats.org/presentationml/2006/main">
   <p:cSld>
     <p:spTree>
@@ -15174,7 +16712,7 @@
             <a:fld id="{D1A528A5-A992-41B6-920C-B96B44AAC27A}" type="slidenum">
               <a:rPr lang="en-NL" smtClean="0"/>
               <a:pPr/>
-              <a:t>33</a:t>
+              <a:t>34</a:t>
             </a:fld>
             <a:endParaRPr lang="en-NL" dirty="0"/>
           </a:p>
@@ -15368,195 +16906,6 @@
     <p:extLst>
       <p:ext uri="{BB962C8B-B14F-4D97-AF65-F5344CB8AC3E}">
         <p14:creationId xmlns:p14="http://schemas.microsoft.com/office/powerpoint/2010/main" val="1083166638"/>
-      </p:ext>
-    </p:extLst>
-  </p:cSld>
-  <p:clrMapOvr>
-    <a:masterClrMapping/>
-  </p:clrMapOvr>
-</p:sld>
-</file>
-
-<file path=ppt/slides/slide34.xml><?xml version="1.0" encoding="utf-8"?>
-<p:sld xmlns:a="http://schemas.openxmlformats.org/drawingml/2006/main" xmlns:r="http://schemas.openxmlformats.org/officeDocument/2006/relationships" xmlns:p="http://schemas.openxmlformats.org/presentationml/2006/main">
-  <p:cSld>
-    <p:spTree>
-      <p:nvGrpSpPr>
-        <p:cNvPr id="1" name=""/>
-        <p:cNvGrpSpPr/>
-        <p:nvPr/>
-      </p:nvGrpSpPr>
-      <p:grpSpPr>
-        <a:xfrm>
-          <a:off x="0" y="0"/>
-          <a:ext cx="0" cy="0"/>
-          <a:chOff x="0" y="0"/>
-          <a:chExt cx="0" cy="0"/>
-        </a:xfrm>
-      </p:grpSpPr>
-      <p:sp>
-        <p:nvSpPr>
-          <p:cNvPr id="2" name="Title 1">
-            <a:extLst>
-              <a:ext uri="{FF2B5EF4-FFF2-40B4-BE49-F238E27FC236}">
-                <a16:creationId xmlns:a16="http://schemas.microsoft.com/office/drawing/2014/main" id="{8CE870F2-CA07-FB20-9755-1598FD4BA429}"/>
-              </a:ext>
-            </a:extLst>
-          </p:cNvPr>
-          <p:cNvSpPr>
-            <a:spLocks noGrp="1"/>
-          </p:cNvSpPr>
-          <p:nvPr>
-            <p:ph type="title"/>
-          </p:nvPr>
-        </p:nvSpPr>
-        <p:spPr/>
-        <p:txBody>
-          <a:bodyPr/>
-          <a:lstStyle/>
-          <a:p>
-            <a:r>
-              <a:rPr lang="en-US" dirty="0"/>
-              <a:t>Vector iteration</a:t>
-            </a:r>
-            <a:endParaRPr lang="en-NL" dirty="0"/>
-          </a:p>
-        </p:txBody>
-      </p:sp>
-      <p:sp>
-        <p:nvSpPr>
-          <p:cNvPr id="4" name="Slide Number Placeholder 3">
-            <a:extLst>
-              <a:ext uri="{FF2B5EF4-FFF2-40B4-BE49-F238E27FC236}">
-                <a16:creationId xmlns:a16="http://schemas.microsoft.com/office/drawing/2014/main" id="{07284068-E5F9-65A6-3704-FBCC142C93D3}"/>
-              </a:ext>
-            </a:extLst>
-          </p:cNvPr>
-          <p:cNvSpPr>
-            <a:spLocks noGrp="1"/>
-          </p:cNvSpPr>
-          <p:nvPr>
-            <p:ph type="sldNum" sz="quarter" idx="12"/>
-          </p:nvPr>
-        </p:nvSpPr>
-        <p:spPr/>
-        <p:txBody>
-          <a:bodyPr/>
-          <a:lstStyle/>
-          <a:p>
-            <a:fld id="{D1A528A5-A992-41B6-920C-B96B44AAC27A}" type="slidenum">
-              <a:rPr lang="en-NL" smtClean="0"/>
-              <a:pPr/>
-              <a:t>34</a:t>
-            </a:fld>
-            <a:endParaRPr lang="en-NL" dirty="0"/>
-          </a:p>
-        </p:txBody>
-      </p:sp>
-      <p:pic>
-        <p:nvPicPr>
-          <p:cNvPr id="11" name="Picture 10">
-            <a:extLst>
-              <a:ext uri="{FF2B5EF4-FFF2-40B4-BE49-F238E27FC236}">
-                <a16:creationId xmlns:a16="http://schemas.microsoft.com/office/drawing/2014/main" id="{B669F928-A2D5-0B17-1BDC-CD71A9E9746C}"/>
-              </a:ext>
-            </a:extLst>
-          </p:cNvPr>
-          <p:cNvPicPr>
-            <a:picLocks noChangeAspect="1"/>
-          </p:cNvPicPr>
-          <p:nvPr/>
-        </p:nvPicPr>
-        <p:blipFill>
-          <a:blip r:embed="rId2"/>
-          <a:stretch>
-            <a:fillRect/>
-          </a:stretch>
-        </p:blipFill>
-        <p:spPr>
-          <a:xfrm>
-            <a:off x="6096000" y="1825625"/>
-            <a:ext cx="4477375" cy="1295581"/>
-          </a:xfrm>
-          <a:prstGeom prst="rect">
-            <a:avLst/>
-          </a:prstGeom>
-        </p:spPr>
-      </p:pic>
-      <p:pic>
-        <p:nvPicPr>
-          <p:cNvPr id="5" name="Picture 4">
-            <a:extLst>
-              <a:ext uri="{FF2B5EF4-FFF2-40B4-BE49-F238E27FC236}">
-                <a16:creationId xmlns:a16="http://schemas.microsoft.com/office/drawing/2014/main" id="{980027DE-C69B-7BE6-7399-E0C9E8A929DB}"/>
-              </a:ext>
-            </a:extLst>
-          </p:cNvPr>
-          <p:cNvPicPr>
-            <a:picLocks noChangeAspect="1"/>
-          </p:cNvPicPr>
-          <p:nvPr/>
-        </p:nvPicPr>
-        <p:blipFill>
-          <a:blip r:embed="rId3"/>
-          <a:stretch>
-            <a:fillRect/>
-          </a:stretch>
-        </p:blipFill>
-        <p:spPr>
-          <a:xfrm>
-            <a:off x="803031" y="3657824"/>
-            <a:ext cx="10200341" cy="2168072"/>
-          </a:xfrm>
-          <a:prstGeom prst="rect">
-            <a:avLst/>
-          </a:prstGeom>
-        </p:spPr>
-      </p:pic>
-      <p:sp>
-        <p:nvSpPr>
-          <p:cNvPr id="7" name="Content Placeholder 2">
-            <a:extLst>
-              <a:ext uri="{FF2B5EF4-FFF2-40B4-BE49-F238E27FC236}">
-                <a16:creationId xmlns:a16="http://schemas.microsoft.com/office/drawing/2014/main" id="{3B964994-4DD6-5B9D-3675-BAD20612550C}"/>
-              </a:ext>
-            </a:extLst>
-          </p:cNvPr>
-          <p:cNvSpPr>
-            <a:spLocks noGrp="1"/>
-          </p:cNvSpPr>
-          <p:nvPr>
-            <p:ph idx="1"/>
-          </p:nvPr>
-        </p:nvSpPr>
-        <p:spPr>
-          <a:xfrm>
-            <a:off x="838200" y="1825625"/>
-            <a:ext cx="4815348" cy="1524244"/>
-          </a:xfrm>
-        </p:spPr>
-        <p:txBody>
-          <a:bodyPr/>
-          <a:lstStyle/>
-          <a:p>
-            <a:r>
-              <a:rPr lang="en-US" dirty="0"/>
-              <a:t>Iterate with for loop</a:t>
-            </a:r>
-          </a:p>
-          <a:p>
-            <a:r>
-              <a:rPr lang="en-US" dirty="0"/>
-              <a:t>Or turn a vector into an iterator</a:t>
-            </a:r>
-            <a:endParaRPr lang="en-NL" dirty="0"/>
-          </a:p>
-        </p:txBody>
-      </p:sp>
-    </p:spTree>
-    <p:extLst>
-      <p:ext uri="{BB962C8B-B14F-4D97-AF65-F5344CB8AC3E}">
-        <p14:creationId xmlns:p14="http://schemas.microsoft.com/office/powerpoint/2010/main" val="1038172017"/>
       </p:ext>
     </p:extLst>
   </p:cSld>
@@ -15588,7 +16937,7 @@
           <p:cNvPr id="2" name="Title 1">
             <a:extLst>
               <a:ext uri="{FF2B5EF4-FFF2-40B4-BE49-F238E27FC236}">
-                <a16:creationId xmlns:a16="http://schemas.microsoft.com/office/drawing/2014/main" id="{74881CE1-73C8-E1F4-9037-4DC59F1EC9A9}"/>
+                <a16:creationId xmlns:a16="http://schemas.microsoft.com/office/drawing/2014/main" id="{8CE870F2-CA07-FB20-9755-1598FD4BA429}"/>
               </a:ext>
             </a:extLst>
           </p:cNvPr>
@@ -15606,7 +16955,7 @@
           <a:p>
             <a:r>
               <a:rPr lang="en-US" dirty="0"/>
-              <a:t>Errors</a:t>
+              <a:t>Vector iteration</a:t>
             </a:r>
             <a:endParaRPr lang="en-NL" dirty="0"/>
           </a:p>
@@ -15617,7 +16966,7 @@
           <p:cNvPr id="4" name="Slide Number Placeholder 3">
             <a:extLst>
               <a:ext uri="{FF2B5EF4-FFF2-40B4-BE49-F238E27FC236}">
-                <a16:creationId xmlns:a16="http://schemas.microsoft.com/office/drawing/2014/main" id="{1A0EB00A-4012-FAD5-94F0-824F0868900B}"/>
+                <a16:creationId xmlns:a16="http://schemas.microsoft.com/office/drawing/2014/main" id="{07284068-E5F9-65A6-3704-FBCC142C93D3}"/>
               </a:ext>
             </a:extLst>
           </p:cNvPr>
@@ -15637,6 +16986,195 @@
               <a:rPr lang="en-NL" smtClean="0"/>
               <a:pPr/>
               <a:t>35</a:t>
+            </a:fld>
+            <a:endParaRPr lang="en-NL" dirty="0"/>
+          </a:p>
+        </p:txBody>
+      </p:sp>
+      <p:pic>
+        <p:nvPicPr>
+          <p:cNvPr id="11" name="Picture 10">
+            <a:extLst>
+              <a:ext uri="{FF2B5EF4-FFF2-40B4-BE49-F238E27FC236}">
+                <a16:creationId xmlns:a16="http://schemas.microsoft.com/office/drawing/2014/main" id="{B669F928-A2D5-0B17-1BDC-CD71A9E9746C}"/>
+              </a:ext>
+            </a:extLst>
+          </p:cNvPr>
+          <p:cNvPicPr>
+            <a:picLocks noChangeAspect="1"/>
+          </p:cNvPicPr>
+          <p:nvPr/>
+        </p:nvPicPr>
+        <p:blipFill>
+          <a:blip r:embed="rId2"/>
+          <a:stretch>
+            <a:fillRect/>
+          </a:stretch>
+        </p:blipFill>
+        <p:spPr>
+          <a:xfrm>
+            <a:off x="6096000" y="1825625"/>
+            <a:ext cx="4477375" cy="1295581"/>
+          </a:xfrm>
+          <a:prstGeom prst="rect">
+            <a:avLst/>
+          </a:prstGeom>
+        </p:spPr>
+      </p:pic>
+      <p:pic>
+        <p:nvPicPr>
+          <p:cNvPr id="5" name="Picture 4">
+            <a:extLst>
+              <a:ext uri="{FF2B5EF4-FFF2-40B4-BE49-F238E27FC236}">
+                <a16:creationId xmlns:a16="http://schemas.microsoft.com/office/drawing/2014/main" id="{980027DE-C69B-7BE6-7399-E0C9E8A929DB}"/>
+              </a:ext>
+            </a:extLst>
+          </p:cNvPr>
+          <p:cNvPicPr>
+            <a:picLocks noChangeAspect="1"/>
+          </p:cNvPicPr>
+          <p:nvPr/>
+        </p:nvPicPr>
+        <p:blipFill>
+          <a:blip r:embed="rId3"/>
+          <a:stretch>
+            <a:fillRect/>
+          </a:stretch>
+        </p:blipFill>
+        <p:spPr>
+          <a:xfrm>
+            <a:off x="803031" y="3657824"/>
+            <a:ext cx="10200341" cy="2168072"/>
+          </a:xfrm>
+          <a:prstGeom prst="rect">
+            <a:avLst/>
+          </a:prstGeom>
+        </p:spPr>
+      </p:pic>
+      <p:sp>
+        <p:nvSpPr>
+          <p:cNvPr id="7" name="Content Placeholder 2">
+            <a:extLst>
+              <a:ext uri="{FF2B5EF4-FFF2-40B4-BE49-F238E27FC236}">
+                <a16:creationId xmlns:a16="http://schemas.microsoft.com/office/drawing/2014/main" id="{3B964994-4DD6-5B9D-3675-BAD20612550C}"/>
+              </a:ext>
+            </a:extLst>
+          </p:cNvPr>
+          <p:cNvSpPr>
+            <a:spLocks noGrp="1"/>
+          </p:cNvSpPr>
+          <p:nvPr>
+            <p:ph idx="1"/>
+          </p:nvPr>
+        </p:nvSpPr>
+        <p:spPr>
+          <a:xfrm>
+            <a:off x="838200" y="1825625"/>
+            <a:ext cx="4815348" cy="1524244"/>
+          </a:xfrm>
+        </p:spPr>
+        <p:txBody>
+          <a:bodyPr/>
+          <a:lstStyle/>
+          <a:p>
+            <a:r>
+              <a:rPr lang="en-US" dirty="0"/>
+              <a:t>Iterate with for loop</a:t>
+            </a:r>
+          </a:p>
+          <a:p>
+            <a:r>
+              <a:rPr lang="en-US" dirty="0"/>
+              <a:t>Or turn a vector into an iterator</a:t>
+            </a:r>
+            <a:endParaRPr lang="en-NL" dirty="0"/>
+          </a:p>
+        </p:txBody>
+      </p:sp>
+    </p:spTree>
+    <p:extLst>
+      <p:ext uri="{BB962C8B-B14F-4D97-AF65-F5344CB8AC3E}">
+        <p14:creationId xmlns:p14="http://schemas.microsoft.com/office/powerpoint/2010/main" val="1038172017"/>
+      </p:ext>
+    </p:extLst>
+  </p:cSld>
+  <p:clrMapOvr>
+    <a:masterClrMapping/>
+  </p:clrMapOvr>
+</p:sld>
+</file>
+
+<file path=ppt/slides/slide36.xml><?xml version="1.0" encoding="utf-8"?>
+<p:sld xmlns:a="http://schemas.openxmlformats.org/drawingml/2006/main" xmlns:r="http://schemas.openxmlformats.org/officeDocument/2006/relationships" xmlns:p="http://schemas.openxmlformats.org/presentationml/2006/main">
+  <p:cSld>
+    <p:spTree>
+      <p:nvGrpSpPr>
+        <p:cNvPr id="1" name=""/>
+        <p:cNvGrpSpPr/>
+        <p:nvPr/>
+      </p:nvGrpSpPr>
+      <p:grpSpPr>
+        <a:xfrm>
+          <a:off x="0" y="0"/>
+          <a:ext cx="0" cy="0"/>
+          <a:chOff x="0" y="0"/>
+          <a:chExt cx="0" cy="0"/>
+        </a:xfrm>
+      </p:grpSpPr>
+      <p:sp>
+        <p:nvSpPr>
+          <p:cNvPr id="2" name="Title 1">
+            <a:extLst>
+              <a:ext uri="{FF2B5EF4-FFF2-40B4-BE49-F238E27FC236}">
+                <a16:creationId xmlns:a16="http://schemas.microsoft.com/office/drawing/2014/main" id="{74881CE1-73C8-E1F4-9037-4DC59F1EC9A9}"/>
+              </a:ext>
+            </a:extLst>
+          </p:cNvPr>
+          <p:cNvSpPr>
+            <a:spLocks noGrp="1"/>
+          </p:cNvSpPr>
+          <p:nvPr>
+            <p:ph type="title"/>
+          </p:nvPr>
+        </p:nvSpPr>
+        <p:spPr/>
+        <p:txBody>
+          <a:bodyPr/>
+          <a:lstStyle/>
+          <a:p>
+            <a:r>
+              <a:rPr lang="en-US" dirty="0"/>
+              <a:t>Errors</a:t>
+            </a:r>
+            <a:endParaRPr lang="en-NL" dirty="0"/>
+          </a:p>
+        </p:txBody>
+      </p:sp>
+      <p:sp>
+        <p:nvSpPr>
+          <p:cNvPr id="4" name="Slide Number Placeholder 3">
+            <a:extLst>
+              <a:ext uri="{FF2B5EF4-FFF2-40B4-BE49-F238E27FC236}">
+                <a16:creationId xmlns:a16="http://schemas.microsoft.com/office/drawing/2014/main" id="{1A0EB00A-4012-FAD5-94F0-824F0868900B}"/>
+              </a:ext>
+            </a:extLst>
+          </p:cNvPr>
+          <p:cNvSpPr>
+            <a:spLocks noGrp="1"/>
+          </p:cNvSpPr>
+          <p:nvPr>
+            <p:ph type="sldNum" sz="quarter" idx="12"/>
+          </p:nvPr>
+        </p:nvSpPr>
+        <p:spPr/>
+        <p:txBody>
+          <a:bodyPr/>
+          <a:lstStyle/>
+          <a:p>
+            <a:fld id="{D1A528A5-A992-41B6-920C-B96B44AAC27A}" type="slidenum">
+              <a:rPr lang="en-NL" smtClean="0"/>
+              <a:pPr/>
+              <a:t>36</a:t>
             </a:fld>
             <a:endParaRPr lang="en-NL" dirty="0"/>
           </a:p>
@@ -16130,7 +17668,7 @@
 </p:sld>
 </file>
 
-<file path=ppt/slides/slide36.xml><?xml version="1.0" encoding="utf-8"?>
+<file path=ppt/slides/slide37.xml><?xml version="1.0" encoding="utf-8"?>
 <p:sld xmlns:a="http://schemas.openxmlformats.org/drawingml/2006/main" xmlns:r="http://schemas.openxmlformats.org/officeDocument/2006/relationships" xmlns:p="http://schemas.openxmlformats.org/presentationml/2006/main">
   <p:cSld>
     <p:spTree>
@@ -16237,7 +17775,7 @@
           <a:p>
             <a:fld id="{D1A528A5-A992-41B6-920C-B96B44AAC27A}" type="slidenum">
               <a:rPr lang="en-NL" smtClean="0"/>
-              <a:t>36</a:t>
+              <a:t>37</a:t>
             </a:fld>
             <a:endParaRPr lang="en-NL" dirty="0"/>
           </a:p>
@@ -16578,7 +18116,7 @@
 </p:sld>
 </file>
 
-<file path=ppt/slides/slide37.xml><?xml version="1.0" encoding="utf-8"?>
+<file path=ppt/slides/slide38.xml><?xml version="1.0" encoding="utf-8"?>
 <p:sld xmlns:a="http://schemas.openxmlformats.org/drawingml/2006/main" xmlns:r="http://schemas.openxmlformats.org/officeDocument/2006/relationships" xmlns:p="http://schemas.openxmlformats.org/presentationml/2006/main">
   <p:cSld>
     <p:spTree>
@@ -16872,7 +18410,7 @@
           <a:p>
             <a:fld id="{D1A528A5-A992-41B6-920C-B96B44AAC27A}" type="slidenum">
               <a:rPr lang="en-NL" smtClean="0"/>
-              <a:t>37</a:t>
+              <a:t>38</a:t>
             </a:fld>
             <a:endParaRPr lang="en-NL" dirty="0"/>
           </a:p>
@@ -16937,7 +18475,7 @@
 </p:sld>
 </file>
 
-<file path=ppt/slides/slide38.xml><?xml version="1.0" encoding="utf-8"?>
+<file path=ppt/slides/slide39.xml><?xml version="1.0" encoding="utf-8"?>
 <p:sld xmlns:a="http://schemas.openxmlformats.org/drawingml/2006/main" xmlns:r="http://schemas.openxmlformats.org/officeDocument/2006/relationships" xmlns:p="http://schemas.openxmlformats.org/presentationml/2006/main">
   <p:cSld>
     <p:spTree>
@@ -17014,7 +18552,7 @@
           <a:p>
             <a:fld id="{D1A528A5-A992-41B6-920C-B96B44AAC27A}" type="slidenum">
               <a:rPr lang="en-NL" smtClean="0"/>
-              <a:t>38</a:t>
+              <a:t>39</a:t>
             </a:fld>
             <a:endParaRPr lang="en-NL" dirty="0"/>
           </a:p>
@@ -17419,7 +18957,633 @@
 </p:sld>
 </file>
 
-<file path=ppt/slides/slide39.xml><?xml version="1.0" encoding="utf-8"?>
+<file path=ppt/slides/slide4.xml><?xml version="1.0" encoding="utf-8"?>
+<p:sld xmlns:a="http://schemas.openxmlformats.org/drawingml/2006/main" xmlns:r="http://schemas.openxmlformats.org/officeDocument/2006/relationships" xmlns:p="http://schemas.openxmlformats.org/presentationml/2006/main">
+  <p:cSld>
+    <p:spTree>
+      <p:nvGrpSpPr>
+        <p:cNvPr id="1" name=""/>
+        <p:cNvGrpSpPr/>
+        <p:nvPr/>
+      </p:nvGrpSpPr>
+      <p:grpSpPr>
+        <a:xfrm>
+          <a:off x="0" y="0"/>
+          <a:ext cx="0" cy="0"/>
+          <a:chOff x="0" y="0"/>
+          <a:chExt cx="0" cy="0"/>
+        </a:xfrm>
+      </p:grpSpPr>
+      <p:sp>
+        <p:nvSpPr>
+          <p:cNvPr id="23" name="Rectangle 22">
+            <a:extLst>
+              <a:ext uri="{FF2B5EF4-FFF2-40B4-BE49-F238E27FC236}">
+                <a16:creationId xmlns:a16="http://schemas.microsoft.com/office/drawing/2014/main" id="{620ADFAE-F1F8-1C25-DDC2-857541785DDF}"/>
+              </a:ext>
+            </a:extLst>
+          </p:cNvPr>
+          <p:cNvSpPr/>
+          <p:nvPr/>
+        </p:nvSpPr>
+        <p:spPr>
+          <a:xfrm>
+            <a:off x="1181861" y="4675804"/>
+            <a:ext cx="1184237" cy="1157802"/>
+          </a:xfrm>
+          <a:prstGeom prst="rect">
+            <a:avLst/>
+          </a:prstGeom>
+          <a:solidFill>
+            <a:srgbClr val="7EBD79"/>
+          </a:solidFill>
+          <a:ln>
+            <a:noFill/>
+          </a:ln>
+        </p:spPr>
+        <p:style>
+          <a:lnRef idx="2">
+            <a:schemeClr val="accent1">
+              <a:shade val="15000"/>
+            </a:schemeClr>
+          </a:lnRef>
+          <a:fillRef idx="1">
+            <a:schemeClr val="accent1"/>
+          </a:fillRef>
+          <a:effectRef idx="0">
+            <a:schemeClr val="accent1"/>
+          </a:effectRef>
+          <a:fontRef idx="minor">
+            <a:schemeClr val="lt1"/>
+          </a:fontRef>
+        </p:style>
+        <p:txBody>
+          <a:bodyPr rtlCol="0" anchor="ctr"/>
+          <a:lstStyle/>
+          <a:p>
+            <a:pPr algn="ctr"/>
+            <a:endParaRPr lang="en-NL"/>
+          </a:p>
+        </p:txBody>
+      </p:sp>
+      <p:sp>
+        <p:nvSpPr>
+          <p:cNvPr id="2" name="Title 1">
+            <a:extLst>
+              <a:ext uri="{FF2B5EF4-FFF2-40B4-BE49-F238E27FC236}">
+                <a16:creationId xmlns:a16="http://schemas.microsoft.com/office/drawing/2014/main" id="{91E8E0D5-DA21-8E15-E58F-28683325354E}"/>
+              </a:ext>
+            </a:extLst>
+          </p:cNvPr>
+          <p:cNvSpPr>
+            <a:spLocks noGrp="1"/>
+          </p:cNvSpPr>
+          <p:nvPr>
+            <p:ph type="title"/>
+          </p:nvPr>
+        </p:nvSpPr>
+        <p:spPr/>
+        <p:txBody>
+          <a:bodyPr/>
+          <a:lstStyle/>
+          <a:p>
+            <a:r>
+              <a:rPr lang="en-US"/>
+              <a:t>What is Rust?</a:t>
+            </a:r>
+            <a:endParaRPr lang="en-NL" dirty="0"/>
+          </a:p>
+        </p:txBody>
+      </p:sp>
+      <p:sp>
+        <p:nvSpPr>
+          <p:cNvPr id="3" name="Content Placeholder 2">
+            <a:extLst>
+              <a:ext uri="{FF2B5EF4-FFF2-40B4-BE49-F238E27FC236}">
+                <a16:creationId xmlns:a16="http://schemas.microsoft.com/office/drawing/2014/main" id="{1C6BF2A1-9493-169F-6D0A-2F785952ACB8}"/>
+              </a:ext>
+            </a:extLst>
+          </p:cNvPr>
+          <p:cNvSpPr>
+            <a:spLocks noGrp="1"/>
+          </p:cNvSpPr>
+          <p:nvPr>
+            <p:ph idx="1"/>
+          </p:nvPr>
+        </p:nvSpPr>
+        <p:spPr>
+          <a:xfrm>
+            <a:off x="838200" y="1825625"/>
+            <a:ext cx="6225648" cy="4351338"/>
+          </a:xfrm>
+        </p:spPr>
+        <p:txBody>
+          <a:bodyPr/>
+          <a:lstStyle/>
+          <a:p>
+            <a:r>
+              <a:rPr lang="en-US" dirty="0">
+                <a:solidFill>
+                  <a:schemeClr val="bg1"/>
+                </a:solidFill>
+              </a:rPr>
+              <a:t>A statically typed, compiled, memory safe language</a:t>
+            </a:r>
+          </a:p>
+          <a:p>
+            <a:r>
+              <a:rPr lang="en-US" dirty="0">
+                <a:solidFill>
+                  <a:schemeClr val="bg1"/>
+                </a:solidFill>
+              </a:rPr>
+              <a:t>No garbage collector</a:t>
+            </a:r>
+          </a:p>
+        </p:txBody>
+      </p:sp>
+      <p:sp>
+        <p:nvSpPr>
+          <p:cNvPr id="7" name="Slide Number Placeholder 6">
+            <a:extLst>
+              <a:ext uri="{FF2B5EF4-FFF2-40B4-BE49-F238E27FC236}">
+                <a16:creationId xmlns:a16="http://schemas.microsoft.com/office/drawing/2014/main" id="{1210F688-B2FB-BF51-0223-7B6A5886D184}"/>
+              </a:ext>
+            </a:extLst>
+          </p:cNvPr>
+          <p:cNvSpPr>
+            <a:spLocks noGrp="1"/>
+          </p:cNvSpPr>
+          <p:nvPr>
+            <p:ph type="sldNum" sz="quarter" idx="12"/>
+          </p:nvPr>
+        </p:nvSpPr>
+        <p:spPr/>
+        <p:txBody>
+          <a:bodyPr/>
+          <a:lstStyle/>
+          <a:p>
+            <a:fld id="{D1A528A5-A992-41B6-920C-B96B44AAC27A}" type="slidenum">
+              <a:rPr lang="en-NL" smtClean="0"/>
+              <a:t>4</a:t>
+            </a:fld>
+            <a:endParaRPr lang="en-NL" dirty="0"/>
+          </a:p>
+        </p:txBody>
+      </p:sp>
+      <p:cxnSp>
+        <p:nvCxnSpPr>
+          <p:cNvPr id="4" name="Straight Connector 3">
+            <a:extLst>
+              <a:ext uri="{FF2B5EF4-FFF2-40B4-BE49-F238E27FC236}">
+                <a16:creationId xmlns:a16="http://schemas.microsoft.com/office/drawing/2014/main" id="{BEBA0F93-A76A-01A9-9D52-B7FF6A21D6D5}"/>
+              </a:ext>
+            </a:extLst>
+          </p:cNvPr>
+          <p:cNvCxnSpPr>
+            <a:cxnSpLocks/>
+          </p:cNvCxnSpPr>
+          <p:nvPr/>
+        </p:nvCxnSpPr>
+        <p:spPr>
+          <a:xfrm>
+            <a:off x="924232" y="1425677"/>
+            <a:ext cx="3134651" cy="0"/>
+          </a:xfrm>
+          <a:prstGeom prst="line">
+            <a:avLst/>
+          </a:prstGeom>
+          <a:ln w="28575">
+            <a:solidFill>
+              <a:srgbClr val="00B0F0"/>
+            </a:solidFill>
+          </a:ln>
+        </p:spPr>
+        <p:style>
+          <a:lnRef idx="2">
+            <a:schemeClr val="accent4"/>
+          </a:lnRef>
+          <a:fillRef idx="0">
+            <a:schemeClr val="accent4"/>
+          </a:fillRef>
+          <a:effectRef idx="1">
+            <a:schemeClr val="accent4"/>
+          </a:effectRef>
+          <a:fontRef idx="minor">
+            <a:schemeClr val="tx1"/>
+          </a:fontRef>
+        </p:style>
+      </p:cxnSp>
+      <p:pic>
+        <p:nvPicPr>
+          <p:cNvPr id="22" name="Graphic 21" descr="Document outline">
+            <a:extLst>
+              <a:ext uri="{FF2B5EF4-FFF2-40B4-BE49-F238E27FC236}">
+                <a16:creationId xmlns:a16="http://schemas.microsoft.com/office/drawing/2014/main" id="{BA7B9965-6203-C5BC-2106-9164C3F01D7A}"/>
+              </a:ext>
+            </a:extLst>
+          </p:cNvPr>
+          <p:cNvPicPr>
+            <a:picLocks noChangeAspect="1"/>
+          </p:cNvPicPr>
+          <p:nvPr/>
+        </p:nvPicPr>
+        <p:blipFill>
+          <a:blip r:embed="rId3">
+            <a:extLst>
+              <a:ext uri="{28A0092B-C50C-407E-A947-70E740481C1C}">
+                <a14:useLocalDpi xmlns:a14="http://schemas.microsoft.com/office/drawing/2010/main" val="0"/>
+              </a:ext>
+              <a:ext uri="{96DAC541-7B7A-43D3-8B79-37D633B846F1}">
+                <asvg:svgBlip xmlns:asvg="http://schemas.microsoft.com/office/drawing/2016/SVG/main" r:embed="rId4"/>
+              </a:ext>
+            </a:extLst>
+          </a:blip>
+          <a:stretch>
+            <a:fillRect/>
+          </a:stretch>
+        </p:blipFill>
+        <p:spPr>
+          <a:xfrm>
+            <a:off x="1316780" y="4797505"/>
+            <a:ext cx="914400" cy="914400"/>
+          </a:xfrm>
+          <a:prstGeom prst="rect">
+            <a:avLst/>
+          </a:prstGeom>
+        </p:spPr>
+      </p:pic>
+      <p:sp>
+        <p:nvSpPr>
+          <p:cNvPr id="24" name="TextBox 23">
+            <a:extLst>
+              <a:ext uri="{FF2B5EF4-FFF2-40B4-BE49-F238E27FC236}">
+                <a16:creationId xmlns:a16="http://schemas.microsoft.com/office/drawing/2014/main" id="{21020DD0-E2B5-96A6-D24E-44A03EC4BA76}"/>
+              </a:ext>
+            </a:extLst>
+          </p:cNvPr>
+          <p:cNvSpPr txBox="1"/>
+          <p:nvPr/>
+        </p:nvSpPr>
+        <p:spPr>
+          <a:xfrm>
+            <a:off x="1082114" y="5833606"/>
+            <a:ext cx="2403377" cy="923330"/>
+          </a:xfrm>
+          <a:prstGeom prst="rect">
+            <a:avLst/>
+          </a:prstGeom>
+          <a:noFill/>
+        </p:spPr>
+        <p:txBody>
+          <a:bodyPr wrap="square" rtlCol="0">
+            <a:spAutoFit/>
+          </a:bodyPr>
+          <a:lstStyle/>
+          <a:p>
+            <a:r>
+              <a:rPr lang="en-US" dirty="0">
+                <a:solidFill>
+                  <a:schemeClr val="bg1"/>
+                </a:solidFill>
+              </a:rPr>
+              <a:t>Source code</a:t>
+            </a:r>
+          </a:p>
+          <a:p>
+            <a:r>
+              <a:rPr lang="en-US" dirty="0">
+                <a:solidFill>
+                  <a:schemeClr val="bg1"/>
+                </a:solidFill>
+              </a:rPr>
+              <a:t>*.</a:t>
+            </a:r>
+            <a:r>
+              <a:rPr lang="en-US" dirty="0" err="1">
+                <a:solidFill>
+                  <a:schemeClr val="bg1"/>
+                </a:solidFill>
+              </a:rPr>
+              <a:t>rs</a:t>
+            </a:r>
+            <a:endParaRPr lang="en-US" dirty="0">
+              <a:solidFill>
+                <a:schemeClr val="bg1"/>
+              </a:solidFill>
+            </a:endParaRPr>
+          </a:p>
+          <a:p>
+            <a:endParaRPr lang="en-NL" dirty="0"/>
+          </a:p>
+        </p:txBody>
+      </p:sp>
+      <p:sp>
+        <p:nvSpPr>
+          <p:cNvPr id="25" name="Oval 24">
+            <a:extLst>
+              <a:ext uri="{FF2B5EF4-FFF2-40B4-BE49-F238E27FC236}">
+                <a16:creationId xmlns:a16="http://schemas.microsoft.com/office/drawing/2014/main" id="{6A4382F7-B71B-2A76-45EA-64FE576AB48D}"/>
+              </a:ext>
+            </a:extLst>
+          </p:cNvPr>
+          <p:cNvSpPr/>
+          <p:nvPr/>
+        </p:nvSpPr>
+        <p:spPr>
+          <a:xfrm>
+            <a:off x="4170030" y="4797505"/>
+            <a:ext cx="2624789" cy="973605"/>
+          </a:xfrm>
+          <a:prstGeom prst="ellipse">
+            <a:avLst/>
+          </a:prstGeom>
+        </p:spPr>
+        <p:style>
+          <a:lnRef idx="2">
+            <a:schemeClr val="accent2">
+              <a:shade val="15000"/>
+            </a:schemeClr>
+          </a:lnRef>
+          <a:fillRef idx="1">
+            <a:schemeClr val="accent2"/>
+          </a:fillRef>
+          <a:effectRef idx="0">
+            <a:schemeClr val="accent2"/>
+          </a:effectRef>
+          <a:fontRef idx="minor">
+            <a:schemeClr val="lt1"/>
+          </a:fontRef>
+        </p:style>
+        <p:txBody>
+          <a:bodyPr rtlCol="0" anchor="ctr"/>
+          <a:lstStyle/>
+          <a:p>
+            <a:pPr algn="ctr"/>
+            <a:r>
+              <a:rPr lang="en-US" dirty="0"/>
+              <a:t>Compiler</a:t>
+            </a:r>
+            <a:endParaRPr lang="en-NL" dirty="0"/>
+          </a:p>
+        </p:txBody>
+      </p:sp>
+      <p:pic>
+        <p:nvPicPr>
+          <p:cNvPr id="2050" name="Picture 2" descr="What Executable File Types are Commonly Used?">
+            <a:extLst>
+              <a:ext uri="{FF2B5EF4-FFF2-40B4-BE49-F238E27FC236}">
+                <a16:creationId xmlns:a16="http://schemas.microsoft.com/office/drawing/2014/main" id="{BD7C95E6-1D88-7A12-2BBB-0B464F629106}"/>
+              </a:ext>
+            </a:extLst>
+          </p:cNvPr>
+          <p:cNvPicPr>
+            <a:picLocks noChangeAspect="1" noChangeArrowheads="1"/>
+          </p:cNvPicPr>
+          <p:nvPr/>
+        </p:nvPicPr>
+        <p:blipFill>
+          <a:blip r:embed="rId5">
+            <a:extLst>
+              <a:ext uri="{28A0092B-C50C-407E-A947-70E740481C1C}">
+                <a14:useLocalDpi xmlns:a14="http://schemas.microsoft.com/office/drawing/2010/main" val="0"/>
+              </a:ext>
+            </a:extLst>
+          </a:blip>
+          <a:srcRect/>
+          <a:stretch>
+            <a:fillRect/>
+          </a:stretch>
+        </p:blipFill>
+        <p:spPr bwMode="auto">
+          <a:xfrm>
+            <a:off x="8216059" y="4675804"/>
+            <a:ext cx="1303441" cy="1303441"/>
+          </a:xfrm>
+          <a:prstGeom prst="rect">
+            <a:avLst/>
+          </a:prstGeom>
+          <a:noFill/>
+          <a:extLst>
+            <a:ext uri="{909E8E84-426E-40DD-AFC4-6F175D3DCCD1}">
+              <a14:hiddenFill xmlns:a14="http://schemas.microsoft.com/office/drawing/2010/main">
+                <a:solidFill>
+                  <a:srgbClr val="FFFFFF"/>
+                </a:solidFill>
+              </a14:hiddenFill>
+            </a:ext>
+          </a:extLst>
+        </p:spPr>
+      </p:pic>
+      <p:sp>
+        <p:nvSpPr>
+          <p:cNvPr id="28" name="Arrow: Right 27">
+            <a:extLst>
+              <a:ext uri="{FF2B5EF4-FFF2-40B4-BE49-F238E27FC236}">
+                <a16:creationId xmlns:a16="http://schemas.microsoft.com/office/drawing/2014/main" id="{F0386E80-C525-292C-FA56-915334A7A49F}"/>
+              </a:ext>
+            </a:extLst>
+          </p:cNvPr>
+          <p:cNvSpPr/>
+          <p:nvPr/>
+        </p:nvSpPr>
+        <p:spPr>
+          <a:xfrm>
+            <a:off x="2753205" y="5149370"/>
+            <a:ext cx="888086" cy="333661"/>
+          </a:xfrm>
+          <a:prstGeom prst="rightArrow">
+            <a:avLst/>
+          </a:prstGeom>
+          <a:solidFill>
+            <a:schemeClr val="accent1">
+              <a:lumMod val="40000"/>
+              <a:lumOff val="60000"/>
+            </a:schemeClr>
+          </a:solidFill>
+        </p:spPr>
+        <p:style>
+          <a:lnRef idx="2">
+            <a:schemeClr val="accent1">
+              <a:shade val="15000"/>
+            </a:schemeClr>
+          </a:lnRef>
+          <a:fillRef idx="1">
+            <a:schemeClr val="accent1"/>
+          </a:fillRef>
+          <a:effectRef idx="0">
+            <a:schemeClr val="accent1"/>
+          </a:effectRef>
+          <a:fontRef idx="minor">
+            <a:schemeClr val="lt1"/>
+          </a:fontRef>
+        </p:style>
+        <p:txBody>
+          <a:bodyPr rtlCol="0" anchor="ctr"/>
+          <a:lstStyle/>
+          <a:p>
+            <a:pPr algn="ctr"/>
+            <a:endParaRPr lang="en-NL"/>
+          </a:p>
+        </p:txBody>
+      </p:sp>
+      <p:sp>
+        <p:nvSpPr>
+          <p:cNvPr id="29" name="Arrow: Right 28">
+            <a:extLst>
+              <a:ext uri="{FF2B5EF4-FFF2-40B4-BE49-F238E27FC236}">
+                <a16:creationId xmlns:a16="http://schemas.microsoft.com/office/drawing/2014/main" id="{E4F7E86A-FB7D-D724-337A-3488D8D80127}"/>
+              </a:ext>
+            </a:extLst>
+          </p:cNvPr>
+          <p:cNvSpPr/>
+          <p:nvPr/>
+        </p:nvSpPr>
+        <p:spPr>
+          <a:xfrm>
+            <a:off x="7098719" y="5149370"/>
+            <a:ext cx="888086" cy="333661"/>
+          </a:xfrm>
+          <a:prstGeom prst="rightArrow">
+            <a:avLst/>
+          </a:prstGeom>
+          <a:solidFill>
+            <a:schemeClr val="accent1">
+              <a:lumMod val="40000"/>
+              <a:lumOff val="60000"/>
+            </a:schemeClr>
+          </a:solidFill>
+        </p:spPr>
+        <p:style>
+          <a:lnRef idx="2">
+            <a:schemeClr val="accent1">
+              <a:shade val="15000"/>
+            </a:schemeClr>
+          </a:lnRef>
+          <a:fillRef idx="1">
+            <a:schemeClr val="accent1"/>
+          </a:fillRef>
+          <a:effectRef idx="0">
+            <a:schemeClr val="accent1"/>
+          </a:effectRef>
+          <a:fontRef idx="minor">
+            <a:schemeClr val="lt1"/>
+          </a:fontRef>
+        </p:style>
+        <p:txBody>
+          <a:bodyPr rtlCol="0" anchor="ctr"/>
+          <a:lstStyle/>
+          <a:p>
+            <a:pPr algn="ctr"/>
+            <a:endParaRPr lang="en-NL"/>
+          </a:p>
+        </p:txBody>
+      </p:sp>
+      <p:sp>
+        <p:nvSpPr>
+          <p:cNvPr id="30" name="TextBox 29">
+            <a:extLst>
+              <a:ext uri="{FF2B5EF4-FFF2-40B4-BE49-F238E27FC236}">
+                <a16:creationId xmlns:a16="http://schemas.microsoft.com/office/drawing/2014/main" id="{C3016350-D518-E9F1-ADA3-32F73987F328}"/>
+              </a:ext>
+            </a:extLst>
+          </p:cNvPr>
+          <p:cNvSpPr txBox="1"/>
+          <p:nvPr/>
+        </p:nvSpPr>
+        <p:spPr>
+          <a:xfrm>
+            <a:off x="8216059" y="5985549"/>
+            <a:ext cx="2403377" cy="923330"/>
+          </a:xfrm>
+          <a:prstGeom prst="rect">
+            <a:avLst/>
+          </a:prstGeom>
+          <a:noFill/>
+        </p:spPr>
+        <p:txBody>
+          <a:bodyPr wrap="square" rtlCol="0">
+            <a:spAutoFit/>
+          </a:bodyPr>
+          <a:lstStyle/>
+          <a:p>
+            <a:r>
+              <a:rPr lang="en-US" dirty="0">
+                <a:solidFill>
+                  <a:schemeClr val="bg1"/>
+                </a:solidFill>
+              </a:rPr>
+              <a:t>Machine code</a:t>
+            </a:r>
+          </a:p>
+          <a:p>
+            <a:r>
+              <a:rPr lang="en-US" dirty="0">
+                <a:solidFill>
+                  <a:schemeClr val="bg1"/>
+                </a:solidFill>
+              </a:rPr>
+              <a:t>(*.exe, ELF)</a:t>
+            </a:r>
+          </a:p>
+          <a:p>
+            <a:endParaRPr lang="en-NL" dirty="0"/>
+          </a:p>
+        </p:txBody>
+      </p:sp>
+      <p:sp>
+        <p:nvSpPr>
+          <p:cNvPr id="31" name="TextBox 30">
+            <a:extLst>
+              <a:ext uri="{FF2B5EF4-FFF2-40B4-BE49-F238E27FC236}">
+                <a16:creationId xmlns:a16="http://schemas.microsoft.com/office/drawing/2014/main" id="{B991F23E-7A40-D0BF-07D4-53CC47578695}"/>
+              </a:ext>
+            </a:extLst>
+          </p:cNvPr>
+          <p:cNvSpPr txBox="1"/>
+          <p:nvPr/>
+        </p:nvSpPr>
+        <p:spPr>
+          <a:xfrm>
+            <a:off x="4524343" y="5894685"/>
+            <a:ext cx="2403377" cy="369332"/>
+          </a:xfrm>
+          <a:prstGeom prst="rect">
+            <a:avLst/>
+          </a:prstGeom>
+          <a:noFill/>
+        </p:spPr>
+        <p:txBody>
+          <a:bodyPr wrap="square" rtlCol="0">
+            <a:spAutoFit/>
+          </a:bodyPr>
+          <a:lstStyle/>
+          <a:p>
+            <a:r>
+              <a:rPr lang="en-US" dirty="0">
+                <a:solidFill>
+                  <a:schemeClr val="bg1"/>
+                </a:solidFill>
+              </a:rPr>
+              <a:t>Checks &amp; optimization</a:t>
+            </a:r>
+          </a:p>
+        </p:txBody>
+      </p:sp>
+    </p:spTree>
+    <p:extLst>
+      <p:ext uri="{BB962C8B-B14F-4D97-AF65-F5344CB8AC3E}">
+        <p14:creationId xmlns:p14="http://schemas.microsoft.com/office/powerpoint/2010/main" val="703031044"/>
+      </p:ext>
+    </p:extLst>
+  </p:cSld>
+  <p:clrMapOvr>
+    <a:masterClrMapping/>
+  </p:clrMapOvr>
+</p:sld>
+</file>
+
+<file path=ppt/slides/slide40.xml><?xml version="1.0" encoding="utf-8"?>
 <p:sld xmlns:a="http://schemas.openxmlformats.org/drawingml/2006/main" xmlns:r="http://schemas.openxmlformats.org/officeDocument/2006/relationships" xmlns:p="http://schemas.openxmlformats.org/presentationml/2006/main">
   <p:cSld>
     <p:bg>
@@ -17624,13 +19788,13 @@
           <p:nvPr/>
         </p:nvPicPr>
         <p:blipFill>
-          <a:blip r:embed="rId2">
+          <a:blip r:embed="rId3">
             <a:extLst>
               <a:ext uri="{28A0092B-C50C-407E-A947-70E740481C1C}">
                 <a14:useLocalDpi xmlns:a14="http://schemas.microsoft.com/office/drawing/2010/main" val="0"/>
               </a:ext>
               <a:ext uri="{96DAC541-7B7A-43D3-8B79-37D633B846F1}">
-                <asvg:svgBlip xmlns:asvg="http://schemas.microsoft.com/office/drawing/2016/SVG/main" r:embed="rId3"/>
+                <asvg:svgBlip xmlns:asvg="http://schemas.microsoft.com/office/drawing/2016/SVG/main" r:embed="rId4"/>
               </a:ext>
             </a:extLst>
           </a:blip>
@@ -19774,7 +21938,7 @@
                   <a:spcPts val="600"/>
                 </a:spcAft>
               </a:pPr>
-              <a:t>39</a:t>
+              <a:t>40</a:t>
             </a:fld>
             <a:endParaRPr lang="en-US">
               <a:solidFill>
@@ -19929,7 +22093,7 @@
 </p:sld>
 </file>
 
-<file path=ppt/slides/slide4.xml><?xml version="1.0" encoding="utf-8"?>
+<file path=ppt/slides/slide5.xml><?xml version="1.0" encoding="utf-8"?>
 <p:sld xmlns:a="http://schemas.openxmlformats.org/drawingml/2006/main" xmlns:r="http://schemas.openxmlformats.org/officeDocument/2006/relationships" xmlns:p="http://schemas.openxmlformats.org/presentationml/2006/main">
   <p:cSld>
     <p:spTree>
@@ -20027,6 +22191,26 @@
               </a:rPr>
               <a:t>Fast</a:t>
             </a:r>
+          </a:p>
+          <a:p>
+            <a:r>
+              <a:rPr lang="en-US" dirty="0">
+                <a:solidFill>
+                  <a:schemeClr val="bg1"/>
+                </a:solidFill>
+              </a:rPr>
+              <a:t>Low-level control</a:t>
+            </a:r>
+            <a:endParaRPr lang="en-NL" dirty="0">
+              <a:solidFill>
+                <a:schemeClr val="bg1"/>
+              </a:solidFill>
+            </a:endParaRPr>
+          </a:p>
+          <a:p>
+            <a:pPr marL="0" indent="0">
+              <a:buNone/>
+            </a:pPr>
             <a:endParaRPr lang="en-NL" dirty="0">
               <a:ea typeface="JetBrainsMono NF" panose="02000009000000000000" pitchFamily="50" charset="0"/>
               <a:cs typeface="JetBrainsMono NF" panose="02000009000000000000" pitchFamily="50" charset="0"/>
@@ -20049,7 +22233,7 @@
           <p:nvPr/>
         </p:nvPicPr>
         <p:blipFill rotWithShape="1">
-          <a:blip r:embed="rId2"/>
+          <a:blip r:embed="rId3"/>
           <a:srcRect l="2559" t="7211" r="49019" b="70367"/>
           <a:stretch/>
         </p:blipFill>
@@ -20086,7 +22270,7 @@
           <a:p>
             <a:fld id="{D1A528A5-A992-41B6-920C-B96B44AAC27A}" type="slidenum">
               <a:rPr lang="en-NL" smtClean="0"/>
-              <a:t>4</a:t>
+              <a:t>5</a:t>
             </a:fld>
             <a:endParaRPr lang="en-NL" dirty="0"/>
           </a:p>
@@ -20142,7 +22326,7 @@
 </p:sld>
 </file>
 
-<file path=ppt/slides/slide5.xml><?xml version="1.0" encoding="utf-8"?>
+<file path=ppt/slides/slide6.xml><?xml version="1.0" encoding="utf-8"?>
 <p:sld xmlns:a="http://schemas.openxmlformats.org/drawingml/2006/main" xmlns:r="http://schemas.openxmlformats.org/officeDocument/2006/relationships" xmlns:p="http://schemas.openxmlformats.org/presentationml/2006/main">
   <p:cSld>
     <p:spTree>
@@ -20212,7 +22396,7 @@
             <a:fld id="{D1A528A5-A992-41B6-920C-B96B44AAC27A}" type="slidenum">
               <a:rPr lang="en-NL" smtClean="0"/>
               <a:pPr/>
-              <a:t>5</a:t>
+              <a:t>6</a:t>
             </a:fld>
             <a:endParaRPr lang="en-NL" dirty="0"/>
           </a:p>
@@ -20489,7 +22673,7 @@
 </p:sld>
 </file>
 
-<file path=ppt/slides/slide6.xml><?xml version="1.0" encoding="utf-8"?>
+<file path=ppt/slides/slide7.xml><?xml version="1.0" encoding="utf-8"?>
 <p:sld xmlns:a="http://schemas.openxmlformats.org/drawingml/2006/main" xmlns:r="http://schemas.openxmlformats.org/officeDocument/2006/relationships" xmlns:p="http://schemas.openxmlformats.org/presentationml/2006/main">
   <p:cSld>
     <p:spTree>
@@ -20685,7 +22869,7 @@
           <a:p>
             <a:fld id="{D1A528A5-A992-41B6-920C-B96B44AAC27A}" type="slidenum">
               <a:rPr lang="en-NL" smtClean="0"/>
-              <a:t>6</a:t>
+              <a:t>7</a:t>
             </a:fld>
             <a:endParaRPr lang="en-NL" dirty="0"/>
           </a:p>
@@ -20780,7 +22964,7 @@
 </p:sld>
 </file>
 
-<file path=ppt/slides/slide7.xml><?xml version="1.0" encoding="utf-8"?>
+<file path=ppt/slides/slide8.xml><?xml version="1.0" encoding="utf-8"?>
 <p:sld xmlns:a="http://schemas.openxmlformats.org/drawingml/2006/main" xmlns:r="http://schemas.openxmlformats.org/officeDocument/2006/relationships" xmlns:p="http://schemas.openxmlformats.org/presentationml/2006/main">
   <p:cSld>
     <p:spTree>
@@ -20938,7 +23122,7 @@
           <a:p>
             <a:fld id="{D1A528A5-A992-41B6-920C-B96B44AAC27A}" type="slidenum">
               <a:rPr lang="en-NL" smtClean="0"/>
-              <a:t>7</a:t>
+              <a:t>8</a:t>
             </a:fld>
             <a:endParaRPr lang="en-NL" dirty="0"/>
           </a:p>
@@ -21782,7 +23966,7 @@
 </p:sld>
 </file>
 
-<file path=ppt/slides/slide8.xml><?xml version="1.0" encoding="utf-8"?>
+<file path=ppt/slides/slide9.xml><?xml version="1.0" encoding="utf-8"?>
 <p:sld xmlns:a="http://schemas.openxmlformats.org/drawingml/2006/main" xmlns:r="http://schemas.openxmlformats.org/officeDocument/2006/relationships" xmlns:p="http://schemas.openxmlformats.org/presentationml/2006/main">
   <p:cSld>
     <p:spTree>
@@ -21881,7 +24065,7 @@
             <a:fld id="{D1A528A5-A992-41B6-920C-B96B44AAC27A}" type="slidenum">
               <a:rPr lang="en-NL" smtClean="0"/>
               <a:pPr/>
-              <a:t>8</a:t>
+              <a:t>9</a:t>
             </a:fld>
             <a:endParaRPr lang="en-NL" dirty="0"/>
           </a:p>
@@ -21922,7 +24106,7 @@
             <p:nvPr/>
           </p:nvPicPr>
           <p:blipFill>
-            <a:blip r:embed="rId2"/>
+            <a:blip r:embed="rId3"/>
             <a:stretch>
               <a:fillRect/>
             </a:stretch>
@@ -22131,551 +24315,6 @@
   <p:clrMapOvr>
     <a:masterClrMapping/>
   </p:clrMapOvr>
-</p:sld>
-</file>
-
-<file path=ppt/slides/slide9.xml><?xml version="1.0" encoding="utf-8"?>
-<p:sld xmlns:a="http://schemas.openxmlformats.org/drawingml/2006/main" xmlns:r="http://schemas.openxmlformats.org/officeDocument/2006/relationships" xmlns:p="http://schemas.openxmlformats.org/presentationml/2006/main">
-  <p:cSld>
-    <p:spTree>
-      <p:nvGrpSpPr>
-        <p:cNvPr id="1" name=""/>
-        <p:cNvGrpSpPr/>
-        <p:nvPr/>
-      </p:nvGrpSpPr>
-      <p:grpSpPr>
-        <a:xfrm>
-          <a:off x="0" y="0"/>
-          <a:ext cx="0" cy="0"/>
-          <a:chOff x="0" y="0"/>
-          <a:chExt cx="0" cy="0"/>
-        </a:xfrm>
-      </p:grpSpPr>
-      <p:sp>
-        <p:nvSpPr>
-          <p:cNvPr id="2" name="Title 1">
-            <a:extLst>
-              <a:ext uri="{FF2B5EF4-FFF2-40B4-BE49-F238E27FC236}">
-                <a16:creationId xmlns:a16="http://schemas.microsoft.com/office/drawing/2014/main" id="{C8BBD235-BD80-5B70-C6A9-9E84012AA5DF}"/>
-              </a:ext>
-            </a:extLst>
-          </p:cNvPr>
-          <p:cNvSpPr>
-            <a:spLocks noGrp="1"/>
-          </p:cNvSpPr>
-          <p:nvPr>
-            <p:ph type="title"/>
-          </p:nvPr>
-        </p:nvSpPr>
-        <p:spPr/>
-        <p:txBody>
-          <a:bodyPr/>
-          <a:lstStyle/>
-          <a:p>
-            <a:r>
-              <a:rPr lang="en-US" dirty="0"/>
-              <a:t>Functions</a:t>
-            </a:r>
-            <a:endParaRPr lang="en-NL" dirty="0"/>
-          </a:p>
-        </p:txBody>
-      </p:sp>
-      <p:sp>
-        <p:nvSpPr>
-          <p:cNvPr id="3" name="Content Placeholder 2">
-            <a:extLst>
-              <a:ext uri="{FF2B5EF4-FFF2-40B4-BE49-F238E27FC236}">
-                <a16:creationId xmlns:a16="http://schemas.microsoft.com/office/drawing/2014/main" id="{1C4C4E95-2131-C492-B536-2D51B6E79B58}"/>
-              </a:ext>
-            </a:extLst>
-          </p:cNvPr>
-          <p:cNvSpPr>
-            <a:spLocks noGrp="1"/>
-          </p:cNvSpPr>
-          <p:nvPr>
-            <p:ph idx="1"/>
-          </p:nvPr>
-        </p:nvSpPr>
-        <p:spPr/>
-        <p:txBody>
-          <a:bodyPr/>
-          <a:lstStyle/>
-          <a:p>
-            <a:r>
-              <a:rPr lang="en-US" dirty="0"/>
-              <a:t>You can use expressions in functions instead of return</a:t>
-            </a:r>
-            <a:endParaRPr lang="en-NL" dirty="0"/>
-          </a:p>
-        </p:txBody>
-      </p:sp>
-      <p:sp>
-        <p:nvSpPr>
-          <p:cNvPr id="4" name="Slide Number Placeholder 3">
-            <a:extLst>
-              <a:ext uri="{FF2B5EF4-FFF2-40B4-BE49-F238E27FC236}">
-                <a16:creationId xmlns:a16="http://schemas.microsoft.com/office/drawing/2014/main" id="{9DE10313-2ACC-0965-3DE2-9ED9FEB11411}"/>
-              </a:ext>
-            </a:extLst>
-          </p:cNvPr>
-          <p:cNvSpPr>
-            <a:spLocks noGrp="1"/>
-          </p:cNvSpPr>
-          <p:nvPr>
-            <p:ph type="sldNum" sz="quarter" idx="12"/>
-          </p:nvPr>
-        </p:nvSpPr>
-        <p:spPr/>
-        <p:txBody>
-          <a:bodyPr/>
-          <a:lstStyle/>
-          <a:p>
-            <a:fld id="{D1A528A5-A992-41B6-920C-B96B44AAC27A}" type="slidenum">
-              <a:rPr lang="en-NL" smtClean="0"/>
-              <a:pPr/>
-              <a:t>9</a:t>
-            </a:fld>
-            <a:endParaRPr lang="en-NL" dirty="0"/>
-          </a:p>
-        </p:txBody>
-      </p:sp>
-      <p:pic>
-        <p:nvPicPr>
-          <p:cNvPr id="6" name="Picture 5">
-            <a:extLst>
-              <a:ext uri="{FF2B5EF4-FFF2-40B4-BE49-F238E27FC236}">
-                <a16:creationId xmlns:a16="http://schemas.microsoft.com/office/drawing/2014/main" id="{59F552DE-8FA5-F20E-A433-A68E11BF778B}"/>
-              </a:ext>
-            </a:extLst>
-          </p:cNvPr>
-          <p:cNvPicPr>
-            <a:picLocks noChangeAspect="1"/>
-          </p:cNvPicPr>
-          <p:nvPr/>
-        </p:nvPicPr>
-        <p:blipFill rotWithShape="1">
-          <a:blip r:embed="rId2"/>
-          <a:srcRect t="51004" b="1162"/>
-          <a:stretch/>
-        </p:blipFill>
-        <p:spPr>
-          <a:xfrm>
-            <a:off x="980010" y="2590546"/>
-            <a:ext cx="7630590" cy="1676908"/>
-          </a:xfrm>
-          <a:prstGeom prst="rect">
-            <a:avLst/>
-          </a:prstGeom>
-        </p:spPr>
-      </p:pic>
-      <p:pic>
-        <p:nvPicPr>
-          <p:cNvPr id="11" name="Picture 10">
-            <a:extLst>
-              <a:ext uri="{FF2B5EF4-FFF2-40B4-BE49-F238E27FC236}">
-                <a16:creationId xmlns:a16="http://schemas.microsoft.com/office/drawing/2014/main" id="{C6D0A7AD-C5C8-DE4E-332D-7D642A9C0EED}"/>
-              </a:ext>
-            </a:extLst>
-          </p:cNvPr>
-          <p:cNvPicPr>
-            <a:picLocks noChangeAspect="1"/>
-          </p:cNvPicPr>
-          <p:nvPr/>
-        </p:nvPicPr>
-        <p:blipFill>
-          <a:blip r:embed="rId3"/>
-          <a:stretch>
-            <a:fillRect/>
-          </a:stretch>
-        </p:blipFill>
-        <p:spPr>
-          <a:xfrm>
-            <a:off x="980010" y="4541907"/>
-            <a:ext cx="7287642" cy="1143160"/>
-          </a:xfrm>
-          <a:prstGeom prst="rect">
-            <a:avLst/>
-          </a:prstGeom>
-        </p:spPr>
-      </p:pic>
-      <p:cxnSp>
-        <p:nvCxnSpPr>
-          <p:cNvPr id="5" name="Straight Connector 4">
-            <a:extLst>
-              <a:ext uri="{FF2B5EF4-FFF2-40B4-BE49-F238E27FC236}">
-                <a16:creationId xmlns:a16="http://schemas.microsoft.com/office/drawing/2014/main" id="{9CEB0580-6CC0-3413-C9EB-547FE14DBE8C}"/>
-              </a:ext>
-            </a:extLst>
-          </p:cNvPr>
-          <p:cNvCxnSpPr>
-            <a:cxnSpLocks/>
-          </p:cNvCxnSpPr>
-          <p:nvPr/>
-        </p:nvCxnSpPr>
-        <p:spPr>
-          <a:xfrm>
-            <a:off x="1013076" y="1396181"/>
-            <a:ext cx="2123414" cy="0"/>
-          </a:xfrm>
-          <a:prstGeom prst="line">
-            <a:avLst/>
-          </a:prstGeom>
-          <a:ln w="28575">
-            <a:solidFill>
-              <a:schemeClr val="accent1">
-                <a:lumMod val="60000"/>
-                <a:lumOff val="40000"/>
-              </a:schemeClr>
-            </a:solidFill>
-          </a:ln>
-        </p:spPr>
-        <p:style>
-          <a:lnRef idx="2">
-            <a:schemeClr val="accent4"/>
-          </a:lnRef>
-          <a:fillRef idx="0">
-            <a:schemeClr val="accent4"/>
-          </a:fillRef>
-          <a:effectRef idx="1">
-            <a:schemeClr val="accent4"/>
-          </a:effectRef>
-          <a:fontRef idx="minor">
-            <a:schemeClr val="tx1"/>
-          </a:fontRef>
-        </p:style>
-      </p:cxnSp>
-      <p:grpSp>
-        <p:nvGrpSpPr>
-          <p:cNvPr id="17" name="Group 16">
-            <a:extLst>
-              <a:ext uri="{FF2B5EF4-FFF2-40B4-BE49-F238E27FC236}">
-                <a16:creationId xmlns:a16="http://schemas.microsoft.com/office/drawing/2014/main" id="{1481A841-5412-40E4-7178-D89FAFBDDCEF}"/>
-              </a:ext>
-            </a:extLst>
-          </p:cNvPr>
-          <p:cNvGrpSpPr/>
-          <p:nvPr/>
-        </p:nvGrpSpPr>
-        <p:grpSpPr>
-          <a:xfrm>
-            <a:off x="3257006" y="3143794"/>
-            <a:ext cx="5495404" cy="2154359"/>
-            <a:chOff x="3257006" y="3143794"/>
-            <a:chExt cx="5495404" cy="2154359"/>
-          </a:xfrm>
-        </p:grpSpPr>
-        <p:sp>
-          <p:nvSpPr>
-            <p:cNvPr id="12" name="TextBox 11">
-              <a:extLst>
-                <a:ext uri="{FF2B5EF4-FFF2-40B4-BE49-F238E27FC236}">
-                  <a16:creationId xmlns:a16="http://schemas.microsoft.com/office/drawing/2014/main" id="{2C53BE19-46A0-2375-77A9-B81008417B4B}"/>
-                </a:ext>
-              </a:extLst>
-            </p:cNvPr>
-            <p:cNvSpPr txBox="1"/>
-            <p:nvPr/>
-          </p:nvSpPr>
-          <p:spPr>
-            <a:xfrm>
-              <a:off x="5417027" y="3196895"/>
-              <a:ext cx="3335383" cy="369332"/>
-            </a:xfrm>
-            <a:prstGeom prst="rect">
-              <a:avLst/>
-            </a:prstGeom>
-            <a:noFill/>
-          </p:spPr>
-          <p:txBody>
-            <a:bodyPr wrap="square" rtlCol="0">
-              <a:spAutoFit/>
-            </a:bodyPr>
-            <a:lstStyle/>
-            <a:p>
-              <a:r>
-                <a:rPr lang="en-US" dirty="0">
-                  <a:solidFill>
-                    <a:schemeClr val="bg1"/>
-                  </a:solidFill>
-                </a:rPr>
-                <a:t>Statements</a:t>
-              </a:r>
-              <a:endParaRPr lang="en-NL" dirty="0">
-                <a:solidFill>
-                  <a:schemeClr val="bg1"/>
-                </a:solidFill>
-              </a:endParaRPr>
-            </a:p>
-          </p:txBody>
-        </p:sp>
-        <p:sp>
-          <p:nvSpPr>
-            <p:cNvPr id="13" name="TextBox 12">
-              <a:extLst>
-                <a:ext uri="{FF2B5EF4-FFF2-40B4-BE49-F238E27FC236}">
-                  <a16:creationId xmlns:a16="http://schemas.microsoft.com/office/drawing/2014/main" id="{25F0AA85-DF38-2535-6B01-2433ECFC7AF7}"/>
-                </a:ext>
-              </a:extLst>
-            </p:cNvPr>
-            <p:cNvSpPr txBox="1"/>
-            <p:nvPr/>
-          </p:nvSpPr>
-          <p:spPr>
-            <a:xfrm>
-              <a:off x="3643401" y="4928821"/>
-              <a:ext cx="3335383" cy="369332"/>
-            </a:xfrm>
-            <a:prstGeom prst="rect">
-              <a:avLst/>
-            </a:prstGeom>
-            <a:noFill/>
-          </p:spPr>
-          <p:txBody>
-            <a:bodyPr wrap="square" rtlCol="0">
-              <a:spAutoFit/>
-            </a:bodyPr>
-            <a:lstStyle/>
-            <a:p>
-              <a:r>
-                <a:rPr lang="en-US" dirty="0">
-                  <a:solidFill>
-                    <a:schemeClr val="bg1"/>
-                  </a:solidFill>
-                </a:rPr>
-                <a:t>Expression</a:t>
-              </a:r>
-              <a:endParaRPr lang="en-NL" dirty="0">
-                <a:solidFill>
-                  <a:schemeClr val="bg1"/>
-                </a:solidFill>
-              </a:endParaRPr>
-            </a:p>
-          </p:txBody>
-        </p:sp>
-        <p:cxnSp>
-          <p:nvCxnSpPr>
-            <p:cNvPr id="15" name="Straight Arrow Connector 14">
-              <a:extLst>
-                <a:ext uri="{FF2B5EF4-FFF2-40B4-BE49-F238E27FC236}">
-                  <a16:creationId xmlns:a16="http://schemas.microsoft.com/office/drawing/2014/main" id="{2242609B-BC31-7A79-4C9A-E521D610F49A}"/>
-                </a:ext>
-              </a:extLst>
-            </p:cNvPr>
-            <p:cNvCxnSpPr>
-              <a:endCxn id="13" idx="1"/>
-            </p:cNvCxnSpPr>
-            <p:nvPr/>
-          </p:nvCxnSpPr>
-          <p:spPr>
-            <a:xfrm>
-              <a:off x="3257006" y="5113487"/>
-              <a:ext cx="386395" cy="0"/>
-            </a:xfrm>
-            <a:prstGeom prst="straightConnector1">
-              <a:avLst/>
-            </a:prstGeom>
-            <a:ln>
-              <a:solidFill>
-                <a:schemeClr val="bg1"/>
-              </a:solidFill>
-              <a:tailEnd type="triangle"/>
-            </a:ln>
-          </p:spPr>
-          <p:style>
-            <a:lnRef idx="2">
-              <a:schemeClr val="accent1"/>
-            </a:lnRef>
-            <a:fillRef idx="0">
-              <a:schemeClr val="accent1"/>
-            </a:fillRef>
-            <a:effectRef idx="1">
-              <a:schemeClr val="accent1"/>
-            </a:effectRef>
-            <a:fontRef idx="minor">
-              <a:schemeClr val="tx1"/>
-            </a:fontRef>
-          </p:style>
-        </p:cxnSp>
-        <p:sp>
-          <p:nvSpPr>
-            <p:cNvPr id="16" name="Right Brace 15">
-              <a:extLst>
-                <a:ext uri="{FF2B5EF4-FFF2-40B4-BE49-F238E27FC236}">
-                  <a16:creationId xmlns:a16="http://schemas.microsoft.com/office/drawing/2014/main" id="{07ADB1A3-915A-54E8-4A71-56485CB127A3}"/>
-                </a:ext>
-              </a:extLst>
-            </p:cNvPr>
-            <p:cNvSpPr/>
-            <p:nvPr/>
-          </p:nvSpPr>
-          <p:spPr>
-            <a:xfrm>
-              <a:off x="5077097" y="3143794"/>
-              <a:ext cx="304800" cy="539932"/>
-            </a:xfrm>
-            <a:prstGeom prst="rightBrace">
-              <a:avLst/>
-            </a:prstGeom>
-            <a:ln>
-              <a:solidFill>
-                <a:schemeClr val="bg1"/>
-              </a:solidFill>
-            </a:ln>
-          </p:spPr>
-          <p:style>
-            <a:lnRef idx="2">
-              <a:schemeClr val="accent1"/>
-            </a:lnRef>
-            <a:fillRef idx="0">
-              <a:schemeClr val="accent1"/>
-            </a:fillRef>
-            <a:effectRef idx="1">
-              <a:schemeClr val="accent1"/>
-            </a:effectRef>
-            <a:fontRef idx="minor">
-              <a:schemeClr val="tx1"/>
-            </a:fontRef>
-          </p:style>
-          <p:txBody>
-            <a:bodyPr rtlCol="0" anchor="ctr"/>
-            <a:lstStyle/>
-            <a:p>
-              <a:pPr algn="ctr"/>
-              <a:endParaRPr lang="en-NL"/>
-            </a:p>
-          </p:txBody>
-        </p:sp>
-      </p:grpSp>
-    </p:spTree>
-    <p:extLst>
-      <p:ext uri="{BB962C8B-B14F-4D97-AF65-F5344CB8AC3E}">
-        <p14:creationId xmlns:p14="http://schemas.microsoft.com/office/powerpoint/2010/main" val="4183989477"/>
-      </p:ext>
-    </p:extLst>
-  </p:cSld>
-  <p:clrMapOvr>
-    <a:masterClrMapping/>
-  </p:clrMapOvr>
-  <p:timing>
-    <p:tnLst>
-      <p:par>
-        <p:cTn id="1" dur="indefinite" restart="never" nodeType="tmRoot">
-          <p:childTnLst>
-            <p:seq concurrent="1" nextAc="seek">
-              <p:cTn id="2" dur="indefinite" nodeType="mainSeq">
-                <p:childTnLst>
-                  <p:par>
-                    <p:cTn id="3" fill="hold">
-                      <p:stCondLst>
-                        <p:cond delay="indefinite"/>
-                      </p:stCondLst>
-                      <p:childTnLst>
-                        <p:par>
-                          <p:cTn id="4" fill="hold">
-                            <p:stCondLst>
-                              <p:cond delay="0"/>
-                            </p:stCondLst>
-                            <p:childTnLst>
-                              <p:par>
-                                <p:cTn id="5" presetID="1" presetClass="entr" presetSubtype="0" fill="hold" nodeType="clickEffect">
-                                  <p:stCondLst>
-                                    <p:cond delay="0"/>
-                                  </p:stCondLst>
-                                  <p:childTnLst>
-                                    <p:set>
-                                      <p:cBhvr>
-                                        <p:cTn id="6" dur="1" fill="hold">
-                                          <p:stCondLst>
-                                            <p:cond delay="0"/>
-                                          </p:stCondLst>
-                                        </p:cTn>
-                                        <p:tgtEl>
-                                          <p:spTgt spid="11"/>
-                                        </p:tgtEl>
-                                        <p:attrNameLst>
-                                          <p:attrName>style.visibility</p:attrName>
-                                        </p:attrNameLst>
-                                      </p:cBhvr>
-                                      <p:to>
-                                        <p:strVal val="visible"/>
-                                      </p:to>
-                                    </p:set>
-                                  </p:childTnLst>
-                                </p:cTn>
-                              </p:par>
-                            </p:childTnLst>
-                          </p:cTn>
-                        </p:par>
-                      </p:childTnLst>
-                    </p:cTn>
-                  </p:par>
-                  <p:par>
-                    <p:cTn id="7" fill="hold">
-                      <p:stCondLst>
-                        <p:cond delay="indefinite"/>
-                      </p:stCondLst>
-                      <p:childTnLst>
-                        <p:par>
-                          <p:cTn id="8" fill="hold">
-                            <p:stCondLst>
-                              <p:cond delay="0"/>
-                            </p:stCondLst>
-                            <p:childTnLst>
-                              <p:par>
-                                <p:cTn id="9" presetID="1" presetClass="entr" presetSubtype="0" fill="hold" nodeType="clickEffect">
-                                  <p:stCondLst>
-                                    <p:cond delay="0"/>
-                                  </p:stCondLst>
-                                  <p:childTnLst>
-                                    <p:set>
-                                      <p:cBhvr>
-                                        <p:cTn id="10" dur="1" fill="hold">
-                                          <p:stCondLst>
-                                            <p:cond delay="0"/>
-                                          </p:stCondLst>
-                                        </p:cTn>
-                                        <p:tgtEl>
-                                          <p:spTgt spid="17"/>
-                                        </p:tgtEl>
-                                        <p:attrNameLst>
-                                          <p:attrName>style.visibility</p:attrName>
-                                        </p:attrNameLst>
-                                      </p:cBhvr>
-                                      <p:to>
-                                        <p:strVal val="visible"/>
-                                      </p:to>
-                                    </p:set>
-                                  </p:childTnLst>
-                                </p:cTn>
-                              </p:par>
-                            </p:childTnLst>
-                          </p:cTn>
-                        </p:par>
-                      </p:childTnLst>
-                    </p:cTn>
-                  </p:par>
-                </p:childTnLst>
-              </p:cTn>
-              <p:prevCondLst>
-                <p:cond evt="onPrev" delay="0">
-                  <p:tgtEl>
-                    <p:sldTgt/>
-                  </p:tgtEl>
-                </p:cond>
-              </p:prevCondLst>
-              <p:nextCondLst>
-                <p:cond evt="onNext" delay="0">
-                  <p:tgtEl>
-                    <p:sldTgt/>
-                  </p:tgtEl>
-                </p:cond>
-              </p:nextCondLst>
-            </p:seq>
-          </p:childTnLst>
-        </p:cTn>
-      </p:par>
-    </p:tnLst>
-  </p:timing>
 </p:sld>
 </file>
 
